--- a/Servlets/Day1/Docs/Web Presentation-Part1.pptx
+++ b/Servlets/Day1/Docs/Web Presentation-Part1.pptx
@@ -5,7 +5,7 @@
     <p:sldMasterId id="2147483648" r:id="rId4"/>
   </p:sldMasterIdLst>
   <p:notesMasterIdLst>
-    <p:notesMasterId r:id="rId47"/>
+    <p:notesMasterId r:id="rId46"/>
   </p:notesMasterIdLst>
   <p:sldIdLst>
     <p:sldId id="256" r:id="rId5"/>
@@ -14,42 +14,41 @@
     <p:sldId id="337" r:id="rId8"/>
     <p:sldId id="299" r:id="rId9"/>
     <p:sldId id="300" r:id="rId10"/>
-    <p:sldId id="301" r:id="rId11"/>
-    <p:sldId id="338" r:id="rId12"/>
-    <p:sldId id="302" r:id="rId13"/>
-    <p:sldId id="304" r:id="rId14"/>
-    <p:sldId id="303" r:id="rId15"/>
-    <p:sldId id="344" r:id="rId16"/>
-    <p:sldId id="339" r:id="rId17"/>
-    <p:sldId id="305" r:id="rId18"/>
-    <p:sldId id="306" r:id="rId19"/>
-    <p:sldId id="340" r:id="rId20"/>
-    <p:sldId id="310" r:id="rId21"/>
-    <p:sldId id="324" r:id="rId22"/>
-    <p:sldId id="311" r:id="rId23"/>
-    <p:sldId id="341" r:id="rId24"/>
-    <p:sldId id="313" r:id="rId25"/>
-    <p:sldId id="314" r:id="rId26"/>
-    <p:sldId id="312" r:id="rId27"/>
-    <p:sldId id="342" r:id="rId28"/>
-    <p:sldId id="326" r:id="rId29"/>
-    <p:sldId id="327" r:id="rId30"/>
-    <p:sldId id="317" r:id="rId31"/>
-    <p:sldId id="329" r:id="rId32"/>
-    <p:sldId id="333" r:id="rId33"/>
-    <p:sldId id="343" r:id="rId34"/>
-    <p:sldId id="315" r:id="rId35"/>
-    <p:sldId id="331" r:id="rId36"/>
-    <p:sldId id="322" r:id="rId37"/>
-    <p:sldId id="336" r:id="rId38"/>
-    <p:sldId id="332" r:id="rId39"/>
-    <p:sldId id="330" r:id="rId40"/>
-    <p:sldId id="316" r:id="rId41"/>
-    <p:sldId id="334" r:id="rId42"/>
-    <p:sldId id="328" r:id="rId43"/>
-    <p:sldId id="319" r:id="rId44"/>
-    <p:sldId id="320" r:id="rId45"/>
-    <p:sldId id="321" r:id="rId46"/>
+    <p:sldId id="338" r:id="rId11"/>
+    <p:sldId id="302" r:id="rId12"/>
+    <p:sldId id="304" r:id="rId13"/>
+    <p:sldId id="303" r:id="rId14"/>
+    <p:sldId id="344" r:id="rId15"/>
+    <p:sldId id="339" r:id="rId16"/>
+    <p:sldId id="305" r:id="rId17"/>
+    <p:sldId id="306" r:id="rId18"/>
+    <p:sldId id="340" r:id="rId19"/>
+    <p:sldId id="310" r:id="rId20"/>
+    <p:sldId id="324" r:id="rId21"/>
+    <p:sldId id="311" r:id="rId22"/>
+    <p:sldId id="341" r:id="rId23"/>
+    <p:sldId id="313" r:id="rId24"/>
+    <p:sldId id="314" r:id="rId25"/>
+    <p:sldId id="312" r:id="rId26"/>
+    <p:sldId id="342" r:id="rId27"/>
+    <p:sldId id="326" r:id="rId28"/>
+    <p:sldId id="327" r:id="rId29"/>
+    <p:sldId id="317" r:id="rId30"/>
+    <p:sldId id="329" r:id="rId31"/>
+    <p:sldId id="333" r:id="rId32"/>
+    <p:sldId id="343" r:id="rId33"/>
+    <p:sldId id="315" r:id="rId34"/>
+    <p:sldId id="331" r:id="rId35"/>
+    <p:sldId id="322" r:id="rId36"/>
+    <p:sldId id="336" r:id="rId37"/>
+    <p:sldId id="332" r:id="rId38"/>
+    <p:sldId id="330" r:id="rId39"/>
+    <p:sldId id="316" r:id="rId40"/>
+    <p:sldId id="334" r:id="rId41"/>
+    <p:sldId id="328" r:id="rId42"/>
+    <p:sldId id="319" r:id="rId43"/>
+    <p:sldId id="320" r:id="rId44"/>
+    <p:sldId id="321" r:id="rId45"/>
   </p:sldIdLst>
   <p:sldSz cx="9144000" cy="6858000" type="screen4x3"/>
   <p:notesSz cx="6858000" cy="9144000"/>
@@ -257,7 +256,7 @@
           <a:p>
             <a:fld id="{4F94E7C4-328C-457B-8CA2-EE381C323794}" type="datetimeFigureOut">
               <a:rPr lang="en-US" smtClean="0"/>
-              <a:t>6/26/2017</a:t>
+              <a:t>7/4/2017</a:t>
             </a:fld>
             <a:endParaRPr lang="en-US"/>
           </a:p>
@@ -747,16 +746,10 @@
               <a:t> and the </a:t>
             </a:r>
             <a:r>
-              <a:rPr lang="en-US" dirty="0" err="1" smtClean="0">
-                <a:hlinkClick r:id="rId8" tooltip="JavaServer Pages"/>
-              </a:rPr>
-              <a:t>JavaServer</a:t>
-            </a:r>
-            <a:r>
               <a:rPr lang="en-US" dirty="0" smtClean="0">
                 <a:hlinkClick r:id="rId8" tooltip="JavaServer Pages"/>
               </a:rPr>
-              <a:t> Pages</a:t>
+              <a:t>JavaServer Pages</a:t>
             </a:r>
             <a:r>
               <a:rPr lang="en-US" dirty="0" smtClean="0"/>
@@ -861,7 +854,7 @@
           <a:p>
             <a:fld id="{84377D70-F193-4353-836F-31B604DF4B77}" type="slidenum">
               <a:rPr lang="en-US" smtClean="0"/>
-              <a:t>14</a:t>
+              <a:t>13</a:t>
             </a:fld>
             <a:endParaRPr lang="en-US"/>
           </a:p>
@@ -945,7 +938,7 @@
           <a:p>
             <a:fld id="{84377D70-F193-4353-836F-31B604DF4B77}" type="slidenum">
               <a:rPr lang="en-US" smtClean="0"/>
-              <a:t>15</a:t>
+              <a:t>14</a:t>
             </a:fld>
             <a:endParaRPr lang="en-US"/>
           </a:p>
@@ -1029,7 +1022,7 @@
           <a:p>
             <a:fld id="{84377D70-F193-4353-836F-31B604DF4B77}" type="slidenum">
               <a:rPr lang="en-US" smtClean="0"/>
-              <a:t>16</a:t>
+              <a:t>15</a:t>
             </a:fld>
             <a:endParaRPr lang="en-US"/>
           </a:p>
@@ -1172,7 +1165,7 @@
           <a:p>
             <a:fld id="{84377D70-F193-4353-836F-31B604DF4B77}" type="slidenum">
               <a:rPr lang="en-US" smtClean="0"/>
-              <a:t>18</a:t>
+              <a:t>17</a:t>
             </a:fld>
             <a:endParaRPr lang="en-US"/>
           </a:p>
@@ -1256,7 +1249,7 @@
           <a:p>
             <a:fld id="{84377D70-F193-4353-836F-31B604DF4B77}" type="slidenum">
               <a:rPr lang="en-US" smtClean="0"/>
-              <a:t>19</a:t>
+              <a:t>18</a:t>
             </a:fld>
             <a:endParaRPr lang="en-US"/>
           </a:p>
@@ -1340,7 +1333,7 @@
           <a:p>
             <a:fld id="{84377D70-F193-4353-836F-31B604DF4B77}" type="slidenum">
               <a:rPr lang="en-US" smtClean="0"/>
-              <a:t>20</a:t>
+              <a:t>19</a:t>
             </a:fld>
             <a:endParaRPr lang="en-US"/>
           </a:p>
@@ -1501,7 +1494,7 @@
           <a:p>
             <a:fld id="{84377D70-F193-4353-836F-31B604DF4B77}" type="slidenum">
               <a:rPr lang="en-US" smtClean="0"/>
-              <a:t>22</a:t>
+              <a:t>21</a:t>
             </a:fld>
             <a:endParaRPr lang="en-US"/>
           </a:p>
@@ -1585,7 +1578,7 @@
           <a:p>
             <a:fld id="{84377D70-F193-4353-836F-31B604DF4B77}" type="slidenum">
               <a:rPr lang="en-US" smtClean="0"/>
-              <a:t>23</a:t>
+              <a:t>22</a:t>
             </a:fld>
             <a:endParaRPr lang="en-US"/>
           </a:p>
@@ -1669,7 +1662,7 @@
           <a:p>
             <a:fld id="{84377D70-F193-4353-836F-31B604DF4B77}" type="slidenum">
               <a:rPr lang="en-US" smtClean="0"/>
-              <a:t>24</a:t>
+              <a:t>23</a:t>
             </a:fld>
             <a:endParaRPr lang="en-US"/>
           </a:p>
@@ -1753,7 +1746,7 @@
           <a:p>
             <a:fld id="{84377D70-F193-4353-836F-31B604DF4B77}" type="slidenum">
               <a:rPr lang="en-US" smtClean="0"/>
-              <a:t>25</a:t>
+              <a:t>24</a:t>
             </a:fld>
             <a:endParaRPr lang="en-US"/>
           </a:p>
@@ -1921,7 +1914,7 @@
           <a:p>
             <a:fld id="{84377D70-F193-4353-836F-31B604DF4B77}" type="slidenum">
               <a:rPr lang="en-US" smtClean="0"/>
-              <a:t>26</a:t>
+              <a:t>25</a:t>
             </a:fld>
             <a:endParaRPr lang="en-US"/>
           </a:p>
@@ -2197,7 +2190,7 @@
           <a:p>
             <a:fld id="{84377D70-F193-4353-836F-31B604DF4B77}" type="slidenum">
               <a:rPr lang="en-US" smtClean="0"/>
-              <a:t>27</a:t>
+              <a:t>26</a:t>
             </a:fld>
             <a:endParaRPr lang="en-US"/>
           </a:p>
@@ -2281,7 +2274,7 @@
           <a:p>
             <a:fld id="{84377D70-F193-4353-836F-31B604DF4B77}" type="slidenum">
               <a:rPr lang="en-US" smtClean="0"/>
-              <a:t>30</a:t>
+              <a:t>29</a:t>
             </a:fld>
             <a:endParaRPr lang="en-US"/>
           </a:p>
@@ -2346,7 +2339,7 @@
           <a:p>
             <a:r>
               <a:rPr lang="en-US" dirty="0" smtClean="0"/>
-              <a:t>The web applications that are deployed in our container are archives with the “.war” extension</a:t>
+              <a:t>Servlets are shy little creatures. They sit on the hard drive just minding their own business, and don’t bother anyone until they've been invoked. However, feed a few drinks to those Servlets – get them loaded – and they remain resident in memory until the party ends, which happens when someone pulls the plug on the application server.</a:t>
             </a:r>
           </a:p>
           <a:p>
@@ -2355,54 +2348,8 @@
           <a:p>
             <a:r>
               <a:rPr lang="en-US" dirty="0" smtClean="0"/>
-              <a:t>It is mandatory that the web archive contains the folder /WEB-INF in the structure</a:t>
-            </a:r>
-          </a:p>
-          <a:p>
-            <a:endParaRPr lang="en-US" dirty="0" smtClean="0"/>
-          </a:p>
-          <a:p>
-            <a:r>
-              <a:rPr lang="en-US" dirty="0" smtClean="0"/>
-              <a:t>Under WEB-INF folder we’ll have another folder named /lib where we’ll find all the “.jar” dependencies of our web application</a:t>
-            </a:r>
-          </a:p>
-          <a:p>
-            <a:endParaRPr lang="en-US" dirty="0" smtClean="0"/>
-          </a:p>
-          <a:p>
-            <a:r>
-              <a:rPr lang="en-US" dirty="0" smtClean="0"/>
-              <a:t>Under WEB-INF folder we’ll have another folder named /classes where we’ll find all the compiled classes of our application</a:t>
-            </a:r>
-          </a:p>
-          <a:p>
-            <a:endParaRPr lang="en-US" dirty="0" smtClean="0"/>
-          </a:p>
-          <a:p>
-            <a:r>
-              <a:rPr lang="en-US" dirty="0" smtClean="0"/>
-              <a:t>Under WEB-INF folder we’ll find a file named </a:t>
-            </a:r>
-            <a:r>
-              <a:rPr lang="en-US" b="1" dirty="0" smtClean="0"/>
-              <a:t>web.xml</a:t>
-            </a:r>
-            <a:r>
-              <a:rPr lang="en-US" dirty="0" smtClean="0"/>
-              <a:t>, if we use the 2.x version of the Servlet API</a:t>
-            </a:r>
-          </a:p>
-          <a:p>
-            <a:endParaRPr lang="en-US" dirty="0" smtClean="0"/>
-          </a:p>
-          <a:p>
-            <a:r>
-              <a:rPr lang="en-US" dirty="0" smtClean="0"/>
-              <a:t>They are portable because they are written in JAVA</a:t>
-            </a:r>
-          </a:p>
-          <a:p>
+              <a:t>If the Servlet hasn’t been called before, the JVM loads the Servlet and then generates a thread to handle the request.</a:t>
+            </a:r>
             <a:endParaRPr lang="en-US" dirty="0"/>
           </a:p>
         </p:txBody>
@@ -2424,7 +2371,7 @@
           <a:p>
             <a:fld id="{84377D70-F193-4353-836F-31B604DF4B77}" type="slidenum">
               <a:rPr lang="en-US" smtClean="0"/>
-              <a:t>36</a:t>
+              <a:t>30</a:t>
             </a:fld>
             <a:endParaRPr lang="en-US"/>
           </a:p>
@@ -2433,7 +2380,7 @@
     </p:spTree>
     <p:extLst>
       <p:ext uri="{BB962C8B-B14F-4D97-AF65-F5344CB8AC3E}">
-        <p14:creationId xmlns:p14="http://schemas.microsoft.com/office/powerpoint/2010/main" val="216062638"/>
+        <p14:creationId xmlns:p14="http://schemas.microsoft.com/office/powerpoint/2010/main" val="65870709"/>
       </p:ext>
     </p:extLst>
   </p:cSld>
@@ -2488,76 +2435,82 @@
           <a:lstStyle/>
           <a:p>
             <a:r>
-              <a:rPr lang="ro-RO" b="1" dirty="0" smtClean="0"/>
-              <a:t>public interface Servlet {</a:t>
-            </a:r>
-            <a:r>
               <a:rPr lang="en-US" b="1" dirty="0" smtClean="0"/>
-              <a:t>…}</a:t>
-            </a:r>
-          </a:p>
-          <a:p>
+              <a:t>From Web Server to Application Server</a:t>
+            </a:r>
             <a:endParaRPr lang="en-US" dirty="0" smtClean="0"/>
           </a:p>
           <a:p>
             <a:r>
-              <a:rPr lang="ro-RO" b="1" dirty="0" smtClean="0"/>
-              <a:t>public abstract class HttpServlet extends GenericServlet</a:t>
-            </a:r>
-          </a:p>
-          <a:p>
-            <a:pPr marL="0" indent="0">
-              <a:buNone/>
-            </a:pPr>
-            <a:r>
-              <a:rPr lang="ro-RO" b="1" dirty="0" smtClean="0"/>
-              <a:t>    </a:t>
-            </a:r>
+              <a:rPr lang="en-US" dirty="0" smtClean="0"/>
+              <a:t>When a client makes a request for a JSP or a Servlet, the request initially goes to the Web server. The Web server reads the special XML file the </a:t>
+            </a:r>
+            <a:r>
+              <a:rPr lang="en-US" dirty="0" smtClean="0">
+                <a:hlinkClick r:id="rId3"/>
+              </a:rPr>
+              <a:t>application server</a:t>
+            </a:r>
+            <a:r>
+              <a:rPr lang="en-US" dirty="0" smtClean="0"/>
+              <a:t> provides, and realizes that the request that came in should be sent to the application server for processing.</a:t>
+            </a:r>
+          </a:p>
+          <a:p>
+            <a:r>
+              <a:rPr lang="en-US" dirty="0" smtClean="0"/>
+              <a:t>The special XML file also provides the IP address/port combination of listening application servers. The Web server, using </a:t>
+            </a:r>
+            <a:r>
+              <a:rPr lang="en-US" dirty="0" smtClean="0">
+                <a:hlinkClick r:id="rId4"/>
+              </a:rPr>
+              <a:t>the http protocol</a:t>
+            </a:r>
+            <a:r>
+              <a:rPr lang="en-US" dirty="0" smtClean="0"/>
+              <a:t>, then sends the request to the Application server JVM listening on the appropriate port.</a:t>
+            </a:r>
+          </a:p>
+          <a:p>
+            <a:r>
+              <a:rPr lang="en-US" dirty="0" smtClean="0"/>
+              <a:t>The JVM listening on the appropriate port represents our application server, and the port the JVM listens on can be configured through that JVM’s Web container.</a:t>
+            </a:r>
+          </a:p>
+          <a:p>
+            <a:r>
+              <a:rPr lang="en-US" dirty="0" smtClean="0"/>
+              <a:t>The Web server handles the incoming request, and matches that request to the application server set up to handle the given Servlet or JSP.</a:t>
+            </a:r>
+          </a:p>
+          <a:p>
+            <a:endParaRPr lang="en-US" dirty="0" smtClean="0"/>
+          </a:p>
+          <a:p>
             <a:r>
               <a:rPr lang="en-US" b="1" dirty="0" smtClean="0"/>
-              <a:t>	</a:t>
-            </a:r>
-            <a:r>
-              <a:rPr lang="ro-RO" b="1" dirty="0" smtClean="0"/>
-              <a:t>implements java.io.Serializable{</a:t>
-            </a:r>
-            <a:r>
-              <a:rPr lang="en-US" b="1" dirty="0" smtClean="0"/>
-              <a:t>…}</a:t>
-            </a:r>
-          </a:p>
-          <a:p>
-            <a:endParaRPr lang="en-US" b="1" dirty="0" smtClean="0"/>
+              <a:t>Inside the Web Container</a:t>
+            </a:r>
+            <a:endParaRPr lang="en-US" dirty="0" smtClean="0"/>
           </a:p>
           <a:p>
             <a:r>
               <a:rPr lang="en-US" dirty="0" smtClean="0"/>
-              <a:t>To create your own servlet you must extend </a:t>
-            </a:r>
-            <a:r>
-              <a:rPr lang="en-US" dirty="0" err="1" smtClean="0"/>
-              <a:t>HttpServlet</a:t>
-            </a:r>
+              <a:t>If the Servlet hasn’t been called before, the JVM loads the Servlet and then generates a thread to handle the request.</a:t>
+            </a:r>
+          </a:p>
+          <a:p>
             <a:r>
               <a:rPr lang="en-US" dirty="0" smtClean="0"/>
-              <a:t> and override </a:t>
-            </a:r>
-            <a:r>
-              <a:rPr lang="en-US" dirty="0" err="1" smtClean="0"/>
-              <a:t>doGet</a:t>
-            </a:r>
-            <a:r>
-              <a:rPr lang="en-US" dirty="0" smtClean="0"/>
-              <a:t> or </a:t>
-            </a:r>
-            <a:r>
-              <a:rPr lang="en-US" dirty="0" err="1" smtClean="0"/>
-              <a:t>doPost</a:t>
-            </a:r>
-            <a:r>
-              <a:rPr lang="en-US" dirty="0" smtClean="0"/>
-              <a:t> method</a:t>
-            </a:r>
+              <a:t>So, the request gets sent from the client, to the Web server, and the Web server passes the request to the application server, who in turn invokes and threads the appropriate Servlet.</a:t>
+            </a:r>
+          </a:p>
+          <a:p>
+            <a:endParaRPr lang="en-US" dirty="0" smtClean="0"/>
+          </a:p>
+          <a:p>
+            <a:endParaRPr lang="en-US" dirty="0"/>
           </a:p>
         </p:txBody>
       </p:sp>
@@ -2578,7 +2531,7 @@
           <a:p>
             <a:fld id="{84377D70-F193-4353-836F-31B604DF4B77}" type="slidenum">
               <a:rPr lang="en-US" smtClean="0"/>
-              <a:t>37</a:t>
+              <a:t>33</a:t>
             </a:fld>
             <a:endParaRPr lang="en-US"/>
           </a:p>
@@ -2587,7 +2540,7 @@
     </p:spTree>
     <p:extLst>
       <p:ext uri="{BB962C8B-B14F-4D97-AF65-F5344CB8AC3E}">
-        <p14:creationId xmlns:p14="http://schemas.microsoft.com/office/powerpoint/2010/main" val="2932503877"/>
+        <p14:creationId xmlns:p14="http://schemas.microsoft.com/office/powerpoint/2010/main" val="543323171"/>
       </p:ext>
     </p:extLst>
   </p:cSld>
@@ -2641,6 +2594,31 @@
           <a:bodyPr/>
           <a:lstStyle/>
           <a:p>
+            <a:r>
+              <a:rPr lang="en-US" b="1" dirty="0" smtClean="0"/>
+              <a:t>What does our Servlet do?</a:t>
+            </a:r>
+            <a:endParaRPr lang="en-US" dirty="0" smtClean="0"/>
+          </a:p>
+          <a:p>
+            <a:r>
+              <a:rPr lang="en-US" dirty="0" smtClean="0"/>
+              <a:t>Well, the Servlet can do pretty much anything the developer wants it to do. When programming Servlets, a developer is only limited by their creativity, and more likely, their Java programming skills.</a:t>
+            </a:r>
+          </a:p>
+          <a:p>
+            <a:r>
+              <a:rPr lang="en-US" dirty="0" smtClean="0"/>
+              <a:t>Typically, a Servlet implements some control logic. For example, a Servlet might figure out what a user typed into some text fields in a web-based form. It might then take that information and save it to a database.</a:t>
+            </a:r>
+          </a:p>
+          <a:p>
+            <a:r>
+              <a:rPr lang="en-US" dirty="0" smtClean="0"/>
+              <a:t>Servlets are intended to be controllers. While Servlets can interact directly with a database, they’re not really supposed to. Instead, Servlets are supposed to delegate to a JavaBean or an EJB to do such things.</a:t>
+            </a:r>
+          </a:p>
+          <a:p>
             <a:endParaRPr lang="en-US" dirty="0"/>
           </a:p>
         </p:txBody>
@@ -2662,7 +2640,7 @@
           <a:p>
             <a:fld id="{84377D70-F193-4353-836F-31B604DF4B77}" type="slidenum">
               <a:rPr lang="en-US" smtClean="0"/>
-              <a:t>38</a:t>
+              <a:t>34</a:t>
             </a:fld>
             <a:endParaRPr lang="en-US"/>
           </a:p>
@@ -2671,7 +2649,7 @@
     </p:spTree>
     <p:extLst>
       <p:ext uri="{BB962C8B-B14F-4D97-AF65-F5344CB8AC3E}">
-        <p14:creationId xmlns:p14="http://schemas.microsoft.com/office/powerpoint/2010/main" val="1818067713"/>
+        <p14:creationId xmlns:p14="http://schemas.microsoft.com/office/powerpoint/2010/main" val="710014292"/>
       </p:ext>
     </p:extLst>
   </p:cSld>
@@ -2725,7 +2703,66 @@
           <a:bodyPr/>
           <a:lstStyle/>
           <a:p>
-            <a:endParaRPr lang="ro-RO" dirty="0"/>
+            <a:r>
+              <a:rPr lang="en-US" dirty="0" smtClean="0"/>
+              <a:t>The web applications that are deployed in our container are archives with the “.war” extension</a:t>
+            </a:r>
+          </a:p>
+          <a:p>
+            <a:endParaRPr lang="en-US" dirty="0" smtClean="0"/>
+          </a:p>
+          <a:p>
+            <a:r>
+              <a:rPr lang="en-US" dirty="0" smtClean="0"/>
+              <a:t>It is mandatory that the web archive contains the folder /WEB-INF in the structure</a:t>
+            </a:r>
+          </a:p>
+          <a:p>
+            <a:endParaRPr lang="en-US" dirty="0" smtClean="0"/>
+          </a:p>
+          <a:p>
+            <a:r>
+              <a:rPr lang="en-US" dirty="0" smtClean="0"/>
+              <a:t>Under WEB-INF folder we’ll have another folder named /lib where we’ll find all the “.jar” dependencies of our web application</a:t>
+            </a:r>
+          </a:p>
+          <a:p>
+            <a:endParaRPr lang="en-US" dirty="0" smtClean="0"/>
+          </a:p>
+          <a:p>
+            <a:r>
+              <a:rPr lang="en-US" dirty="0" smtClean="0"/>
+              <a:t>Under WEB-INF folder we’ll have another folder named /classes where we’ll find all the compiled classes of our application</a:t>
+            </a:r>
+          </a:p>
+          <a:p>
+            <a:endParaRPr lang="en-US" dirty="0" smtClean="0"/>
+          </a:p>
+          <a:p>
+            <a:r>
+              <a:rPr lang="en-US" dirty="0" smtClean="0"/>
+              <a:t>Under WEB-INF folder we’ll find a file named </a:t>
+            </a:r>
+            <a:r>
+              <a:rPr lang="en-US" b="1" dirty="0" smtClean="0"/>
+              <a:t>web.xml</a:t>
+            </a:r>
+            <a:r>
+              <a:rPr lang="en-US" dirty="0" smtClean="0"/>
+              <a:t>, if we use the 2.x version of the Servlet API</a:t>
+            </a:r>
+          </a:p>
+          <a:p>
+            <a:endParaRPr lang="en-US" dirty="0" smtClean="0"/>
+          </a:p>
+          <a:p>
+            <a:r>
+              <a:rPr lang="en-US" dirty="0" smtClean="0"/>
+              <a:t>They are portable because they are written in JAVA</a:t>
+            </a:r>
+          </a:p>
+          <a:p>
+            <a:endParaRPr lang="en-US" dirty="0"/>
           </a:p>
         </p:txBody>
       </p:sp>
@@ -2746,7 +2783,329 @@
           <a:p>
             <a:fld id="{84377D70-F193-4353-836F-31B604DF4B77}" type="slidenum">
               <a:rPr lang="en-US" smtClean="0"/>
-              <a:t>42</a:t>
+              <a:t>35</a:t>
+            </a:fld>
+            <a:endParaRPr lang="en-US"/>
+          </a:p>
+        </p:txBody>
+      </p:sp>
+    </p:spTree>
+    <p:extLst>
+      <p:ext uri="{BB962C8B-B14F-4D97-AF65-F5344CB8AC3E}">
+        <p14:creationId xmlns:p14="http://schemas.microsoft.com/office/powerpoint/2010/main" val="216062638"/>
+      </p:ext>
+    </p:extLst>
+  </p:cSld>
+  <p:clrMapOvr>
+    <a:masterClrMapping/>
+  </p:clrMapOvr>
+</p:notes>
+</file>
+
+<file path=ppt/notesSlides/notesSlide27.xml><?xml version="1.0" encoding="utf-8"?>
+<p:notes xmlns:a="http://schemas.openxmlformats.org/drawingml/2006/main" xmlns:r="http://schemas.openxmlformats.org/officeDocument/2006/relationships" xmlns:p="http://schemas.openxmlformats.org/presentationml/2006/main">
+  <p:cSld>
+    <p:spTree>
+      <p:nvGrpSpPr>
+        <p:cNvPr id="1" name=""/>
+        <p:cNvGrpSpPr/>
+        <p:nvPr/>
+      </p:nvGrpSpPr>
+      <p:grpSpPr>
+        <a:xfrm>
+          <a:off x="0" y="0"/>
+          <a:ext cx="0" cy="0"/>
+          <a:chOff x="0" y="0"/>
+          <a:chExt cx="0" cy="0"/>
+        </a:xfrm>
+      </p:grpSpPr>
+      <p:sp>
+        <p:nvSpPr>
+          <p:cNvPr id="2" name="Slide Image Placeholder 1"/>
+          <p:cNvSpPr>
+            <a:spLocks noGrp="1" noRot="1" noChangeAspect="1"/>
+          </p:cNvSpPr>
+          <p:nvPr>
+            <p:ph type="sldImg"/>
+          </p:nvPr>
+        </p:nvSpPr>
+        <p:spPr/>
+      </p:sp>
+      <p:sp>
+        <p:nvSpPr>
+          <p:cNvPr id="3" name="Notes Placeholder 2"/>
+          <p:cNvSpPr>
+            <a:spLocks noGrp="1"/>
+          </p:cNvSpPr>
+          <p:nvPr>
+            <p:ph type="body" idx="1"/>
+          </p:nvPr>
+        </p:nvSpPr>
+        <p:spPr/>
+        <p:txBody>
+          <a:bodyPr/>
+          <a:lstStyle/>
+          <a:p>
+            <a:r>
+              <a:rPr lang="ro-RO" b="1" dirty="0" smtClean="0"/>
+              <a:t>public interface Servlet {</a:t>
+            </a:r>
+            <a:r>
+              <a:rPr lang="en-US" b="1" dirty="0" smtClean="0"/>
+              <a:t>…}</a:t>
+            </a:r>
+          </a:p>
+          <a:p>
+            <a:endParaRPr lang="en-US" dirty="0" smtClean="0"/>
+          </a:p>
+          <a:p>
+            <a:r>
+              <a:rPr lang="ro-RO" b="1" dirty="0" smtClean="0"/>
+              <a:t>public abstract class HttpServlet extends GenericServlet</a:t>
+            </a:r>
+          </a:p>
+          <a:p>
+            <a:pPr marL="0" indent="0">
+              <a:buNone/>
+            </a:pPr>
+            <a:r>
+              <a:rPr lang="ro-RO" b="1" dirty="0" smtClean="0"/>
+              <a:t>    </a:t>
+            </a:r>
+            <a:r>
+              <a:rPr lang="en-US" b="1" dirty="0" smtClean="0"/>
+              <a:t>	</a:t>
+            </a:r>
+            <a:r>
+              <a:rPr lang="ro-RO" b="1" dirty="0" smtClean="0"/>
+              <a:t>implements java.io.Serializable{</a:t>
+            </a:r>
+            <a:r>
+              <a:rPr lang="en-US" b="1" dirty="0" smtClean="0"/>
+              <a:t>…}</a:t>
+            </a:r>
+          </a:p>
+          <a:p>
+            <a:endParaRPr lang="en-US" b="1" dirty="0" smtClean="0"/>
+          </a:p>
+          <a:p>
+            <a:r>
+              <a:rPr lang="en-US" dirty="0" smtClean="0"/>
+              <a:t>To create your own servlet you must extend </a:t>
+            </a:r>
+            <a:r>
+              <a:rPr lang="en-US" dirty="0" err="1" smtClean="0"/>
+              <a:t>HttpServlet</a:t>
+            </a:r>
+            <a:r>
+              <a:rPr lang="en-US" dirty="0" smtClean="0"/>
+              <a:t> and override </a:t>
+            </a:r>
+            <a:r>
+              <a:rPr lang="en-US" dirty="0" err="1" smtClean="0"/>
+              <a:t>doGet</a:t>
+            </a:r>
+            <a:r>
+              <a:rPr lang="en-US" dirty="0" smtClean="0"/>
+              <a:t> or </a:t>
+            </a:r>
+            <a:r>
+              <a:rPr lang="en-US" dirty="0" err="1" smtClean="0"/>
+              <a:t>doPost</a:t>
+            </a:r>
+            <a:r>
+              <a:rPr lang="en-US" dirty="0" smtClean="0"/>
+              <a:t> method</a:t>
+            </a:r>
+          </a:p>
+        </p:txBody>
+      </p:sp>
+      <p:sp>
+        <p:nvSpPr>
+          <p:cNvPr id="4" name="Slide Number Placeholder 3"/>
+          <p:cNvSpPr>
+            <a:spLocks noGrp="1"/>
+          </p:cNvSpPr>
+          <p:nvPr>
+            <p:ph type="sldNum" sz="quarter" idx="10"/>
+          </p:nvPr>
+        </p:nvSpPr>
+        <p:spPr/>
+        <p:txBody>
+          <a:bodyPr/>
+          <a:lstStyle/>
+          <a:p>
+            <a:fld id="{84377D70-F193-4353-836F-31B604DF4B77}" type="slidenum">
+              <a:rPr lang="en-US" smtClean="0"/>
+              <a:t>36</a:t>
+            </a:fld>
+            <a:endParaRPr lang="en-US"/>
+          </a:p>
+        </p:txBody>
+      </p:sp>
+    </p:spTree>
+    <p:extLst>
+      <p:ext uri="{BB962C8B-B14F-4D97-AF65-F5344CB8AC3E}">
+        <p14:creationId xmlns:p14="http://schemas.microsoft.com/office/powerpoint/2010/main" val="2932503877"/>
+      </p:ext>
+    </p:extLst>
+  </p:cSld>
+  <p:clrMapOvr>
+    <a:masterClrMapping/>
+  </p:clrMapOvr>
+</p:notes>
+</file>
+
+<file path=ppt/notesSlides/notesSlide28.xml><?xml version="1.0" encoding="utf-8"?>
+<p:notes xmlns:a="http://schemas.openxmlformats.org/drawingml/2006/main" xmlns:r="http://schemas.openxmlformats.org/officeDocument/2006/relationships" xmlns:p="http://schemas.openxmlformats.org/presentationml/2006/main">
+  <p:cSld>
+    <p:spTree>
+      <p:nvGrpSpPr>
+        <p:cNvPr id="1" name=""/>
+        <p:cNvGrpSpPr/>
+        <p:nvPr/>
+      </p:nvGrpSpPr>
+      <p:grpSpPr>
+        <a:xfrm>
+          <a:off x="0" y="0"/>
+          <a:ext cx="0" cy="0"/>
+          <a:chOff x="0" y="0"/>
+          <a:chExt cx="0" cy="0"/>
+        </a:xfrm>
+      </p:grpSpPr>
+      <p:sp>
+        <p:nvSpPr>
+          <p:cNvPr id="2" name="Slide Image Placeholder 1"/>
+          <p:cNvSpPr>
+            <a:spLocks noGrp="1" noRot="1" noChangeAspect="1"/>
+          </p:cNvSpPr>
+          <p:nvPr>
+            <p:ph type="sldImg"/>
+          </p:nvPr>
+        </p:nvSpPr>
+        <p:spPr/>
+      </p:sp>
+      <p:sp>
+        <p:nvSpPr>
+          <p:cNvPr id="3" name="Notes Placeholder 2"/>
+          <p:cNvSpPr>
+            <a:spLocks noGrp="1"/>
+          </p:cNvSpPr>
+          <p:nvPr>
+            <p:ph type="body" idx="1"/>
+          </p:nvPr>
+        </p:nvSpPr>
+        <p:spPr/>
+        <p:txBody>
+          <a:bodyPr/>
+          <a:lstStyle/>
+          <a:p>
+            <a:endParaRPr lang="en-US" dirty="0"/>
+          </a:p>
+        </p:txBody>
+      </p:sp>
+      <p:sp>
+        <p:nvSpPr>
+          <p:cNvPr id="4" name="Slide Number Placeholder 3"/>
+          <p:cNvSpPr>
+            <a:spLocks noGrp="1"/>
+          </p:cNvSpPr>
+          <p:nvPr>
+            <p:ph type="sldNum" sz="quarter" idx="10"/>
+          </p:nvPr>
+        </p:nvSpPr>
+        <p:spPr/>
+        <p:txBody>
+          <a:bodyPr/>
+          <a:lstStyle/>
+          <a:p>
+            <a:fld id="{84377D70-F193-4353-836F-31B604DF4B77}" type="slidenum">
+              <a:rPr lang="en-US" smtClean="0"/>
+              <a:t>37</a:t>
+            </a:fld>
+            <a:endParaRPr lang="en-US"/>
+          </a:p>
+        </p:txBody>
+      </p:sp>
+    </p:spTree>
+    <p:extLst>
+      <p:ext uri="{BB962C8B-B14F-4D97-AF65-F5344CB8AC3E}">
+        <p14:creationId xmlns:p14="http://schemas.microsoft.com/office/powerpoint/2010/main" val="1818067713"/>
+      </p:ext>
+    </p:extLst>
+  </p:cSld>
+  <p:clrMapOvr>
+    <a:masterClrMapping/>
+  </p:clrMapOvr>
+</p:notes>
+</file>
+
+<file path=ppt/notesSlides/notesSlide29.xml><?xml version="1.0" encoding="utf-8"?>
+<p:notes xmlns:a="http://schemas.openxmlformats.org/drawingml/2006/main" xmlns:r="http://schemas.openxmlformats.org/officeDocument/2006/relationships" xmlns:p="http://schemas.openxmlformats.org/presentationml/2006/main">
+  <p:cSld>
+    <p:spTree>
+      <p:nvGrpSpPr>
+        <p:cNvPr id="1" name=""/>
+        <p:cNvGrpSpPr/>
+        <p:nvPr/>
+      </p:nvGrpSpPr>
+      <p:grpSpPr>
+        <a:xfrm>
+          <a:off x="0" y="0"/>
+          <a:ext cx="0" cy="0"/>
+          <a:chOff x="0" y="0"/>
+          <a:chExt cx="0" cy="0"/>
+        </a:xfrm>
+      </p:grpSpPr>
+      <p:sp>
+        <p:nvSpPr>
+          <p:cNvPr id="2" name="Slide Image Placeholder 1"/>
+          <p:cNvSpPr>
+            <a:spLocks noGrp="1" noRot="1" noChangeAspect="1"/>
+          </p:cNvSpPr>
+          <p:nvPr>
+            <p:ph type="sldImg"/>
+          </p:nvPr>
+        </p:nvSpPr>
+        <p:spPr/>
+      </p:sp>
+      <p:sp>
+        <p:nvSpPr>
+          <p:cNvPr id="3" name="Notes Placeholder 2"/>
+          <p:cNvSpPr>
+            <a:spLocks noGrp="1"/>
+          </p:cNvSpPr>
+          <p:nvPr>
+            <p:ph type="body" idx="1"/>
+          </p:nvPr>
+        </p:nvSpPr>
+        <p:spPr/>
+        <p:txBody>
+          <a:bodyPr/>
+          <a:lstStyle/>
+          <a:p>
+            <a:endParaRPr lang="ro-RO" dirty="0"/>
+          </a:p>
+        </p:txBody>
+      </p:sp>
+      <p:sp>
+        <p:nvSpPr>
+          <p:cNvPr id="4" name="Slide Number Placeholder 3"/>
+          <p:cNvSpPr>
+            <a:spLocks noGrp="1"/>
+          </p:cNvSpPr>
+          <p:nvPr>
+            <p:ph type="sldNum" sz="quarter" idx="10"/>
+          </p:nvPr>
+        </p:nvSpPr>
+        <p:spPr/>
+        <p:txBody>
+          <a:bodyPr/>
+          <a:lstStyle/>
+          <a:p>
+            <a:fld id="{84377D70-F193-4353-836F-31B604DF4B77}" type="slidenum">
+              <a:rPr lang="en-US" smtClean="0"/>
+              <a:t>41</a:t>
             </a:fld>
             <a:endParaRPr lang="en-US"/>
           </a:p>
@@ -3304,11 +3663,7 @@
             </a:r>
             <a:r>
               <a:rPr lang="en-US" baseline="0" dirty="0" smtClean="0"/>
-              <a:t> (</a:t>
-            </a:r>
-            <a:r>
-              <a:rPr lang="en-US" baseline="0" dirty="0" smtClean="0"/>
-              <a:t>AngularJS, </a:t>
+              <a:t> (AngularJS, </a:t>
             </a:r>
             <a:r>
               <a:rPr lang="en-US" baseline="0" dirty="0" err="1" smtClean="0"/>
@@ -3319,6 +3674,34 @@
               <a:t>)</a:t>
             </a:r>
             <a:endParaRPr lang="en-US" dirty="0" smtClean="0"/>
+          </a:p>
+          <a:p>
+            <a:endParaRPr lang="en-US" dirty="0" smtClean="0"/>
+          </a:p>
+          <a:p>
+            <a:r>
+              <a:rPr lang="en-US" dirty="0" smtClean="0"/>
+              <a:t>Until some 7 years ago we developed web application using thin clients</a:t>
+            </a:r>
+          </a:p>
+          <a:p>
+            <a:endParaRPr lang="en-US" dirty="0" smtClean="0"/>
+          </a:p>
+          <a:p>
+            <a:r>
+              <a:rPr lang="en-US" dirty="0" smtClean="0"/>
+              <a:t>Now we develop  web application based on browser-centric HTML5 applications talking to thin-servers</a:t>
+            </a:r>
+          </a:p>
+          <a:p>
+            <a:endParaRPr lang="en-US" dirty="0" smtClean="0"/>
+          </a:p>
+          <a:p>
+            <a:r>
+              <a:rPr lang="en-US" dirty="0" smtClean="0"/>
+              <a:t>Our technology stack is based on rich clients (Angular JS) and the server provides services to these clients</a:t>
+            </a:r>
+            <a:endParaRPr lang="ro-RO" dirty="0" smtClean="0"/>
           </a:p>
           <a:p>
             <a:endParaRPr lang="en-US" dirty="0"/>
@@ -3426,7 +3809,7 @@
           <a:p>
             <a:fld id="{84377D70-F193-4353-836F-31B604DF4B77}" type="slidenum">
               <a:rPr lang="en-US" smtClean="0"/>
-              <a:t>8</a:t>
+              <a:t>7</a:t>
             </a:fld>
             <a:endParaRPr lang="en-US"/>
           </a:p>
@@ -3638,7 +4021,7 @@
           <a:p>
             <a:fld id="{84377D70-F193-4353-836F-31B604DF4B77}" type="slidenum">
               <a:rPr lang="en-US" smtClean="0"/>
-              <a:t>10</a:t>
+              <a:t>9</a:t>
             </a:fld>
             <a:endParaRPr lang="en-US"/>
           </a:p>
@@ -3722,7 +4105,7 @@
           <a:p>
             <a:fld id="{84377D70-F193-4353-836F-31B604DF4B77}" type="slidenum">
               <a:rPr lang="en-US" smtClean="0"/>
-              <a:t>13</a:t>
+              <a:t>12</a:t>
             </a:fld>
             <a:endParaRPr lang="en-US"/>
           </a:p>
@@ -5697,7 +6080,7 @@
             <a:fld id="{0DDD1723-F08C-BC4A-A158-087EDAF93B47}" type="datetimeFigureOut">
               <a:rPr lang="en-US"/>
               <a:pPr/>
-              <a:t>6/26/2017</a:t>
+              <a:t>7/4/2017</a:t>
             </a:fld>
             <a:endParaRPr lang="en-US"/>
           </a:p>
@@ -6167,15 +6550,7 @@
                   <a:schemeClr val="bg1"/>
                 </a:solidFill>
               </a:rPr>
-              <a:t>     </a:t>
-            </a:r>
-            <a:r>
-              <a:rPr lang="en-US" sz="1600" dirty="0" smtClean="0">
-                <a:solidFill>
-                  <a:schemeClr val="bg1"/>
-                </a:solidFill>
-              </a:rPr>
-              <a:t>Oana BESLIU</a:t>
+              <a:t>     Oana BESLIU</a:t>
             </a:r>
             <a:endParaRPr lang="ro-RO" sz="1600" dirty="0">
               <a:solidFill>
@@ -6427,381 +6802,10 @@
         </p:nvSpPr>
         <p:spPr>
           <a:xfrm>
-            <a:off x="968370" y="787418"/>
-            <a:ext cx="3025562" cy="593092"/>
+            <a:off x="852755" y="766826"/>
+            <a:ext cx="3010585" cy="593092"/>
           </a:xfrm>
         </p:spPr>
-        <p:txBody>
-          <a:bodyPr>
-            <a:normAutofit/>
-          </a:bodyPr>
-          <a:lstStyle/>
-          <a:p>
-            <a:r>
-              <a:rPr lang="en-US" dirty="0" smtClean="0"/>
-              <a:t>Web Container</a:t>
-            </a:r>
-            <a:endParaRPr lang="ro-RO" dirty="0"/>
-          </a:p>
-        </p:txBody>
-      </p:sp>
-      <p:pic>
-        <p:nvPicPr>
-          <p:cNvPr id="4" name="Content Placeholder 3"/>
-          <p:cNvPicPr>
-            <a:picLocks noGrp="1" noChangeAspect="1"/>
-          </p:cNvPicPr>
-          <p:nvPr>
-            <p:ph idx="1"/>
-          </p:nvPr>
-        </p:nvPicPr>
-        <p:blipFill>
-          <a:blip r:embed="rId3">
-            <a:extLst>
-              <a:ext uri="{28A0092B-C50C-407E-A947-70E740481C1C}">
-                <a14:useLocalDpi xmlns:a14="http://schemas.microsoft.com/office/drawing/2010/main" val="0"/>
-              </a:ext>
-            </a:extLst>
-          </a:blip>
-          <a:stretch>
-            <a:fillRect/>
-          </a:stretch>
-        </p:blipFill>
-        <p:spPr>
-          <a:xfrm>
-            <a:off x="6733290" y="421228"/>
-            <a:ext cx="1714591" cy="1284288"/>
-          </a:xfrm>
-        </p:spPr>
-      </p:pic>
-      <p:sp>
-        <p:nvSpPr>
-          <p:cNvPr id="7" name="Content Placeholder 2"/>
-          <p:cNvSpPr txBox="1">
-            <a:spLocks/>
-          </p:cNvSpPr>
-          <p:nvPr/>
-        </p:nvSpPr>
-        <p:spPr>
-          <a:xfrm>
-            <a:off x="720724" y="1600200"/>
-            <a:ext cx="7704139" cy="4690169"/>
-          </a:xfrm>
-          <a:prstGeom prst="rect">
-            <a:avLst/>
-          </a:prstGeom>
-        </p:spPr>
-        <p:txBody>
-          <a:bodyPr vert="horz" lIns="0" tIns="0" rIns="0" bIns="0" rtlCol="0" anchor="ctr" anchorCtr="0">
-            <a:normAutofit/>
-          </a:bodyPr>
-          <a:lstStyle>
-            <a:lvl1pPr marL="285750" indent="-285750" algn="just" defTabSz="457200" rtl="0" eaLnBrk="1" latinLnBrk="0" hangingPunct="1">
-              <a:spcBef>
-                <a:spcPts val="0"/>
-              </a:spcBef>
-              <a:buClr>
-                <a:srgbClr val="E60000"/>
-              </a:buClr>
-              <a:buFont typeface="Arial" panose="020B0604020202020204" pitchFamily="34" charset="0"/>
-              <a:buChar char="•"/>
-              <a:defRPr sz="1800" kern="1200">
-                <a:solidFill>
-                  <a:srgbClr val="565A5C"/>
-                </a:solidFill>
-                <a:latin typeface="Arial"/>
-                <a:ea typeface="+mn-ea"/>
-                <a:cs typeface="Arial"/>
-              </a:defRPr>
-            </a:lvl1pPr>
-            <a:lvl2pPr marL="742950" indent="-285750" algn="just" defTabSz="457200" rtl="0" eaLnBrk="1" latinLnBrk="0" hangingPunct="1">
-              <a:spcBef>
-                <a:spcPts val="0"/>
-              </a:spcBef>
-              <a:buClr>
-                <a:srgbClr val="E60000"/>
-              </a:buClr>
-              <a:buFont typeface="Arial"/>
-              <a:buChar char="–"/>
-              <a:defRPr sz="1600" kern="1200">
-                <a:solidFill>
-                  <a:srgbClr val="565A5C"/>
-                </a:solidFill>
-                <a:latin typeface="Arial"/>
-                <a:ea typeface="+mn-ea"/>
-                <a:cs typeface="Arial"/>
-              </a:defRPr>
-            </a:lvl2pPr>
-            <a:lvl3pPr marL="1143000" indent="-228600" algn="just" defTabSz="457200" rtl="0" eaLnBrk="1" latinLnBrk="0" hangingPunct="1">
-              <a:spcBef>
-                <a:spcPts val="0"/>
-              </a:spcBef>
-              <a:buFont typeface="Arial"/>
-              <a:buChar char="•"/>
-              <a:defRPr sz="1600" kern="1200">
-                <a:solidFill>
-                  <a:srgbClr val="565A5C"/>
-                </a:solidFill>
-                <a:latin typeface="Arial"/>
-                <a:ea typeface="+mn-ea"/>
-                <a:cs typeface="Arial"/>
-              </a:defRPr>
-            </a:lvl3pPr>
-            <a:lvl4pPr marL="1600200" indent="-228600" algn="just" defTabSz="457200" rtl="0" eaLnBrk="1" latinLnBrk="0" hangingPunct="1">
-              <a:spcBef>
-                <a:spcPts val="0"/>
-              </a:spcBef>
-              <a:buClr>
-                <a:srgbClr val="E60000"/>
-              </a:buClr>
-              <a:buFont typeface="Arial"/>
-              <a:buChar char="–"/>
-              <a:defRPr sz="1600" kern="1200">
-                <a:solidFill>
-                  <a:srgbClr val="565A5C"/>
-                </a:solidFill>
-                <a:latin typeface="Arial"/>
-                <a:ea typeface="+mn-ea"/>
-                <a:cs typeface="Arial"/>
-              </a:defRPr>
-            </a:lvl4pPr>
-            <a:lvl5pPr marL="2057400" indent="-228600" algn="just" defTabSz="457200" rtl="0" eaLnBrk="1" latinLnBrk="0" hangingPunct="1">
-              <a:spcBef>
-                <a:spcPts val="0"/>
-              </a:spcBef>
-              <a:buFont typeface="Arial"/>
-              <a:buChar char="»"/>
-              <a:defRPr sz="1600" kern="1200">
-                <a:solidFill>
-                  <a:srgbClr val="565A5C"/>
-                </a:solidFill>
-                <a:latin typeface="Arial"/>
-                <a:ea typeface="+mn-ea"/>
-                <a:cs typeface="Arial"/>
-              </a:defRPr>
-            </a:lvl5pPr>
-            <a:lvl6pPr marL="2514600" indent="-228600" algn="l" defTabSz="457200" rtl="0" eaLnBrk="1" latinLnBrk="0" hangingPunct="1">
-              <a:spcBef>
-                <a:spcPct val="20000"/>
-              </a:spcBef>
-              <a:buFont typeface="Arial"/>
-              <a:buChar char="•"/>
-              <a:defRPr sz="2000" kern="1200">
-                <a:solidFill>
-                  <a:schemeClr val="tx1"/>
-                </a:solidFill>
-                <a:latin typeface="+mn-lt"/>
-                <a:ea typeface="+mn-ea"/>
-                <a:cs typeface="+mn-cs"/>
-              </a:defRPr>
-            </a:lvl6pPr>
-            <a:lvl7pPr marL="2971800" indent="-228600" algn="l" defTabSz="457200" rtl="0" eaLnBrk="1" latinLnBrk="0" hangingPunct="1">
-              <a:spcBef>
-                <a:spcPct val="20000"/>
-              </a:spcBef>
-              <a:buFont typeface="Arial"/>
-              <a:buChar char="•"/>
-              <a:defRPr sz="2000" kern="1200">
-                <a:solidFill>
-                  <a:schemeClr val="tx1"/>
-                </a:solidFill>
-                <a:latin typeface="+mn-lt"/>
-                <a:ea typeface="+mn-ea"/>
-                <a:cs typeface="+mn-cs"/>
-              </a:defRPr>
-            </a:lvl7pPr>
-            <a:lvl8pPr marL="3429000" indent="-228600" algn="l" defTabSz="457200" rtl="0" eaLnBrk="1" latinLnBrk="0" hangingPunct="1">
-              <a:spcBef>
-                <a:spcPct val="20000"/>
-              </a:spcBef>
-              <a:buFont typeface="Arial"/>
-              <a:buChar char="•"/>
-              <a:defRPr sz="2000" kern="1200">
-                <a:solidFill>
-                  <a:schemeClr val="tx1"/>
-                </a:solidFill>
-                <a:latin typeface="+mn-lt"/>
-                <a:ea typeface="+mn-ea"/>
-                <a:cs typeface="+mn-cs"/>
-              </a:defRPr>
-            </a:lvl8pPr>
-            <a:lvl9pPr marL="3886200" indent="-228600" algn="l" defTabSz="457200" rtl="0" eaLnBrk="1" latinLnBrk="0" hangingPunct="1">
-              <a:spcBef>
-                <a:spcPct val="20000"/>
-              </a:spcBef>
-              <a:buFont typeface="Arial"/>
-              <a:buChar char="•"/>
-              <a:defRPr sz="2000" kern="1200">
-                <a:solidFill>
-                  <a:schemeClr val="tx1"/>
-                </a:solidFill>
-                <a:latin typeface="+mn-lt"/>
-                <a:ea typeface="+mn-ea"/>
-                <a:cs typeface="+mn-cs"/>
-              </a:defRPr>
-            </a:lvl9pPr>
-          </a:lstStyle>
-          <a:p>
-            <a:r>
-              <a:rPr lang="en-US" dirty="0"/>
-              <a:t>The </a:t>
-            </a:r>
-            <a:r>
-              <a:rPr lang="en-US" b="1" dirty="0"/>
-              <a:t>web container</a:t>
-            </a:r>
-            <a:r>
-              <a:rPr lang="en-US" dirty="0"/>
-              <a:t> is the interface between web components and the web server. </a:t>
-            </a:r>
-            <a:endParaRPr lang="en-US" dirty="0" smtClean="0"/>
-          </a:p>
-          <a:p>
-            <a:pPr marL="0" indent="0">
-              <a:buNone/>
-            </a:pPr>
-            <a:endParaRPr lang="en-US" dirty="0"/>
-          </a:p>
-          <a:p>
-            <a:r>
-              <a:rPr lang="en-US" dirty="0" smtClean="0"/>
-              <a:t>The </a:t>
-            </a:r>
-            <a:r>
-              <a:rPr lang="en-US" b="1" dirty="0"/>
-              <a:t>web container </a:t>
-            </a:r>
-            <a:endParaRPr lang="en-US" b="1" dirty="0" smtClean="0"/>
-          </a:p>
-          <a:p>
-            <a:pPr lvl="1"/>
-            <a:r>
-              <a:rPr lang="en-US" dirty="0"/>
-              <a:t>Communication </a:t>
-            </a:r>
-            <a:r>
-              <a:rPr lang="en-US" dirty="0" smtClean="0"/>
-              <a:t>Support</a:t>
-            </a:r>
-            <a:endParaRPr lang="en-US" dirty="0"/>
-          </a:p>
-          <a:p>
-            <a:pPr lvl="1"/>
-            <a:r>
-              <a:rPr lang="en-US" dirty="0"/>
-              <a:t>Lifecycle </a:t>
-            </a:r>
-            <a:r>
-              <a:rPr lang="en-US" dirty="0" smtClean="0"/>
-              <a:t>Management</a:t>
-            </a:r>
-            <a:endParaRPr lang="en-US" dirty="0"/>
-          </a:p>
-          <a:p>
-            <a:pPr lvl="1"/>
-            <a:r>
-              <a:rPr lang="en-US" dirty="0"/>
-              <a:t>Multi-threading </a:t>
-            </a:r>
-            <a:r>
-              <a:rPr lang="en-US" dirty="0" smtClean="0"/>
-              <a:t>support</a:t>
-            </a:r>
-            <a:endParaRPr lang="en-US" dirty="0"/>
-          </a:p>
-          <a:p>
-            <a:pPr lvl="1"/>
-            <a:r>
-              <a:rPr lang="en-US" dirty="0" smtClean="0"/>
-              <a:t>Security</a:t>
-            </a:r>
-            <a:endParaRPr lang="en-US" dirty="0"/>
-          </a:p>
-          <a:p>
-            <a:pPr lvl="1"/>
-            <a:r>
-              <a:rPr lang="en-US" dirty="0"/>
-              <a:t>JSP </a:t>
-            </a:r>
-            <a:r>
-              <a:rPr lang="en-US" dirty="0" smtClean="0"/>
-              <a:t>Support</a:t>
-            </a:r>
-          </a:p>
-          <a:p>
-            <a:pPr lvl="1"/>
-            <a:endParaRPr lang="en-US" dirty="0"/>
-          </a:p>
-          <a:p>
-            <a:r>
-              <a:rPr lang="en-US" dirty="0"/>
-              <a:t>A </a:t>
-            </a:r>
-            <a:r>
-              <a:rPr lang="en-US" b="1" dirty="0"/>
-              <a:t>web component</a:t>
-            </a:r>
-            <a:r>
-              <a:rPr lang="en-US" dirty="0"/>
-              <a:t> can be a Servlet, a JSP page, or a Java Server Faces page. </a:t>
-            </a:r>
-          </a:p>
-          <a:p>
-            <a:pPr marL="0" indent="0">
-              <a:buNone/>
-            </a:pPr>
-            <a:endParaRPr lang="ro-RO" dirty="0"/>
-          </a:p>
-        </p:txBody>
-      </p:sp>
-    </p:spTree>
-    <p:extLst>
-      <p:ext uri="{BB962C8B-B14F-4D97-AF65-F5344CB8AC3E}">
-        <p14:creationId xmlns:p14="http://schemas.microsoft.com/office/powerpoint/2010/main" val="3801540554"/>
-      </p:ext>
-    </p:extLst>
-  </p:cSld>
-  <p:clrMapOvr>
-    <a:masterClrMapping/>
-  </p:clrMapOvr>
-  <p:timing>
-    <p:tnLst>
-      <p:par>
-        <p:cTn id="1" dur="indefinite" restart="never" nodeType="tmRoot"/>
-      </p:par>
-    </p:tnLst>
-  </p:timing>
-</p:sld>
-</file>
-
-<file path=ppt/slides/slide11.xml><?xml version="1.0" encoding="utf-8"?>
-<p:sld xmlns:a="http://schemas.openxmlformats.org/drawingml/2006/main" xmlns:r="http://schemas.openxmlformats.org/officeDocument/2006/relationships" xmlns:p="http://schemas.openxmlformats.org/presentationml/2006/main">
-  <p:cSld>
-    <p:spTree>
-      <p:nvGrpSpPr>
-        <p:cNvPr id="1" name=""/>
-        <p:cNvGrpSpPr/>
-        <p:nvPr/>
-      </p:nvGrpSpPr>
-      <p:grpSpPr>
-        <a:xfrm>
-          <a:off x="0" y="0"/>
-          <a:ext cx="0" cy="0"/>
-          <a:chOff x="0" y="0"/>
-          <a:chExt cx="0" cy="0"/>
-        </a:xfrm>
-      </p:grpSpPr>
-      <p:sp>
-        <p:nvSpPr>
-          <p:cNvPr id="2" name="Title 1"/>
-          <p:cNvSpPr>
-            <a:spLocks noGrp="1"/>
-          </p:cNvSpPr>
-          <p:nvPr>
-            <p:ph type="title"/>
-          </p:nvPr>
-        </p:nvSpPr>
-        <p:spPr/>
         <p:txBody>
           <a:bodyPr>
             <a:normAutofit/>
@@ -7083,7 +7087,7 @@
 </p:sld>
 </file>
 
-<file path=ppt/slides/slide12.xml><?xml version="1.0" encoding="utf-8"?>
+<file path=ppt/slides/slide11.xml><?xml version="1.0" encoding="utf-8"?>
 <p:sld xmlns:a="http://schemas.openxmlformats.org/drawingml/2006/main" xmlns:r="http://schemas.openxmlformats.org/officeDocument/2006/relationships" xmlns:p="http://schemas.openxmlformats.org/presentationml/2006/main">
   <p:cSld>
     <p:spTree>
@@ -7110,7 +7114,12 @@
             <p:ph type="title"/>
           </p:nvPr>
         </p:nvSpPr>
-        <p:spPr/>
+        <p:spPr>
+          <a:xfrm>
+            <a:off x="852755" y="766826"/>
+            <a:ext cx="2999155" cy="593092"/>
+          </a:xfrm>
+        </p:spPr>
         <p:txBody>
           <a:bodyPr>
             <a:normAutofit/>
@@ -7381,7 +7390,7 @@
 </p:sld>
 </file>
 
-<file path=ppt/slides/slide13.xml><?xml version="1.0" encoding="utf-8"?>
+<file path=ppt/slides/slide12.xml><?xml version="1.0" encoding="utf-8"?>
 <p:sld xmlns:a="http://schemas.openxmlformats.org/drawingml/2006/main" xmlns:r="http://schemas.openxmlformats.org/officeDocument/2006/relationships" xmlns:p="http://schemas.openxmlformats.org/presentationml/2006/main">
   <p:cSld>
     <p:spTree>
@@ -7448,7 +7457,7 @@
 </p:sld>
 </file>
 
-<file path=ppt/slides/slide14.xml><?xml version="1.0" encoding="utf-8"?>
+<file path=ppt/slides/slide13.xml><?xml version="1.0" encoding="utf-8"?>
 <p:sld xmlns:a="http://schemas.openxmlformats.org/drawingml/2006/main" xmlns:r="http://schemas.openxmlformats.org/officeDocument/2006/relationships" xmlns:p="http://schemas.openxmlformats.org/presentationml/2006/main">
   <p:cSld>
     <p:spTree>
@@ -7477,8 +7486,8 @@
         </p:nvSpPr>
         <p:spPr>
           <a:xfrm>
-            <a:off x="880533" y="766826"/>
-            <a:ext cx="3403601" cy="593092"/>
+            <a:off x="880534" y="766826"/>
+            <a:ext cx="2996986" cy="593092"/>
           </a:xfrm>
         </p:spPr>
         <p:txBody>
@@ -7523,22 +7532,18 @@
             </a:r>
             <a:r>
               <a:rPr lang="en-US" dirty="0"/>
-              <a:t>an </a:t>
-            </a:r>
-            <a:r>
-              <a:rPr lang="en-US" dirty="0">
-                <a:hlinkClick r:id="rId3" tooltip="Open source"/>
-              </a:rPr>
-              <a:t>open source</a:t>
+              <a:t>an</a:t>
+            </a:r>
+            <a:r>
+              <a:rPr lang="en-US" dirty="0"/>
+              <a:t> open source</a:t>
             </a:r>
             <a:r>
               <a:rPr lang="en-US" dirty="0"/>
               <a:t> </a:t>
             </a:r>
             <a:r>
-              <a:rPr lang="en-US" dirty="0">
-                <a:hlinkClick r:id="rId4" tooltip="Web server"/>
-              </a:rPr>
+              <a:rPr lang="en-US" b="1" dirty="0"/>
               <a:t>web server</a:t>
             </a:r>
             <a:r>
@@ -7546,22 +7551,13 @@
               <a:t> and </a:t>
             </a:r>
             <a:r>
-              <a:rPr lang="en-US" dirty="0">
-                <a:hlinkClick r:id="rId5" tooltip="Java Servlet"/>
-              </a:rPr>
-              <a:t>servlet</a:t>
-            </a:r>
-            <a:r>
-              <a:rPr lang="en-US" dirty="0"/>
-              <a:t> </a:t>
-            </a:r>
-            <a:r>
-              <a:rPr lang="en-US" dirty="0" smtClean="0">
-                <a:hlinkClick r:id="rId6" tooltip="Web container"/>
-              </a:rPr>
+              <a:rPr lang="en-US" b="1" dirty="0"/>
+              <a:t>servlet </a:t>
+            </a:r>
+            <a:r>
+              <a:rPr lang="en-US" b="1" dirty="0" smtClean="0"/>
               <a:t>container</a:t>
             </a:r>
-            <a:endParaRPr lang="en-US" dirty="0" smtClean="0"/>
           </a:p>
           <a:p>
             <a:pPr algn="l"/>
@@ -7575,73 +7571,19 @@
             </a:r>
             <a:r>
               <a:rPr lang="en-US" dirty="0"/>
-              <a:t>implements the </a:t>
-            </a:r>
-            <a:r>
-              <a:rPr lang="en-US" dirty="0">
-                <a:hlinkClick r:id="rId5" tooltip="Java Servlet"/>
-              </a:rPr>
-              <a:t>Java Servlet</a:t>
+              <a:t>implements the Java Servlet and the JavaServer Pages (JSP) specifications from Oracle, and provides a "pure Java" </a:t>
+            </a:r>
+            <a:r>
+              <a:rPr lang="en-US" b="1" dirty="0"/>
+              <a:t>HTTP</a:t>
             </a:r>
             <a:r>
               <a:rPr lang="en-US" dirty="0"/>
-              <a:t> and the </a:t>
-            </a:r>
-            <a:r>
-              <a:rPr lang="en-US" dirty="0" err="1">
-                <a:hlinkClick r:id="rId7" tooltip="JavaServer Pages"/>
-              </a:rPr>
-              <a:t>JavaServer</a:t>
-            </a:r>
-            <a:r>
-              <a:rPr lang="en-US" dirty="0">
-                <a:hlinkClick r:id="rId7" tooltip="JavaServer Pages"/>
-              </a:rPr>
-              <a:t> Pages</a:t>
-            </a:r>
-            <a:r>
-              <a:rPr lang="en-US" dirty="0"/>
-              <a:t> (JSP) specifications from Oracle, and provides a "pure </a:t>
-            </a:r>
-            <a:r>
-              <a:rPr lang="en-US" dirty="0">
-                <a:hlinkClick r:id="rId8" tooltip="Java (programming language)"/>
-              </a:rPr>
-              <a:t>Java</a:t>
-            </a:r>
-            <a:r>
-              <a:rPr lang="en-US" dirty="0"/>
-              <a:t>" </a:t>
-            </a:r>
-            <a:r>
-              <a:rPr lang="en-US" dirty="0">
-                <a:hlinkClick r:id="rId9" tooltip="Hypertext Transfer Protocol"/>
-              </a:rPr>
-              <a:t>HTTP</a:t>
-            </a:r>
-            <a:r>
-              <a:rPr lang="en-US" dirty="0"/>
-              <a:t> </a:t>
-            </a:r>
-            <a:r>
-              <a:rPr lang="en-US" dirty="0">
-                <a:hlinkClick r:id="rId4" tooltip="Web server"/>
-              </a:rPr>
-              <a:t>web server</a:t>
-            </a:r>
-            <a:r>
-              <a:rPr lang="en-US" dirty="0"/>
-              <a:t> environment </a:t>
+              <a:t> web server environment </a:t>
             </a:r>
             <a:r>
               <a:rPr lang="en-US" dirty="0" smtClean="0"/>
-              <a:t>for </a:t>
-            </a:r>
-            <a:r>
-              <a:rPr lang="en-US" dirty="0" smtClean="0">
-                <a:hlinkClick r:id="rId8" tooltip="Java (programming language)"/>
-              </a:rPr>
-              <a:t>Java</a:t>
+              <a:t>for Java</a:t>
             </a:r>
             <a:r>
               <a:rPr lang="en-US" dirty="0"/>
@@ -7690,9 +7632,7 @@
               <a:t>Apache Tomcat includes tools for configuration and management, but can also be configured by editing </a:t>
             </a:r>
             <a:r>
-              <a:rPr lang="en-US" dirty="0">
-                <a:hlinkClick r:id="rId10" tooltip="XML"/>
-              </a:rPr>
+              <a:rPr lang="en-US" b="1" dirty="0"/>
               <a:t>XML</a:t>
             </a:r>
             <a:r>
@@ -7715,7 +7655,7 @@
           <p:nvPr/>
         </p:nvPicPr>
         <p:blipFill>
-          <a:blip r:embed="rId11">
+          <a:blip r:embed="rId3">
             <a:extLst>
               <a:ext uri="{28A0092B-C50C-407E-A947-70E740481C1C}">
                 <a14:useLocalDpi xmlns:a14="http://schemas.microsoft.com/office/drawing/2010/main" val="0"/>
@@ -7756,7 +7696,7 @@
 </p:sld>
 </file>
 
-<file path=ppt/slides/slide15.xml><?xml version="1.0" encoding="utf-8"?>
+<file path=ppt/slides/slide14.xml><?xml version="1.0" encoding="utf-8"?>
 <p:sld xmlns:a="http://schemas.openxmlformats.org/drawingml/2006/main" xmlns:r="http://schemas.openxmlformats.org/officeDocument/2006/relationships" xmlns:p="http://schemas.openxmlformats.org/presentationml/2006/main">
   <p:cSld>
     <p:spTree>
@@ -7945,7 +7885,7 @@
 </p:sld>
 </file>
 
-<file path=ppt/slides/slide16.xml><?xml version="1.0" encoding="utf-8"?>
+<file path=ppt/slides/slide15.xml><?xml version="1.0" encoding="utf-8"?>
 <p:sld xmlns:a="http://schemas.openxmlformats.org/drawingml/2006/main" xmlns:r="http://schemas.openxmlformats.org/officeDocument/2006/relationships" xmlns:p="http://schemas.openxmlformats.org/presentationml/2006/main">
   <p:cSld>
     <p:spTree>
@@ -8011,7 +7951,7 @@
 </p:sld>
 </file>
 
-<file path=ppt/slides/slide17.xml><?xml version="1.0" encoding="utf-8"?>
+<file path=ppt/slides/slide16.xml><?xml version="1.0" encoding="utf-8"?>
 <p:sld xmlns:a="http://schemas.openxmlformats.org/drawingml/2006/main" xmlns:r="http://schemas.openxmlformats.org/officeDocument/2006/relationships" xmlns:p="http://schemas.openxmlformats.org/presentationml/2006/main">
   <p:cSld>
     <p:spTree>
@@ -8263,7 +8203,7 @@
 </p:sld>
 </file>
 
-<file path=ppt/slides/slide18.xml><?xml version="1.0" encoding="utf-8"?>
+<file path=ppt/slides/slide17.xml><?xml version="1.0" encoding="utf-8"?>
 <p:sld xmlns:a="http://schemas.openxmlformats.org/drawingml/2006/main" xmlns:r="http://schemas.openxmlformats.org/officeDocument/2006/relationships" xmlns:p="http://schemas.openxmlformats.org/presentationml/2006/main">
   <p:cSld>
     <p:spTree>
@@ -8445,7 +8385,7 @@
 </p:sld>
 </file>
 
-<file path=ppt/slides/slide19.xml><?xml version="1.0" encoding="utf-8"?>
+<file path=ppt/slides/slide18.xml><?xml version="1.0" encoding="utf-8"?>
 <p:sld xmlns:a="http://schemas.openxmlformats.org/drawingml/2006/main" xmlns:r="http://schemas.openxmlformats.org/officeDocument/2006/relationships" xmlns:p="http://schemas.openxmlformats.org/presentationml/2006/main">
   <p:cSld>
     <p:spTree>
@@ -8607,6 +8547,74 @@
     <p:extLst>
       <p:ext uri="{BB962C8B-B14F-4D97-AF65-F5344CB8AC3E}">
         <p14:creationId xmlns:p14="http://schemas.microsoft.com/office/powerpoint/2010/main" val="554807289"/>
+      </p:ext>
+    </p:extLst>
+  </p:cSld>
+  <p:clrMapOvr>
+    <a:masterClrMapping/>
+  </p:clrMapOvr>
+  <p:timing>
+    <p:tnLst>
+      <p:par>
+        <p:cTn id="1" dur="indefinite" restart="never" nodeType="tmRoot"/>
+      </p:par>
+    </p:tnLst>
+  </p:timing>
+</p:sld>
+</file>
+
+<file path=ppt/slides/slide19.xml><?xml version="1.0" encoding="utf-8"?>
+<p:sld xmlns:a="http://schemas.openxmlformats.org/drawingml/2006/main" xmlns:r="http://schemas.openxmlformats.org/officeDocument/2006/relationships" xmlns:p="http://schemas.openxmlformats.org/presentationml/2006/main">
+  <p:cSld>
+    <p:spTree>
+      <p:nvGrpSpPr>
+        <p:cNvPr id="1" name=""/>
+        <p:cNvGrpSpPr/>
+        <p:nvPr/>
+      </p:nvGrpSpPr>
+      <p:grpSpPr>
+        <a:xfrm>
+          <a:off x="0" y="0"/>
+          <a:ext cx="0" cy="0"/>
+          <a:chOff x="0" y="0"/>
+          <a:chExt cx="0" cy="0"/>
+        </a:xfrm>
+      </p:grpSpPr>
+      <p:sp>
+        <p:nvSpPr>
+          <p:cNvPr id="2" name="Title 1"/>
+          <p:cNvSpPr>
+            <a:spLocks noGrp="1"/>
+          </p:cNvSpPr>
+          <p:nvPr>
+            <p:ph type="ctrTitle"/>
+          </p:nvPr>
+        </p:nvSpPr>
+        <p:spPr>
+          <a:xfrm>
+            <a:off x="862357" y="3107272"/>
+            <a:ext cx="7705725" cy="1174545"/>
+          </a:xfrm>
+        </p:spPr>
+        <p:txBody>
+          <a:bodyPr>
+            <a:normAutofit/>
+          </a:bodyPr>
+          <a:lstStyle/>
+          <a:p>
+            <a:pPr algn="ctr"/>
+            <a:r>
+              <a:rPr lang="en-US" dirty="0"/>
+              <a:t>Request - Response model</a:t>
+            </a:r>
+            <a:endParaRPr lang="ro-RO" dirty="0"/>
+          </a:p>
+        </p:txBody>
+      </p:sp>
+    </p:spTree>
+    <p:extLst>
+      <p:ext uri="{BB962C8B-B14F-4D97-AF65-F5344CB8AC3E}">
+        <p14:creationId xmlns:p14="http://schemas.microsoft.com/office/powerpoint/2010/main" val="1876383615"/>
       </p:ext>
     </p:extLst>
   </p:cSld>
@@ -8918,74 +8926,6 @@
       </p:grpSpPr>
       <p:sp>
         <p:nvSpPr>
-          <p:cNvPr id="2" name="Title 1"/>
-          <p:cNvSpPr>
-            <a:spLocks noGrp="1"/>
-          </p:cNvSpPr>
-          <p:nvPr>
-            <p:ph type="ctrTitle"/>
-          </p:nvPr>
-        </p:nvSpPr>
-        <p:spPr>
-          <a:xfrm>
-            <a:off x="862357" y="3107272"/>
-            <a:ext cx="7705725" cy="1174545"/>
-          </a:xfrm>
-        </p:spPr>
-        <p:txBody>
-          <a:bodyPr>
-            <a:normAutofit/>
-          </a:bodyPr>
-          <a:lstStyle/>
-          <a:p>
-            <a:pPr algn="ctr"/>
-            <a:r>
-              <a:rPr lang="en-US" dirty="0"/>
-              <a:t>Request - Response model</a:t>
-            </a:r>
-            <a:endParaRPr lang="ro-RO" dirty="0"/>
-          </a:p>
-        </p:txBody>
-      </p:sp>
-    </p:spTree>
-    <p:extLst>
-      <p:ext uri="{BB962C8B-B14F-4D97-AF65-F5344CB8AC3E}">
-        <p14:creationId xmlns:p14="http://schemas.microsoft.com/office/powerpoint/2010/main" val="1876383615"/>
-      </p:ext>
-    </p:extLst>
-  </p:cSld>
-  <p:clrMapOvr>
-    <a:masterClrMapping/>
-  </p:clrMapOvr>
-  <p:timing>
-    <p:tnLst>
-      <p:par>
-        <p:cTn id="1" dur="indefinite" restart="never" nodeType="tmRoot"/>
-      </p:par>
-    </p:tnLst>
-  </p:timing>
-</p:sld>
-</file>
-
-<file path=ppt/slides/slide21.xml><?xml version="1.0" encoding="utf-8"?>
-<p:sld xmlns:a="http://schemas.openxmlformats.org/drawingml/2006/main" xmlns:r="http://schemas.openxmlformats.org/officeDocument/2006/relationships" xmlns:p="http://schemas.openxmlformats.org/presentationml/2006/main">
-  <p:cSld>
-    <p:spTree>
-      <p:nvGrpSpPr>
-        <p:cNvPr id="1" name=""/>
-        <p:cNvGrpSpPr/>
-        <p:nvPr/>
-      </p:nvGrpSpPr>
-      <p:grpSpPr>
-        <a:xfrm>
-          <a:off x="0" y="0"/>
-          <a:ext cx="0" cy="0"/>
-          <a:chOff x="0" y="0"/>
-          <a:chExt cx="0" cy="0"/>
-        </a:xfrm>
-      </p:grpSpPr>
-      <p:sp>
-        <p:nvSpPr>
           <p:cNvPr id="3" name="Content Placeholder 2"/>
           <p:cNvSpPr>
             <a:spLocks noGrp="1"/>
@@ -9167,7 +9107,7 @@
 </p:sld>
 </file>
 
-<file path=ppt/slides/slide22.xml><?xml version="1.0" encoding="utf-8"?>
+<file path=ppt/slides/slide21.xml><?xml version="1.0" encoding="utf-8"?>
 <p:sld xmlns:a="http://schemas.openxmlformats.org/drawingml/2006/main" xmlns:r="http://schemas.openxmlformats.org/officeDocument/2006/relationships" xmlns:p="http://schemas.openxmlformats.org/presentationml/2006/main">
   <p:cSld>
     <p:spTree>
@@ -11527,7 +11467,7 @@
 </p:sld>
 </file>
 
-<file path=ppt/slides/slide23.xml><?xml version="1.0" encoding="utf-8"?>
+<file path=ppt/slides/slide22.xml><?xml version="1.0" encoding="utf-8"?>
 <p:sld xmlns:a="http://schemas.openxmlformats.org/drawingml/2006/main" xmlns:r="http://schemas.openxmlformats.org/officeDocument/2006/relationships" xmlns:p="http://schemas.openxmlformats.org/presentationml/2006/main">
   <p:cSld>
     <p:spTree>
@@ -11561,7 +11501,9 @@
           </a:xfrm>
         </p:spPr>
         <p:txBody>
-          <a:bodyPr/>
+          <a:bodyPr>
+            <a:normAutofit/>
+          </a:bodyPr>
           <a:lstStyle/>
           <a:p>
             <a:r>
@@ -11575,29 +11517,29 @@
           <a:p>
             <a:pPr lvl="1"/>
             <a:r>
-              <a:rPr lang="en-US" dirty="0" smtClean="0"/>
+              <a:rPr lang="en-US" sz="1800" dirty="0" smtClean="0"/>
               <a:t>HTTP method</a:t>
             </a:r>
           </a:p>
           <a:p>
             <a:pPr lvl="1"/>
-            <a:endParaRPr lang="en-US" dirty="0" smtClean="0"/>
+            <a:endParaRPr lang="en-US" sz="1800" dirty="0" smtClean="0"/>
           </a:p>
           <a:p>
             <a:pPr lvl="1"/>
             <a:r>
-              <a:rPr lang="en-US" dirty="0" smtClean="0"/>
+              <a:rPr lang="en-US" sz="1800" dirty="0" smtClean="0"/>
               <a:t>The page to access - URL</a:t>
             </a:r>
           </a:p>
           <a:p>
             <a:pPr lvl="1"/>
-            <a:endParaRPr lang="en-US" dirty="0" smtClean="0"/>
+            <a:endParaRPr lang="en-US" sz="1800" dirty="0" smtClean="0"/>
           </a:p>
           <a:p>
             <a:pPr lvl="1"/>
             <a:r>
-              <a:rPr lang="en-US" dirty="0" smtClean="0"/>
+              <a:rPr lang="en-US" sz="1800" dirty="0" smtClean="0"/>
               <a:t>Form parameters</a:t>
             </a:r>
           </a:p>
@@ -11782,32 +11724,32 @@
           <a:p>
             <a:pPr lvl="1"/>
             <a:r>
-              <a:rPr lang="en-US" dirty="0" smtClean="0"/>
+              <a:rPr lang="en-US" sz="1800" dirty="0" smtClean="0"/>
               <a:t>Status code </a:t>
             </a:r>
           </a:p>
           <a:p>
             <a:pPr lvl="1"/>
-            <a:endParaRPr lang="en-US" dirty="0"/>
+            <a:endParaRPr lang="en-US" sz="1800" dirty="0"/>
           </a:p>
           <a:p>
             <a:pPr lvl="1"/>
             <a:r>
-              <a:rPr lang="en-US" dirty="0" smtClean="0"/>
+              <a:rPr lang="en-US" sz="1800" dirty="0" smtClean="0"/>
               <a:t>Context-type</a:t>
             </a:r>
           </a:p>
           <a:p>
             <a:pPr lvl="1"/>
-            <a:endParaRPr lang="en-US" dirty="0"/>
+            <a:endParaRPr lang="en-US" sz="1800" dirty="0"/>
           </a:p>
           <a:p>
             <a:pPr lvl="1"/>
             <a:r>
-              <a:rPr lang="en-US" dirty="0" smtClean="0"/>
+              <a:rPr lang="en-US" sz="1800" dirty="0" smtClean="0"/>
               <a:t>The content</a:t>
             </a:r>
-            <a:endParaRPr lang="ro-RO" dirty="0"/>
+            <a:endParaRPr lang="ro-RO" sz="1800" dirty="0"/>
           </a:p>
         </p:txBody>
       </p:sp>
@@ -11910,7 +11852,7 @@
 </p:sld>
 </file>
 
-<file path=ppt/slides/slide24.xml><?xml version="1.0" encoding="utf-8"?>
+<file path=ppt/slides/slide23.xml><?xml version="1.0" encoding="utf-8"?>
 <p:sld xmlns:a="http://schemas.openxmlformats.org/drawingml/2006/main" xmlns:r="http://schemas.openxmlformats.org/officeDocument/2006/relationships" xmlns:p="http://schemas.openxmlformats.org/presentationml/2006/main">
   <p:cSld>
     <p:spTree>
@@ -11962,6 +11904,267 @@
     <p:extLst>
       <p:ext uri="{BB962C8B-B14F-4D97-AF65-F5344CB8AC3E}">
         <p14:creationId xmlns:p14="http://schemas.microsoft.com/office/powerpoint/2010/main" val="1974924660"/>
+      </p:ext>
+    </p:extLst>
+  </p:cSld>
+  <p:clrMapOvr>
+    <a:masterClrMapping/>
+  </p:clrMapOvr>
+  <p:timing>
+    <p:tnLst>
+      <p:par>
+        <p:cTn id="1" dur="indefinite" restart="never" nodeType="tmRoot"/>
+      </p:par>
+    </p:tnLst>
+  </p:timing>
+</p:sld>
+</file>
+
+<file path=ppt/slides/slide24.xml><?xml version="1.0" encoding="utf-8"?>
+<p:sld xmlns:a="http://schemas.openxmlformats.org/drawingml/2006/main" xmlns:r="http://schemas.openxmlformats.org/officeDocument/2006/relationships" xmlns:p="http://schemas.openxmlformats.org/presentationml/2006/main">
+  <p:cSld>
+    <p:spTree>
+      <p:nvGrpSpPr>
+        <p:cNvPr id="1" name=""/>
+        <p:cNvGrpSpPr/>
+        <p:nvPr/>
+      </p:nvGrpSpPr>
+      <p:grpSpPr>
+        <a:xfrm>
+          <a:off x="0" y="0"/>
+          <a:ext cx="0" cy="0"/>
+          <a:chOff x="0" y="0"/>
+          <a:chExt cx="0" cy="0"/>
+        </a:xfrm>
+      </p:grpSpPr>
+      <p:sp>
+        <p:nvSpPr>
+          <p:cNvPr id="3" name="Content Placeholder 2"/>
+          <p:cNvSpPr>
+            <a:spLocks noGrp="1"/>
+          </p:cNvSpPr>
+          <p:nvPr>
+            <p:ph idx="1"/>
+          </p:nvPr>
+        </p:nvSpPr>
+        <p:spPr/>
+        <p:txBody>
+          <a:bodyPr/>
+          <a:lstStyle/>
+          <a:p>
+            <a:r>
+              <a:rPr lang="en-US" b="1" dirty="0" smtClean="0"/>
+              <a:t>HTTP </a:t>
+            </a:r>
+            <a:r>
+              <a:rPr lang="en-US" dirty="0" smtClean="0"/>
+              <a:t>– Hypertext Transfer Protocol</a:t>
+            </a:r>
+          </a:p>
+          <a:p>
+            <a:pPr lvl="1"/>
+            <a:r>
+              <a:rPr lang="en-US" sz="1800" dirty="0"/>
+              <a:t>is an application protocol for distributed, collaborative, information </a:t>
+            </a:r>
+            <a:r>
+              <a:rPr lang="en-US" sz="1800" dirty="0" smtClean="0"/>
+              <a:t>systems</a:t>
+            </a:r>
+          </a:p>
+          <a:p>
+            <a:pPr lvl="1"/>
+            <a:r>
+              <a:rPr lang="en-US" sz="1800" dirty="0" smtClean="0"/>
+              <a:t>is </a:t>
+            </a:r>
+            <a:r>
+              <a:rPr lang="en-US" sz="1800" dirty="0"/>
+              <a:t>the foundation of data communications for </a:t>
+            </a:r>
+            <a:r>
+              <a:rPr lang="en-US" sz="1800" dirty="0" smtClean="0"/>
+              <a:t>www</a:t>
+            </a:r>
+          </a:p>
+          <a:p>
+            <a:pPr lvl="1"/>
+            <a:r>
+              <a:rPr lang="en-US" sz="1800" dirty="0"/>
+              <a:t>functions as a </a:t>
+            </a:r>
+            <a:r>
+              <a:rPr lang="en-US" sz="1800" dirty="0" smtClean="0"/>
+              <a:t>request - response</a:t>
+            </a:r>
+            <a:r>
+              <a:rPr lang="en-US" sz="1800" dirty="0"/>
+              <a:t> protocol in the </a:t>
+            </a:r>
+            <a:r>
+              <a:rPr lang="en-US" sz="1800" dirty="0" smtClean="0"/>
+              <a:t>client - server</a:t>
+            </a:r>
+            <a:r>
+              <a:rPr lang="en-US" sz="1800" dirty="0"/>
+              <a:t> computing </a:t>
+            </a:r>
+            <a:r>
+              <a:rPr lang="en-US" sz="1800" dirty="0" smtClean="0"/>
+              <a:t>model</a:t>
+            </a:r>
+          </a:p>
+          <a:p>
+            <a:pPr lvl="1"/>
+            <a:endParaRPr lang="en-US" sz="1800" b="1" dirty="0" smtClean="0"/>
+          </a:p>
+          <a:p>
+            <a:r>
+              <a:rPr lang="en-US" b="1" dirty="0" smtClean="0"/>
+              <a:t>URL </a:t>
+            </a:r>
+            <a:r>
+              <a:rPr lang="en-US" dirty="0" smtClean="0"/>
+              <a:t>–</a:t>
+            </a:r>
+            <a:r>
+              <a:rPr lang="en-US" b="1" dirty="0" smtClean="0"/>
+              <a:t> </a:t>
+            </a:r>
+            <a:r>
+              <a:rPr lang="en-US" dirty="0" smtClean="0"/>
+              <a:t>Uniform </a:t>
+            </a:r>
+            <a:r>
+              <a:rPr lang="en-US" dirty="0"/>
+              <a:t>R</a:t>
+            </a:r>
+            <a:r>
+              <a:rPr lang="en-US" dirty="0" smtClean="0"/>
+              <a:t>esource Locator</a:t>
+            </a:r>
+          </a:p>
+          <a:p>
+            <a:pPr lvl="1"/>
+            <a:r>
+              <a:rPr lang="en-US" sz="1800" dirty="0"/>
+              <a:t>is a specific character string that constitutes a reference to a </a:t>
+            </a:r>
+            <a:r>
+              <a:rPr lang="en-US" sz="1800" dirty="0" smtClean="0"/>
+              <a:t>resource</a:t>
+            </a:r>
+          </a:p>
+          <a:p>
+            <a:pPr lvl="1"/>
+            <a:endParaRPr lang="en-US" sz="1800" dirty="0"/>
+          </a:p>
+          <a:p>
+            <a:r>
+              <a:rPr lang="en-US" b="1" dirty="0" smtClean="0"/>
+              <a:t>Form Parameters </a:t>
+            </a:r>
+          </a:p>
+          <a:p>
+            <a:pPr lvl="1"/>
+            <a:r>
+              <a:rPr lang="en-US" sz="1800" dirty="0"/>
+              <a:t>r</a:t>
+            </a:r>
+            <a:r>
+              <a:rPr lang="en-US" sz="1800" dirty="0" smtClean="0"/>
+              <a:t>epresent values that are sent with the request</a:t>
+            </a:r>
+            <a:endParaRPr lang="en-US" sz="1800" b="1" dirty="0" smtClean="0"/>
+          </a:p>
+          <a:p>
+            <a:endParaRPr lang="en-US" dirty="0"/>
+          </a:p>
+        </p:txBody>
+      </p:sp>
+      <p:sp>
+        <p:nvSpPr>
+          <p:cNvPr id="6" name="Title 1"/>
+          <p:cNvSpPr txBox="1">
+            <a:spLocks/>
+          </p:cNvSpPr>
+          <p:nvPr/>
+        </p:nvSpPr>
+        <p:spPr>
+          <a:xfrm>
+            <a:off x="1068657" y="835679"/>
+            <a:ext cx="1308784" cy="509645"/>
+          </a:xfrm>
+          <a:prstGeom prst="rect">
+            <a:avLst/>
+          </a:prstGeom>
+          <a:solidFill>
+            <a:schemeClr val="bg1"/>
+          </a:solidFill>
+        </p:spPr>
+        <p:txBody>
+          <a:bodyPr vert="horz" lIns="36000" tIns="0" rIns="0" bIns="0" rtlCol="0" anchor="ctr">
+            <a:normAutofit/>
+          </a:bodyPr>
+          <a:lstStyle>
+            <a:lvl1pPr algn="l" defTabSz="457200" rtl="0" eaLnBrk="1" latinLnBrk="0" hangingPunct="1">
+              <a:spcBef>
+                <a:spcPct val="0"/>
+              </a:spcBef>
+              <a:buNone/>
+              <a:defRPr sz="3000" b="1" kern="1200">
+                <a:solidFill>
+                  <a:srgbClr val="565A5C"/>
+                </a:solidFill>
+                <a:latin typeface="Arial"/>
+                <a:ea typeface="+mj-ea"/>
+                <a:cs typeface="Arial"/>
+              </a:defRPr>
+            </a:lvl1pPr>
+          </a:lstStyle>
+          <a:p>
+            <a:r>
+              <a:rPr lang="en-US" dirty="0" smtClean="0"/>
+              <a:t>HTTP</a:t>
+            </a:r>
+            <a:endParaRPr lang="ro-RO" dirty="0"/>
+          </a:p>
+        </p:txBody>
+      </p:sp>
+      <p:pic>
+        <p:nvPicPr>
+          <p:cNvPr id="7" name="Picture 6"/>
+          <p:cNvPicPr>
+            <a:picLocks noChangeAspect="1"/>
+          </p:cNvPicPr>
+          <p:nvPr/>
+        </p:nvPicPr>
+        <p:blipFill>
+          <a:blip r:embed="rId3">
+            <a:extLst>
+              <a:ext uri="{28A0092B-C50C-407E-A947-70E740481C1C}">
+                <a14:useLocalDpi xmlns:a14="http://schemas.microsoft.com/office/drawing/2010/main" val="0"/>
+              </a:ext>
+            </a:extLst>
+          </a:blip>
+          <a:stretch>
+            <a:fillRect/>
+          </a:stretch>
+        </p:blipFill>
+        <p:spPr>
+          <a:xfrm>
+            <a:off x="7583373" y="276225"/>
+            <a:ext cx="1190625" cy="1323975"/>
+          </a:xfrm>
+          <a:prstGeom prst="rect">
+            <a:avLst/>
+          </a:prstGeom>
+        </p:spPr>
+      </p:pic>
+    </p:spTree>
+    <p:extLst>
+      <p:ext uri="{BB962C8B-B14F-4D97-AF65-F5344CB8AC3E}">
+        <p14:creationId xmlns:p14="http://schemas.microsoft.com/office/powerpoint/2010/main" val="1517703349"/>
       </p:ext>
     </p:extLst>
   </p:cSld>
@@ -12010,271 +12213,6 @@
           <a:bodyPr/>
           <a:lstStyle/>
           <a:p>
-            <a:r>
-              <a:rPr lang="en-US" b="1" dirty="0" smtClean="0"/>
-              <a:t>HTTP </a:t>
-            </a:r>
-            <a:r>
-              <a:rPr lang="en-US" dirty="0" smtClean="0"/>
-              <a:t>– Hypertext Transfer Protocol</a:t>
-            </a:r>
-          </a:p>
-          <a:p>
-            <a:pPr lvl="1"/>
-            <a:r>
-              <a:rPr lang="en-US" dirty="0"/>
-              <a:t>is an application protocol for distributed, collaborative, information </a:t>
-            </a:r>
-            <a:r>
-              <a:rPr lang="en-US" dirty="0" smtClean="0"/>
-              <a:t>systems</a:t>
-            </a:r>
-          </a:p>
-          <a:p>
-            <a:pPr lvl="1"/>
-            <a:r>
-              <a:rPr lang="en-US" dirty="0" smtClean="0"/>
-              <a:t>is </a:t>
-            </a:r>
-            <a:r>
-              <a:rPr lang="en-US" dirty="0"/>
-              <a:t>the foundation of data communications for </a:t>
-            </a:r>
-            <a:r>
-              <a:rPr lang="en-US" dirty="0" smtClean="0"/>
-              <a:t>www</a:t>
-            </a:r>
-          </a:p>
-          <a:p>
-            <a:pPr lvl="1"/>
-            <a:r>
-              <a:rPr lang="en-US" dirty="0"/>
-              <a:t>functions as a </a:t>
-            </a:r>
-            <a:r>
-              <a:rPr lang="en-US" dirty="0">
-                <a:hlinkClick r:id="rId3" tooltip="Request-response"/>
-              </a:rPr>
-              <a:t>request-response</a:t>
-            </a:r>
-            <a:r>
-              <a:rPr lang="en-US" dirty="0"/>
-              <a:t> protocol in the </a:t>
-            </a:r>
-            <a:r>
-              <a:rPr lang="en-US" dirty="0">
-                <a:hlinkClick r:id="rId4" tooltip="Client-server"/>
-              </a:rPr>
-              <a:t>client-server</a:t>
-            </a:r>
-            <a:r>
-              <a:rPr lang="en-US" dirty="0"/>
-              <a:t> computing </a:t>
-            </a:r>
-            <a:r>
-              <a:rPr lang="en-US" dirty="0" smtClean="0"/>
-              <a:t>model</a:t>
-            </a:r>
-          </a:p>
-          <a:p>
-            <a:pPr lvl="1"/>
-            <a:endParaRPr lang="en-US" b="1" dirty="0" smtClean="0"/>
-          </a:p>
-          <a:p>
-            <a:r>
-              <a:rPr lang="en-US" b="1" dirty="0" smtClean="0"/>
-              <a:t>URL </a:t>
-            </a:r>
-            <a:r>
-              <a:rPr lang="en-US" dirty="0" smtClean="0"/>
-              <a:t>–</a:t>
-            </a:r>
-            <a:r>
-              <a:rPr lang="en-US" b="1" dirty="0" smtClean="0"/>
-              <a:t> </a:t>
-            </a:r>
-            <a:r>
-              <a:rPr lang="en-US" dirty="0" smtClean="0"/>
-              <a:t>Uniform </a:t>
-            </a:r>
-            <a:r>
-              <a:rPr lang="en-US" dirty="0"/>
-              <a:t>R</a:t>
-            </a:r>
-            <a:r>
-              <a:rPr lang="en-US" dirty="0" smtClean="0"/>
-              <a:t>esource Locator</a:t>
-            </a:r>
-          </a:p>
-          <a:p>
-            <a:pPr lvl="1"/>
-            <a:r>
-              <a:rPr lang="en-US" dirty="0"/>
-              <a:t>is a specific character string that constitutes a reference to a </a:t>
-            </a:r>
-            <a:r>
-              <a:rPr lang="en-US" dirty="0" smtClean="0"/>
-              <a:t>resource</a:t>
-            </a:r>
-          </a:p>
-          <a:p>
-            <a:pPr lvl="1"/>
-            <a:endParaRPr lang="en-US" dirty="0"/>
-          </a:p>
-          <a:p>
-            <a:r>
-              <a:rPr lang="en-US" b="1" dirty="0" smtClean="0"/>
-              <a:t>Form Parameters </a:t>
-            </a:r>
-          </a:p>
-          <a:p>
-            <a:pPr lvl="1"/>
-            <a:r>
-              <a:rPr lang="en-US" dirty="0"/>
-              <a:t>r</a:t>
-            </a:r>
-            <a:r>
-              <a:rPr lang="en-US" dirty="0" smtClean="0"/>
-              <a:t>epresent values that are sent with the request</a:t>
-            </a:r>
-            <a:endParaRPr lang="en-US" b="1" dirty="0" smtClean="0"/>
-          </a:p>
-          <a:p>
-            <a:endParaRPr lang="en-US" dirty="0"/>
-          </a:p>
-        </p:txBody>
-      </p:sp>
-      <p:sp>
-        <p:nvSpPr>
-          <p:cNvPr id="6" name="Title 1"/>
-          <p:cNvSpPr txBox="1">
-            <a:spLocks/>
-          </p:cNvSpPr>
-          <p:nvPr/>
-        </p:nvSpPr>
-        <p:spPr>
-          <a:xfrm>
-            <a:off x="1068657" y="835679"/>
-            <a:ext cx="1308784" cy="509645"/>
-          </a:xfrm>
-          <a:prstGeom prst="rect">
-            <a:avLst/>
-          </a:prstGeom>
-          <a:solidFill>
-            <a:schemeClr val="bg1"/>
-          </a:solidFill>
-        </p:spPr>
-        <p:txBody>
-          <a:bodyPr vert="horz" lIns="36000" tIns="0" rIns="0" bIns="0" rtlCol="0" anchor="ctr">
-            <a:normAutofit/>
-          </a:bodyPr>
-          <a:lstStyle>
-            <a:lvl1pPr algn="l" defTabSz="457200" rtl="0" eaLnBrk="1" latinLnBrk="0" hangingPunct="1">
-              <a:spcBef>
-                <a:spcPct val="0"/>
-              </a:spcBef>
-              <a:buNone/>
-              <a:defRPr sz="3000" b="1" kern="1200">
-                <a:solidFill>
-                  <a:srgbClr val="565A5C"/>
-                </a:solidFill>
-                <a:latin typeface="Arial"/>
-                <a:ea typeface="+mj-ea"/>
-                <a:cs typeface="Arial"/>
-              </a:defRPr>
-            </a:lvl1pPr>
-          </a:lstStyle>
-          <a:p>
-            <a:r>
-              <a:rPr lang="en-US" dirty="0" smtClean="0"/>
-              <a:t>HTTP</a:t>
-            </a:r>
-            <a:endParaRPr lang="ro-RO" dirty="0"/>
-          </a:p>
-        </p:txBody>
-      </p:sp>
-      <p:pic>
-        <p:nvPicPr>
-          <p:cNvPr id="7" name="Picture 6"/>
-          <p:cNvPicPr>
-            <a:picLocks noChangeAspect="1"/>
-          </p:cNvPicPr>
-          <p:nvPr/>
-        </p:nvPicPr>
-        <p:blipFill>
-          <a:blip r:embed="rId5">
-            <a:extLst>
-              <a:ext uri="{28A0092B-C50C-407E-A947-70E740481C1C}">
-                <a14:useLocalDpi xmlns:a14="http://schemas.microsoft.com/office/drawing/2010/main" val="0"/>
-              </a:ext>
-            </a:extLst>
-          </a:blip>
-          <a:stretch>
-            <a:fillRect/>
-          </a:stretch>
-        </p:blipFill>
-        <p:spPr>
-          <a:xfrm>
-            <a:off x="7583373" y="276225"/>
-            <a:ext cx="1190625" cy="1323975"/>
-          </a:xfrm>
-          <a:prstGeom prst="rect">
-            <a:avLst/>
-          </a:prstGeom>
-        </p:spPr>
-      </p:pic>
-    </p:spTree>
-    <p:extLst>
-      <p:ext uri="{BB962C8B-B14F-4D97-AF65-F5344CB8AC3E}">
-        <p14:creationId xmlns:p14="http://schemas.microsoft.com/office/powerpoint/2010/main" val="1517703349"/>
-      </p:ext>
-    </p:extLst>
-  </p:cSld>
-  <p:clrMapOvr>
-    <a:masterClrMapping/>
-  </p:clrMapOvr>
-  <p:timing>
-    <p:tnLst>
-      <p:par>
-        <p:cTn id="1" dur="indefinite" restart="never" nodeType="tmRoot"/>
-      </p:par>
-    </p:tnLst>
-  </p:timing>
-</p:sld>
-</file>
-
-<file path=ppt/slides/slide26.xml><?xml version="1.0" encoding="utf-8"?>
-<p:sld xmlns:a="http://schemas.openxmlformats.org/drawingml/2006/main" xmlns:r="http://schemas.openxmlformats.org/officeDocument/2006/relationships" xmlns:p="http://schemas.openxmlformats.org/presentationml/2006/main">
-  <p:cSld>
-    <p:spTree>
-      <p:nvGrpSpPr>
-        <p:cNvPr id="1" name=""/>
-        <p:cNvGrpSpPr/>
-        <p:nvPr/>
-      </p:nvGrpSpPr>
-      <p:grpSpPr>
-        <a:xfrm>
-          <a:off x="0" y="0"/>
-          <a:ext cx="0" cy="0"/>
-          <a:chOff x="0" y="0"/>
-          <a:chExt cx="0" cy="0"/>
-        </a:xfrm>
-      </p:grpSpPr>
-      <p:sp>
-        <p:nvSpPr>
-          <p:cNvPr id="3" name="Content Placeholder 2"/>
-          <p:cNvSpPr>
-            <a:spLocks noGrp="1"/>
-          </p:cNvSpPr>
-          <p:nvPr>
-            <p:ph idx="1"/>
-          </p:nvPr>
-        </p:nvSpPr>
-        <p:spPr/>
-        <p:txBody>
-          <a:bodyPr/>
-          <a:lstStyle/>
-          <a:p>
             <a:pPr marL="285750" lvl="1">
               <a:buFont typeface="Arial" panose="020B0604020202020204" pitchFamily="34" charset="0"/>
               <a:buChar char="•"/>
@@ -12302,15 +12240,15 @@
               <a:buChar char="•"/>
             </a:pPr>
             <a:r>
-              <a:rPr lang="en-US" dirty="0" smtClean="0"/>
+              <a:rPr lang="en-US" sz="1800" dirty="0" smtClean="0"/>
               <a:t>specifies </a:t>
             </a:r>
             <a:r>
-              <a:rPr lang="en-US" dirty="0"/>
+              <a:rPr lang="en-US" sz="1800" dirty="0"/>
               <a:t>one of five classes of </a:t>
             </a:r>
             <a:r>
-              <a:rPr lang="en-US" dirty="0" smtClean="0"/>
+              <a:rPr lang="en-US" sz="1800" dirty="0" smtClean="0"/>
               <a:t>response: </a:t>
             </a:r>
           </a:p>
@@ -12391,14 +12329,14 @@
               <a:buChar char="•"/>
             </a:pPr>
             <a:r>
-              <a:rPr lang="en-US" dirty="0" smtClean="0"/>
+              <a:rPr lang="en-US" sz="1800" dirty="0" smtClean="0"/>
               <a:t>describes </a:t>
             </a:r>
             <a:r>
-              <a:rPr lang="en-US" dirty="0"/>
+              <a:rPr lang="en-US" sz="1800" dirty="0"/>
               <a:t>the data contained in the body fully enough that the receiving user agent can pick an appropriate agent or mechanism to present the data to the user</a:t>
             </a:r>
-            <a:endParaRPr lang="en-US" dirty="0" smtClean="0"/>
+            <a:endParaRPr lang="en-US" sz="1800" dirty="0" smtClean="0"/>
           </a:p>
           <a:p>
             <a:pPr marL="685800" lvl="2">
@@ -12431,10 +12369,10 @@
               <a:buChar char="•"/>
             </a:pPr>
             <a:r>
-              <a:rPr lang="en-US" dirty="0" smtClean="0"/>
+              <a:rPr lang="en-US" sz="1800" dirty="0" smtClean="0"/>
               <a:t>is the data received by the client from the server</a:t>
             </a:r>
-            <a:endParaRPr lang="en-US" dirty="0"/>
+            <a:endParaRPr lang="en-US" sz="1800" dirty="0"/>
           </a:p>
         </p:txBody>
       </p:sp>
@@ -12537,7 +12475,7 @@
 </p:sld>
 </file>
 
-<file path=ppt/slides/slide27.xml><?xml version="1.0" encoding="utf-8"?>
+<file path=ppt/slides/slide26.xml><?xml version="1.0" encoding="utf-8"?>
 <p:sld xmlns:a="http://schemas.openxmlformats.org/drawingml/2006/main" xmlns:r="http://schemas.openxmlformats.org/officeDocument/2006/relationships" xmlns:p="http://schemas.openxmlformats.org/presentationml/2006/main">
   <p:cSld>
     <p:spTree>
@@ -12779,7 +12717,7 @@
 </p:sld>
 </file>
 
-<file path=ppt/slides/slide28.xml><?xml version="1.0" encoding="utf-8"?>
+<file path=ppt/slides/slide27.xml><?xml version="1.0" encoding="utf-8"?>
 <p:sld xmlns:a="http://schemas.openxmlformats.org/drawingml/2006/main" xmlns:r="http://schemas.openxmlformats.org/officeDocument/2006/relationships" xmlns:p="http://schemas.openxmlformats.org/presentationml/2006/main">
   <p:cSld>
     <p:spTree>
@@ -13083,7 +13021,7 @@
 </p:sld>
 </file>
 
-<file path=ppt/slides/slide29.xml><?xml version="1.0" encoding="utf-8"?>
+<file path=ppt/slides/slide28.xml><?xml version="1.0" encoding="utf-8"?>
 <p:sld xmlns:a="http://schemas.openxmlformats.org/drawingml/2006/main" xmlns:r="http://schemas.openxmlformats.org/officeDocument/2006/relationships" xmlns:p="http://schemas.openxmlformats.org/presentationml/2006/main">
   <p:cSld>
     <p:spTree>
@@ -13196,13 +13134,13 @@
           <p:nvPr>
             <p:extLst>
               <p:ext uri="{D42A27DB-BD31-4B8C-83A1-F6EECF244321}">
-                <p14:modId xmlns:p14="http://schemas.microsoft.com/office/powerpoint/2010/main" val="1301118891"/>
+                <p14:modId xmlns:p14="http://schemas.microsoft.com/office/powerpoint/2010/main" val="1280524832"/>
               </p:ext>
             </p:extLst>
           </p:nvPr>
         </p:nvGraphicFramePr>
         <p:xfrm>
-          <a:off x="457200" y="1981200"/>
+          <a:off x="457200" y="1830725"/>
           <a:ext cx="8229600" cy="4349751"/>
         </p:xfrm>
         <a:graphic>
@@ -14267,7 +14205,7 @@
                         <a:tabLst/>
                       </a:pPr>
                       <a:r>
-                        <a:rPr kumimoji="0" lang="en-US" sz="1800" b="1" i="0" u="none" strike="noStrike" cap="none" normalizeH="0" baseline="0" dirty="0" err="1" smtClean="0">
+                        <a:rPr kumimoji="0" lang="en-US" sz="1800" b="1" i="0" u="none" strike="noStrike" cap="none" normalizeH="0" baseline="0" dirty="0" smtClean="0">
                           <a:ln>
                             <a:noFill/>
                           </a:ln>
@@ -14280,17 +14218,6 @@
                         </a:rPr>
                         <a:t>Idempotency</a:t>
                       </a:r>
-                      <a:endParaRPr kumimoji="0" lang="en-US" sz="1800" b="1" i="0" u="none" strike="noStrike" cap="none" normalizeH="0" baseline="0" dirty="0" smtClean="0">
-                        <a:ln>
-                          <a:noFill/>
-                        </a:ln>
-                        <a:solidFill>
-                          <a:schemeClr val="hlink"/>
-                        </a:solidFill>
-                        <a:effectLst/>
-                        <a:latin typeface="Trebuchet MS" pitchFamily="34" charset="0"/>
-                        <a:cs typeface="Arial" charset="0"/>
-                      </a:endParaRPr>
                     </a:p>
                   </a:txBody>
                   <a:tcPr marT="45727" marB="45727" horzOverflow="overflow">
@@ -14361,7 +14288,7 @@
                         <a:tabLst/>
                       </a:pPr>
                       <a:r>
-                        <a:rPr kumimoji="0" lang="en-US" sz="1800" b="0" i="0" u="none" strike="noStrike" cap="none" normalizeH="0" baseline="0" smtClean="0">
+                        <a:rPr kumimoji="0" lang="en-US" sz="1800" b="0" i="0" u="none" strike="noStrike" cap="none" normalizeH="0" baseline="0" dirty="0" smtClean="0">
                           <a:ln>
                             <a:noFill/>
                           </a:ln>
@@ -14612,7 +14539,7 @@
                         <a:tabLst/>
                       </a:pPr>
                       <a:r>
-                        <a:rPr kumimoji="0" lang="en-US" sz="1800" b="0" i="0" u="none" strike="noStrike" cap="none" normalizeH="0" baseline="0" smtClean="0">
+                        <a:rPr kumimoji="0" lang="en-US" sz="1800" b="0" i="0" u="none" strike="noStrike" cap="none" normalizeH="0" baseline="0" dirty="0" smtClean="0">
                           <a:ln>
                             <a:noFill/>
                           </a:ln>
@@ -14781,6 +14708,74 @@
 </p:sld>
 </file>
 
+<file path=ppt/slides/slide29.xml><?xml version="1.0" encoding="utf-8"?>
+<p:sld xmlns:a="http://schemas.openxmlformats.org/drawingml/2006/main" xmlns:r="http://schemas.openxmlformats.org/officeDocument/2006/relationships" xmlns:p="http://schemas.openxmlformats.org/presentationml/2006/main">
+  <p:cSld>
+    <p:spTree>
+      <p:nvGrpSpPr>
+        <p:cNvPr id="1" name=""/>
+        <p:cNvGrpSpPr/>
+        <p:nvPr/>
+      </p:nvGrpSpPr>
+      <p:grpSpPr>
+        <a:xfrm>
+          <a:off x="0" y="0"/>
+          <a:ext cx="0" cy="0"/>
+          <a:chOff x="0" y="0"/>
+          <a:chExt cx="0" cy="0"/>
+        </a:xfrm>
+      </p:grpSpPr>
+      <p:sp>
+        <p:nvSpPr>
+          <p:cNvPr id="2" name="Title 1"/>
+          <p:cNvSpPr>
+            <a:spLocks noGrp="1"/>
+          </p:cNvSpPr>
+          <p:nvPr>
+            <p:ph type="ctrTitle"/>
+          </p:nvPr>
+        </p:nvSpPr>
+        <p:spPr>
+          <a:xfrm>
+            <a:off x="862357" y="3107272"/>
+            <a:ext cx="7705725" cy="1174545"/>
+          </a:xfrm>
+        </p:spPr>
+        <p:txBody>
+          <a:bodyPr>
+            <a:normAutofit/>
+          </a:bodyPr>
+          <a:lstStyle/>
+          <a:p>
+            <a:pPr algn="ctr"/>
+            <a:r>
+              <a:rPr lang="en-US" dirty="0" smtClean="0"/>
+              <a:t>Servlets</a:t>
+            </a:r>
+            <a:endParaRPr lang="ro-RO" dirty="0"/>
+          </a:p>
+        </p:txBody>
+      </p:sp>
+    </p:spTree>
+    <p:extLst>
+      <p:ext uri="{BB962C8B-B14F-4D97-AF65-F5344CB8AC3E}">
+        <p14:creationId xmlns:p14="http://schemas.microsoft.com/office/powerpoint/2010/main" val="2478645875"/>
+      </p:ext>
+    </p:extLst>
+  </p:cSld>
+  <p:clrMapOvr>
+    <a:masterClrMapping/>
+  </p:clrMapOvr>
+  <p:timing>
+    <p:tnLst>
+      <p:par>
+        <p:cTn id="1" dur="indefinite" restart="never" nodeType="tmRoot"/>
+      </p:par>
+    </p:tnLst>
+  </p:timing>
+</p:sld>
+</file>
+
 <file path=ppt/slides/slide3.xml><?xml version="1.0" encoding="utf-8"?>
 <p:sld xmlns:a="http://schemas.openxmlformats.org/drawingml/2006/main" xmlns:r="http://schemas.openxmlformats.org/officeDocument/2006/relationships" xmlns:p="http://schemas.openxmlformats.org/presentationml/2006/main">
   <p:cSld>
@@ -14984,7 +14979,6 @@
               <a:rPr lang="en-US" sz="2000" dirty="0" smtClean="0"/>
               <a:t>IntelliJ IDEA</a:t>
             </a:r>
-            <a:endParaRPr lang="en-US" sz="2000" dirty="0" smtClean="0"/>
           </a:p>
           <a:p>
             <a:pPr marL="285750" indent="-285750">
@@ -15159,74 +15153,6 @@
             <a:spLocks noGrp="1"/>
           </p:cNvSpPr>
           <p:nvPr>
-            <p:ph type="ctrTitle"/>
-          </p:nvPr>
-        </p:nvSpPr>
-        <p:spPr>
-          <a:xfrm>
-            <a:off x="862357" y="3107272"/>
-            <a:ext cx="7705725" cy="1174545"/>
-          </a:xfrm>
-        </p:spPr>
-        <p:txBody>
-          <a:bodyPr>
-            <a:normAutofit/>
-          </a:bodyPr>
-          <a:lstStyle/>
-          <a:p>
-            <a:pPr algn="ctr"/>
-            <a:r>
-              <a:rPr lang="en-US" dirty="0" smtClean="0"/>
-              <a:t>Servlets</a:t>
-            </a:r>
-            <a:endParaRPr lang="ro-RO" dirty="0"/>
-          </a:p>
-        </p:txBody>
-      </p:sp>
-    </p:spTree>
-    <p:extLst>
-      <p:ext uri="{BB962C8B-B14F-4D97-AF65-F5344CB8AC3E}">
-        <p14:creationId xmlns:p14="http://schemas.microsoft.com/office/powerpoint/2010/main" val="2478645875"/>
-      </p:ext>
-    </p:extLst>
-  </p:cSld>
-  <p:clrMapOvr>
-    <a:masterClrMapping/>
-  </p:clrMapOvr>
-  <p:timing>
-    <p:tnLst>
-      <p:par>
-        <p:cTn id="1" dur="indefinite" restart="never" nodeType="tmRoot"/>
-      </p:par>
-    </p:tnLst>
-  </p:timing>
-</p:sld>
-</file>
-
-<file path=ppt/slides/slide31.xml><?xml version="1.0" encoding="utf-8"?>
-<p:sld xmlns:a="http://schemas.openxmlformats.org/drawingml/2006/main" xmlns:r="http://schemas.openxmlformats.org/officeDocument/2006/relationships" xmlns:p="http://schemas.openxmlformats.org/presentationml/2006/main">
-  <p:cSld>
-    <p:spTree>
-      <p:nvGrpSpPr>
-        <p:cNvPr id="1" name=""/>
-        <p:cNvGrpSpPr/>
-        <p:nvPr/>
-      </p:nvGrpSpPr>
-      <p:grpSpPr>
-        <a:xfrm>
-          <a:off x="0" y="0"/>
-          <a:ext cx="0" cy="0"/>
-          <a:chOff x="0" y="0"/>
-          <a:chExt cx="0" cy="0"/>
-        </a:xfrm>
-      </p:grpSpPr>
-      <p:sp>
-        <p:nvSpPr>
-          <p:cNvPr id="2" name="Title 1"/>
-          <p:cNvSpPr>
-            <a:spLocks noGrp="1"/>
-          </p:cNvSpPr>
-          <p:nvPr>
             <p:ph type="title"/>
           </p:nvPr>
         </p:nvSpPr>
@@ -15275,22 +15201,10 @@
             </a:r>
             <a:r>
               <a:rPr lang="en-US" dirty="0"/>
-              <a:t> is a </a:t>
-            </a:r>
-            <a:r>
-              <a:rPr lang="en-US" dirty="0">
-                <a:hlinkClick r:id="rId2" tooltip="Java programming language"/>
-              </a:rPr>
-              <a:t>Java programming language</a:t>
-            </a:r>
-            <a:r>
-              <a:rPr lang="en-US" dirty="0"/>
-              <a:t> </a:t>
-            </a:r>
-            <a:r>
-              <a:rPr lang="en-US" dirty="0">
-                <a:hlinkClick r:id="rId3" tooltip="Class (computer programming)"/>
-              </a:rPr>
+              <a:t> is a Java programming language </a:t>
+            </a:r>
+            <a:r>
+              <a:rPr lang="en-US" b="1" dirty="0"/>
               <a:t>class</a:t>
             </a:r>
             <a:r>
@@ -15298,9 +15212,7 @@
               <a:t> used to extend the capabilities of a </a:t>
             </a:r>
             <a:r>
-              <a:rPr lang="en-US" dirty="0">
-                <a:hlinkClick r:id="rId4" tooltip="Server (computing)"/>
-              </a:rPr>
+              <a:rPr lang="en-US" b="1" dirty="0"/>
               <a:t>server</a:t>
             </a:r>
             <a:r>
@@ -15323,21 +15235,12 @@
             </a:r>
             <a:r>
               <a:rPr lang="en-US" dirty="0"/>
-              <a:t>can respond to any types of requests, they are commonly used to extend the applications hosted by </a:t>
-            </a:r>
-            <a:r>
-              <a:rPr lang="en-US" dirty="0">
-                <a:hlinkClick r:id="rId5" tooltip="Web server"/>
-              </a:rPr>
-              <a:t>web </a:t>
-            </a:r>
-            <a:r>
-              <a:rPr lang="en-US" dirty="0" smtClean="0">
-                <a:hlinkClick r:id="rId5" tooltip="Web server"/>
-              </a:rPr>
+              <a:t>can respond to any types of requests, they are commonly used to extend the applications hosted by web </a:t>
+            </a:r>
+            <a:r>
+              <a:rPr lang="en-US" dirty="0" smtClean="0"/>
               <a:t>servers</a:t>
             </a:r>
-            <a:endParaRPr lang="en-US" dirty="0" smtClean="0"/>
           </a:p>
           <a:p>
             <a:endParaRPr lang="en-US" dirty="0"/>
@@ -15345,15 +15248,31 @@
           <a:p>
             <a:r>
               <a:rPr lang="en-US" dirty="0" smtClean="0"/>
-              <a:t>A </a:t>
+              <a:t>A servlet is an </a:t>
             </a:r>
             <a:r>
               <a:rPr lang="en-US" b="1" dirty="0" smtClean="0"/>
-              <a:t>servlet</a:t>
+              <a:t>object</a:t>
             </a:r>
             <a:r>
               <a:rPr lang="en-US" dirty="0" smtClean="0"/>
-              <a:t> is an object that receives request and generates response based on that request</a:t>
+              <a:t> that receives </a:t>
+            </a:r>
+            <a:r>
+              <a:rPr lang="en-US" b="1" dirty="0" smtClean="0"/>
+              <a:t>request</a:t>
+            </a:r>
+            <a:r>
+              <a:rPr lang="en-US" dirty="0" smtClean="0"/>
+              <a:t> and generates </a:t>
+            </a:r>
+            <a:r>
+              <a:rPr lang="en-US" b="1" dirty="0" smtClean="0"/>
+              <a:t>response</a:t>
+            </a:r>
+            <a:r>
+              <a:rPr lang="en-US" dirty="0" smtClean="0"/>
+              <a:t> based on that request</a:t>
             </a:r>
           </a:p>
           <a:p>
@@ -15362,15 +15281,15 @@
           <a:p>
             <a:r>
               <a:rPr lang="en-US" dirty="0" smtClean="0"/>
-              <a:t>The servlet is an interface under the </a:t>
-            </a:r>
-            <a:r>
-              <a:rPr lang="en-US" dirty="0" err="1" smtClean="0"/>
-              <a:t>javax.servlet</a:t>
+              <a:t>The servlet is an </a:t>
+            </a:r>
+            <a:r>
+              <a:rPr lang="en-US" b="1" dirty="0" smtClean="0"/>
+              <a:t>interface</a:t>
             </a:r>
             <a:r>
               <a:rPr lang="en-US" dirty="0" smtClean="0"/>
-              <a:t> package from servlet API</a:t>
+              <a:t> under the javax.servlet package from servlet API</a:t>
             </a:r>
             <a:endParaRPr lang="en-US" dirty="0"/>
           </a:p>
@@ -15387,10 +15306,9 @@
               <a:t>used implementation is </a:t>
             </a:r>
             <a:r>
-              <a:rPr lang="en-US" dirty="0" err="1" smtClean="0"/>
+              <a:rPr lang="en-US" dirty="0" smtClean="0"/>
               <a:t>javax.servlet.http.HttpServlet</a:t>
             </a:r>
-            <a:endParaRPr lang="en-US" dirty="0" smtClean="0"/>
           </a:p>
           <a:p>
             <a:endParaRPr lang="en-US" dirty="0"/>
@@ -15416,7 +15334,7 @@
           <p:nvPr/>
         </p:nvPicPr>
         <p:blipFill>
-          <a:blip r:embed="rId6">
+          <a:blip r:embed="rId3">
             <a:extLst>
               <a:ext uri="{28A0092B-C50C-407E-A947-70E740481C1C}">
                 <a14:useLocalDpi xmlns:a14="http://schemas.microsoft.com/office/drawing/2010/main" val="0"/>
@@ -15457,7 +15375,7 @@
 </p:sld>
 </file>
 
-<file path=ppt/slides/slide32.xml><?xml version="1.0" encoding="utf-8"?>
+<file path=ppt/slides/slide31.xml><?xml version="1.0" encoding="utf-8"?>
 <p:sld xmlns:a="http://schemas.openxmlformats.org/drawingml/2006/main" xmlns:r="http://schemas.openxmlformats.org/officeDocument/2006/relationships" xmlns:p="http://schemas.openxmlformats.org/presentationml/2006/main">
   <p:cSld>
     <p:spTree>
@@ -16573,7 +16491,7 @@
 </p:sld>
 </file>
 
-<file path=ppt/slides/slide33.xml><?xml version="1.0" encoding="utf-8"?>
+<file path=ppt/slides/slide32.xml><?xml version="1.0" encoding="utf-8"?>
 <p:sld xmlns:a="http://schemas.openxmlformats.org/drawingml/2006/main" xmlns:r="http://schemas.openxmlformats.org/officeDocument/2006/relationships" xmlns:p="http://schemas.openxmlformats.org/presentationml/2006/main">
   <p:cSld>
     <p:spTree>
@@ -17196,7 +17114,7 @@
 </p:sld>
 </file>
 
-<file path=ppt/slides/slide34.xml><?xml version="1.0" encoding="utf-8"?>
+<file path=ppt/slides/slide33.xml><?xml version="1.0" encoding="utf-8"?>
 <p:sld xmlns:a="http://schemas.openxmlformats.org/drawingml/2006/main" xmlns:r="http://schemas.openxmlformats.org/officeDocument/2006/relationships" xmlns:p="http://schemas.openxmlformats.org/presentationml/2006/main">
   <p:cSld>
     <p:spTree>
@@ -17255,7 +17173,7 @@
           <p:nvPr/>
         </p:nvPicPr>
         <p:blipFill>
-          <a:blip r:embed="rId2">
+          <a:blip r:embed="rId3">
             <a:extLst>
               <a:ext uri="{28A0092B-C50C-407E-A947-70E740481C1C}">
                 <a14:useLocalDpi xmlns:a14="http://schemas.microsoft.com/office/drawing/2010/main" val="0"/>
@@ -17285,7 +17203,7 @@
           <p:nvPr/>
         </p:nvPicPr>
         <p:blipFill>
-          <a:blip r:embed="rId3">
+          <a:blip r:embed="rId4">
             <a:extLst>
               <a:ext uri="{28A0092B-C50C-407E-A947-70E740481C1C}">
                 <a14:useLocalDpi xmlns:a14="http://schemas.microsoft.com/office/drawing/2010/main" val="0"/>
@@ -17877,7 +17795,7 @@
           <p:nvPr/>
         </p:nvPicPr>
         <p:blipFill>
-          <a:blip r:embed="rId4">
+          <a:blip r:embed="rId5">
             <a:extLst>
               <a:ext uri="{28A0092B-C50C-407E-A947-70E740481C1C}">
                 <a14:useLocalDpi xmlns:a14="http://schemas.microsoft.com/office/drawing/2010/main" val="0"/>
@@ -22353,7 +22271,7 @@
 </p:sld>
 </file>
 
-<file path=ppt/slides/slide35.xml><?xml version="1.0" encoding="utf-8"?>
+<file path=ppt/slides/slide34.xml><?xml version="1.0" encoding="utf-8"?>
 <p:sld xmlns:a="http://schemas.openxmlformats.org/drawingml/2006/main" xmlns:r="http://schemas.openxmlformats.org/officeDocument/2006/relationships" xmlns:p="http://schemas.openxmlformats.org/presentationml/2006/main">
   <p:cSld>
     <p:spTree>
@@ -22413,7 +22331,7 @@
           <p:nvPr/>
         </p:nvPicPr>
         <p:blipFill>
-          <a:blip r:embed="rId2">
+          <a:blip r:embed="rId3">
             <a:extLst>
               <a:ext uri="{28A0092B-C50C-407E-A947-70E740481C1C}">
                 <a14:useLocalDpi xmlns:a14="http://schemas.microsoft.com/office/drawing/2010/main" val="0"/>
@@ -24087,7 +24005,7 @@
 </p:sld>
 </file>
 
-<file path=ppt/slides/slide36.xml><?xml version="1.0" encoding="utf-8"?>
+<file path=ppt/slides/slide35.xml><?xml version="1.0" encoding="utf-8"?>
 <p:sld xmlns:a="http://schemas.openxmlformats.org/drawingml/2006/main" xmlns:r="http://schemas.openxmlformats.org/officeDocument/2006/relationships" xmlns:p="http://schemas.openxmlformats.org/presentationml/2006/main">
   <p:cSld>
     <p:spTree>
@@ -24197,69 +24115,69 @@
           <a:p>
             <a:pPr lvl="1" algn="l"/>
             <a:r>
-              <a:rPr lang="en-US" dirty="0" smtClean="0"/>
+              <a:rPr lang="en-US" sz="1800" dirty="0" smtClean="0"/>
               <a:t>Is the deployment </a:t>
             </a:r>
             <a:r>
-              <a:rPr lang="en-US" dirty="0"/>
+              <a:rPr lang="en-US" sz="1800" dirty="0"/>
               <a:t>descriptor file </a:t>
             </a:r>
             <a:r>
-              <a:rPr lang="en-US" dirty="0" smtClean="0"/>
+              <a:rPr lang="en-US" sz="1800" dirty="0" smtClean="0"/>
               <a:t>for web applications  and </a:t>
             </a:r>
             <a:r>
-              <a:rPr lang="en-US" dirty="0"/>
+              <a:rPr lang="en-US" sz="1800" dirty="0"/>
               <a:t>is part of the servlet standard for web </a:t>
             </a:r>
             <a:r>
-              <a:rPr lang="en-US" dirty="0" smtClean="0"/>
+              <a:rPr lang="en-US" sz="1800" dirty="0" smtClean="0"/>
               <a:t>applications</a:t>
             </a:r>
           </a:p>
           <a:p>
             <a:pPr lvl="1" algn="l"/>
-            <a:endParaRPr lang="en-US" dirty="0" smtClean="0"/>
+            <a:endParaRPr lang="en-US" sz="1800" dirty="0" smtClean="0"/>
           </a:p>
           <a:p>
             <a:pPr lvl="1" algn="l"/>
-            <a:endParaRPr lang="en-US" dirty="0" smtClean="0"/>
+            <a:endParaRPr lang="en-US" sz="1800" dirty="0" smtClean="0"/>
           </a:p>
           <a:p>
             <a:pPr lvl="1" algn="l"/>
             <a:r>
-              <a:rPr lang="en-US" dirty="0" smtClean="0"/>
+              <a:rPr lang="en-US" sz="1800" dirty="0" smtClean="0"/>
               <a:t>determines </a:t>
             </a:r>
             <a:r>
-              <a:rPr lang="en-US" dirty="0"/>
+              <a:rPr lang="en-US" sz="1800" dirty="0"/>
               <a:t>how URLs map to servlets, which URLs require authentication, and other </a:t>
             </a:r>
             <a:r>
-              <a:rPr lang="en-US" dirty="0" smtClean="0"/>
+              <a:rPr lang="en-US" sz="1800" dirty="0" smtClean="0"/>
               <a:t>information</a:t>
             </a:r>
           </a:p>
           <a:p>
             <a:pPr lvl="1" algn="l"/>
-            <a:endParaRPr lang="en-US" dirty="0" smtClean="0"/>
+            <a:endParaRPr lang="en-US" sz="1800" dirty="0" smtClean="0"/>
           </a:p>
           <a:p>
             <a:pPr lvl="1" algn="l"/>
-            <a:endParaRPr lang="en-US" dirty="0"/>
+            <a:endParaRPr lang="en-US" sz="1800" dirty="0"/>
           </a:p>
           <a:p>
             <a:pPr lvl="1" algn="l"/>
             <a:r>
-              <a:rPr lang="en-US" dirty="0" smtClean="0"/>
+              <a:rPr lang="en-US" sz="1800" dirty="0" smtClean="0"/>
               <a:t>The </a:t>
             </a:r>
             <a:r>
-              <a:rPr lang="en-US" dirty="0"/>
+              <a:rPr lang="en-US" sz="1800" dirty="0"/>
               <a:t>file is an XML file whose root element </a:t>
             </a:r>
             <a:r>
-              <a:rPr lang="en-US" dirty="0" smtClean="0"/>
+              <a:rPr lang="en-US" sz="1800" dirty="0" smtClean="0"/>
               <a:t>is &lt;web-app&gt;</a:t>
             </a:r>
           </a:p>
@@ -24498,7 +24416,7 @@
 </p:sld>
 </file>
 
-<file path=ppt/slides/slide37.xml><?xml version="1.0" encoding="utf-8"?>
+<file path=ppt/slides/slide36.xml><?xml version="1.0" encoding="utf-8"?>
 <p:sld xmlns:a="http://schemas.openxmlformats.org/drawingml/2006/main" xmlns:r="http://schemas.openxmlformats.org/officeDocument/2006/relationships" xmlns:p="http://schemas.openxmlformats.org/presentationml/2006/main">
   <p:cSld>
     <p:spTree>
@@ -24943,7 +24861,7 @@
           <a:p>
             <a:pPr eaLnBrk="1" hangingPunct="1"/>
             <a:r>
-              <a:rPr lang="en-US" altLang="en-US" b="1" dirty="0" err="1">
+              <a:rPr lang="en-US" altLang="en-US" b="1" dirty="0">
                 <a:solidFill>
                   <a:srgbClr val="000000"/>
                 </a:solidFill>
@@ -24951,12 +24869,6 @@
               </a:rPr>
               <a:t>javax.servlet.http.HttpServlet</a:t>
             </a:r>
-            <a:endParaRPr lang="en-US" altLang="en-US" b="1" dirty="0">
-              <a:solidFill>
-                <a:srgbClr val="000000"/>
-              </a:solidFill>
-              <a:latin typeface="Trebuchet MS" panose="020B0603020202020204" pitchFamily="34" charset="0"/>
-            </a:endParaRPr>
           </a:p>
         </p:txBody>
       </p:sp>
@@ -27303,7 +27215,7 @@
 </p:sld>
 </file>
 
-<file path=ppt/slides/slide38.xml><?xml version="1.0" encoding="utf-8"?>
+<file path=ppt/slides/slide37.xml><?xml version="1.0" encoding="utf-8"?>
 <p:sld xmlns:a="http://schemas.openxmlformats.org/drawingml/2006/main" xmlns:r="http://schemas.openxmlformats.org/officeDocument/2006/relationships" xmlns:p="http://schemas.openxmlformats.org/presentationml/2006/main">
   <p:cSld>
     <p:spTree>
@@ -27587,7 +27499,7 @@
 </p:sld>
 </file>
 
-<file path=ppt/slides/slide39.xml><?xml version="1.0" encoding="utf-8"?>
+<file path=ppt/slides/slide38.xml><?xml version="1.0" encoding="utf-8"?>
 <p:sld xmlns:a="http://schemas.openxmlformats.org/drawingml/2006/main" xmlns:r="http://schemas.openxmlformats.org/officeDocument/2006/relationships" xmlns:p="http://schemas.openxmlformats.org/presentationml/2006/main">
   <p:cSld>
     <p:spTree>
@@ -27616,7 +27528,7 @@
         </p:nvSpPr>
         <p:spPr>
           <a:xfrm>
-            <a:off x="720724" y="2809754"/>
+            <a:off x="385057" y="2589727"/>
             <a:ext cx="3502141" cy="3082883"/>
           </a:xfrm>
         </p:spPr>
@@ -27642,28 +27554,28 @@
               <a:buChar char="n"/>
             </a:pPr>
             <a:r>
-              <a:rPr lang="en-US" altLang="zh-CN" dirty="0">
+              <a:rPr lang="en-US" altLang="zh-CN" sz="1800" dirty="0">
                 <a:latin typeface="Arial" panose="020B0604020202020204" pitchFamily="34" charset="0"/>
                 <a:ea typeface="SimSun" panose="02010600030101010101" pitchFamily="2" charset="-122"/>
               </a:rPr>
               <a:t>an</a:t>
             </a:r>
             <a:r>
-              <a:rPr lang="en-US" altLang="zh-CN" dirty="0">
+              <a:rPr lang="en-US" altLang="zh-CN" sz="1800" dirty="0">
                 <a:latin typeface="Courier New" panose="02070309020205020404" pitchFamily="49" charset="0"/>
                 <a:ea typeface="SimSun" panose="02010600030101010101" pitchFamily="2" charset="-122"/>
               </a:rPr>
               <a:t> HttpServletRequest </a:t>
             </a:r>
             <a:r>
-              <a:rPr lang="en-US" altLang="zh-CN" dirty="0">
+              <a:rPr lang="en-US" altLang="zh-CN" sz="1800" dirty="0">
                 <a:latin typeface="Arial" panose="020B0604020202020204" pitchFamily="34" charset="0"/>
                 <a:ea typeface="SimSun" panose="02010600030101010101" pitchFamily="2" charset="-122"/>
               </a:rPr>
               <a:t>object </a:t>
             </a:r>
             <a:r>
-              <a:rPr lang="en-US" altLang="zh-CN" dirty="0" smtClean="0">
+              <a:rPr lang="en-US" altLang="zh-CN" sz="1800" dirty="0" smtClean="0">
                 <a:latin typeface="Arial" panose="020B0604020202020204" pitchFamily="34" charset="0"/>
                 <a:ea typeface="SimSun" panose="02010600030101010101" pitchFamily="2" charset="-122"/>
               </a:rPr>
@@ -27681,7 +27593,7 @@
               <a:buSzPct val="60000"/>
               <a:buNone/>
             </a:pPr>
-            <a:endParaRPr lang="en-US" altLang="zh-CN" dirty="0">
+            <a:endParaRPr lang="en-US" altLang="zh-CN" sz="1800" dirty="0">
               <a:latin typeface="Arial" panose="020B0604020202020204" pitchFamily="34" charset="0"/>
               <a:ea typeface="SimSun" panose="02010600030101010101" pitchFamily="2" charset="-122"/>
             </a:endParaRPr>
@@ -27699,27 +27611,27 @@
               <a:buChar char="n"/>
             </a:pPr>
             <a:r>
-              <a:rPr lang="en-US" altLang="zh-CN" dirty="0">
+              <a:rPr lang="en-US" altLang="zh-CN" sz="1800" dirty="0">
                 <a:latin typeface="Arial" panose="020B0604020202020204" pitchFamily="34" charset="0"/>
                 <a:ea typeface="SimSun" panose="02010600030101010101" pitchFamily="2" charset="-122"/>
               </a:rPr>
               <a:t>an </a:t>
             </a:r>
             <a:r>
-              <a:rPr lang="en-US" altLang="zh-CN" dirty="0">
+              <a:rPr lang="en-US" altLang="zh-CN" sz="1800" dirty="0">
                 <a:latin typeface="Courier New" panose="02070309020205020404" pitchFamily="49" charset="0"/>
                 <a:ea typeface="SimSun" panose="02010600030101010101" pitchFamily="2" charset="-122"/>
               </a:rPr>
               <a:t>HttpServletResponse </a:t>
             </a:r>
             <a:r>
-              <a:rPr lang="en-US" altLang="zh-CN" dirty="0" smtClean="0">
+              <a:rPr lang="en-US" altLang="zh-CN" sz="1800" dirty="0" smtClean="0">
                 <a:latin typeface="Arial" panose="020B0604020202020204" pitchFamily="34" charset="0"/>
                 <a:ea typeface="SimSun" panose="02010600030101010101" pitchFamily="2" charset="-122"/>
               </a:rPr>
               <a:t>object – represent response to client</a:t>
             </a:r>
-            <a:endParaRPr lang="en-US" altLang="zh-CN" dirty="0">
+            <a:endParaRPr lang="en-US" altLang="zh-CN" sz="1800" dirty="0">
               <a:latin typeface="Arial Unicode MS" panose="020B0604020202020204" pitchFamily="34" charset="-128"/>
               <a:ea typeface="SimSun" panose="02010600030101010101" pitchFamily="2" charset="-122"/>
             </a:endParaRPr>
@@ -27899,6 +27811,328 @@
 </p:sld>
 </file>
 
+<file path=ppt/slides/slide39.xml><?xml version="1.0" encoding="utf-8"?>
+<p:sld xmlns:a="http://schemas.openxmlformats.org/drawingml/2006/main" xmlns:r="http://schemas.openxmlformats.org/officeDocument/2006/relationships" xmlns:p="http://schemas.openxmlformats.org/presentationml/2006/main">
+  <p:cSld>
+    <p:spTree>
+      <p:nvGrpSpPr>
+        <p:cNvPr id="1" name=""/>
+        <p:cNvGrpSpPr/>
+        <p:nvPr/>
+      </p:nvGrpSpPr>
+      <p:grpSpPr>
+        <a:xfrm>
+          <a:off x="0" y="0"/>
+          <a:ext cx="0" cy="0"/>
+          <a:chOff x="0" y="0"/>
+          <a:chExt cx="0" cy="0"/>
+        </a:xfrm>
+      </p:grpSpPr>
+      <p:sp>
+        <p:nvSpPr>
+          <p:cNvPr id="3" name="Content Placeholder 2"/>
+          <p:cNvSpPr>
+            <a:spLocks noGrp="1"/>
+          </p:cNvSpPr>
+          <p:nvPr>
+            <p:ph idx="1"/>
+          </p:nvPr>
+        </p:nvSpPr>
+        <p:spPr>
+          <a:xfrm>
+            <a:off x="720724" y="1611775"/>
+            <a:ext cx="7704139" cy="4690169"/>
+          </a:xfrm>
+        </p:spPr>
+        <p:txBody>
+          <a:bodyPr/>
+          <a:lstStyle/>
+          <a:p>
+            <a:pPr marL="285750" lvl="1">
+              <a:buFont typeface="Arial" panose="020B0604020202020204" pitchFamily="34" charset="0"/>
+              <a:buChar char="•"/>
+            </a:pPr>
+            <a:r>
+              <a:rPr lang="en-US" sz="1800" dirty="0" smtClean="0"/>
+              <a:t>Represents </a:t>
+            </a:r>
+            <a:r>
+              <a:rPr lang="en-US" sz="1800" dirty="0"/>
+              <a:t>the client request</a:t>
+            </a:r>
+          </a:p>
+          <a:p>
+            <a:endParaRPr lang="en-US" dirty="0" smtClean="0"/>
+          </a:p>
+          <a:p>
+            <a:r>
+              <a:rPr lang="en-US" dirty="0" smtClean="0"/>
+              <a:t>The mostly used methods are :</a:t>
+            </a:r>
+          </a:p>
+          <a:p>
+            <a:pPr marL="457200" lvl="1" indent="0">
+              <a:buNone/>
+            </a:pPr>
+            <a:endParaRPr lang="en-US" sz="1800" dirty="0" smtClean="0"/>
+          </a:p>
+          <a:p>
+            <a:pPr lvl="1"/>
+            <a:r>
+              <a:rPr lang="ro-RO" sz="1800" b="1" dirty="0" smtClean="0"/>
+              <a:t>getHeaders</a:t>
+            </a:r>
+            <a:r>
+              <a:rPr lang="en-US" sz="1800" b="1" dirty="0" smtClean="0"/>
+              <a:t>()</a:t>
+            </a:r>
+            <a:r>
+              <a:rPr lang="en-US" sz="1800" dirty="0" smtClean="0"/>
+              <a:t> </a:t>
+            </a:r>
+            <a:r>
+              <a:rPr lang="en-US" sz="1800" dirty="0" smtClean="0"/>
+              <a:t>returns </a:t>
+            </a:r>
+            <a:r>
+              <a:rPr lang="en-US" sz="1800" dirty="0"/>
+              <a:t>all the values of the specified </a:t>
+            </a:r>
+            <a:r>
+              <a:rPr lang="en-US" sz="1800" dirty="0" smtClean="0"/>
+              <a:t>request</a:t>
+            </a:r>
+          </a:p>
+          <a:p>
+            <a:pPr lvl="1"/>
+            <a:r>
+              <a:rPr lang="ro-RO" sz="1800" b="1" dirty="0" smtClean="0"/>
+              <a:t>getHeaderNames</a:t>
+            </a:r>
+            <a:r>
+              <a:rPr lang="en-US" sz="1800" b="1" dirty="0" smtClean="0"/>
+              <a:t>()</a:t>
+            </a:r>
+            <a:r>
+              <a:rPr lang="en-US" sz="1800" dirty="0" smtClean="0"/>
+              <a:t> </a:t>
+            </a:r>
+            <a:r>
+              <a:rPr lang="en-US" sz="1800" dirty="0" smtClean="0"/>
+              <a:t>returns </a:t>
+            </a:r>
+            <a:r>
+              <a:rPr lang="en-US" sz="1800" dirty="0"/>
+              <a:t>an enumeration of all the header </a:t>
+            </a:r>
+            <a:r>
+              <a:rPr lang="en-US" sz="1800" dirty="0" smtClean="0"/>
+              <a:t>names</a:t>
+            </a:r>
+            <a:endParaRPr lang="en-US" sz="1800" dirty="0"/>
+          </a:p>
+          <a:p>
+            <a:pPr lvl="1"/>
+            <a:r>
+              <a:rPr lang="ro-RO" sz="1800" b="1" dirty="0" smtClean="0"/>
+              <a:t>getMethod</a:t>
+            </a:r>
+            <a:r>
+              <a:rPr lang="en-US" sz="1800" b="1" dirty="0" smtClean="0"/>
+              <a:t>()</a:t>
+            </a:r>
+            <a:r>
+              <a:rPr lang="en-US" sz="1800" dirty="0" smtClean="0"/>
+              <a:t> </a:t>
+            </a:r>
+            <a:r>
+              <a:rPr lang="en-US" sz="1800" dirty="0" smtClean="0"/>
+              <a:t>returns the http method</a:t>
+            </a:r>
+            <a:endParaRPr lang="en-US" sz="1800" dirty="0"/>
+          </a:p>
+          <a:p>
+            <a:pPr lvl="1"/>
+            <a:r>
+              <a:rPr lang="ro-RO" sz="1800" b="1" dirty="0" smtClean="0"/>
+              <a:t>getQueryString</a:t>
+            </a:r>
+            <a:r>
+              <a:rPr lang="en-US" sz="1800" b="1" dirty="0" smtClean="0"/>
+              <a:t>()</a:t>
+            </a:r>
+            <a:r>
+              <a:rPr lang="en-US" sz="1800" dirty="0" smtClean="0"/>
+              <a:t> </a:t>
+            </a:r>
+            <a:r>
+              <a:rPr lang="en-US" sz="1800" dirty="0" smtClean="0"/>
+              <a:t>returns query string</a:t>
+            </a:r>
+            <a:endParaRPr lang="en-US" sz="1800" dirty="0"/>
+          </a:p>
+          <a:p>
+            <a:pPr lvl="1"/>
+            <a:r>
+              <a:rPr lang="ro-RO" sz="1800" b="1" dirty="0" smtClean="0"/>
+              <a:t>getCookies</a:t>
+            </a:r>
+            <a:r>
+              <a:rPr lang="en-US" sz="1800" b="1" dirty="0" smtClean="0"/>
+              <a:t>()</a:t>
+            </a:r>
+            <a:r>
+              <a:rPr lang="en-US" sz="1800" dirty="0" smtClean="0"/>
+              <a:t> </a:t>
+            </a:r>
+            <a:r>
+              <a:rPr lang="en-US" sz="1800" dirty="0" smtClean="0"/>
+              <a:t>returns cookies from the client</a:t>
+            </a:r>
+          </a:p>
+          <a:p>
+            <a:pPr lvl="1"/>
+            <a:r>
+              <a:rPr lang="ro-RO" sz="1800" b="1" dirty="0" smtClean="0"/>
+              <a:t>getParameterNames</a:t>
+            </a:r>
+            <a:r>
+              <a:rPr lang="en-US" sz="1800" b="1" dirty="0" smtClean="0"/>
+              <a:t>()</a:t>
+            </a:r>
+            <a:r>
+              <a:rPr lang="en-US" sz="1800" dirty="0" smtClean="0"/>
+              <a:t> </a:t>
+            </a:r>
+            <a:r>
+              <a:rPr lang="en-US" sz="1800" dirty="0" smtClean="0"/>
+              <a:t>returns an enumeration containing all parameters names from the client</a:t>
+            </a:r>
+          </a:p>
+          <a:p>
+            <a:pPr lvl="1"/>
+            <a:r>
+              <a:rPr lang="en-US" sz="1800" b="1" dirty="0" smtClean="0"/>
+              <a:t>getParameter() </a:t>
+            </a:r>
+            <a:r>
+              <a:rPr lang="en-US" sz="1800" dirty="0" smtClean="0"/>
+              <a:t>takes an argument representing the parameter name and returns the parameter value</a:t>
+            </a:r>
+          </a:p>
+          <a:p>
+            <a:pPr lvl="1"/>
+            <a:endParaRPr lang="en-US" b="1" dirty="0"/>
+          </a:p>
+          <a:p>
+            <a:pPr lvl="1"/>
+            <a:endParaRPr lang="ro-RO" dirty="0"/>
+          </a:p>
+        </p:txBody>
+      </p:sp>
+      <p:sp>
+        <p:nvSpPr>
+          <p:cNvPr id="5" name="Title 1"/>
+          <p:cNvSpPr txBox="1">
+            <a:spLocks/>
+          </p:cNvSpPr>
+          <p:nvPr/>
+        </p:nvSpPr>
+        <p:spPr>
+          <a:xfrm>
+            <a:off x="1052451" y="766826"/>
+            <a:ext cx="5627318" cy="593092"/>
+          </a:xfrm>
+          <a:prstGeom prst="rect">
+            <a:avLst/>
+          </a:prstGeom>
+          <a:solidFill>
+            <a:schemeClr val="bg1"/>
+          </a:solidFill>
+        </p:spPr>
+        <p:txBody>
+          <a:bodyPr vert="horz" lIns="36000" tIns="0" rIns="0" bIns="0" rtlCol="0" anchor="ctr">
+            <a:normAutofit/>
+          </a:bodyPr>
+          <a:lstStyle>
+            <a:lvl1pPr algn="l" defTabSz="457200" rtl="0" eaLnBrk="1" latinLnBrk="0" hangingPunct="1">
+              <a:spcBef>
+                <a:spcPct val="0"/>
+              </a:spcBef>
+              <a:buNone/>
+              <a:defRPr sz="3000" b="1" kern="1200">
+                <a:solidFill>
+                  <a:srgbClr val="565A5C"/>
+                </a:solidFill>
+                <a:latin typeface="Arial"/>
+                <a:ea typeface="+mj-ea"/>
+                <a:cs typeface="Arial"/>
+              </a:defRPr>
+            </a:lvl1pPr>
+          </a:lstStyle>
+          <a:p>
+            <a:r>
+              <a:rPr lang="en-US" dirty="0"/>
+              <a:t>Servlets - </a:t>
+            </a:r>
+            <a:r>
+              <a:rPr lang="en-US" altLang="zh-CN" dirty="0"/>
+              <a:t>HttpServletRequest </a:t>
+            </a:r>
+            <a:endParaRPr lang="ro-RO" dirty="0"/>
+          </a:p>
+        </p:txBody>
+      </p:sp>
+      <p:pic>
+        <p:nvPicPr>
+          <p:cNvPr id="6" name="Picture 5"/>
+          <p:cNvPicPr>
+            <a:picLocks noChangeAspect="1"/>
+          </p:cNvPicPr>
+          <p:nvPr/>
+        </p:nvPicPr>
+        <p:blipFill>
+          <a:blip r:embed="rId2">
+            <a:extLst>
+              <a:ext uri="{28A0092B-C50C-407E-A947-70E740481C1C}">
+                <a14:useLocalDpi xmlns:a14="http://schemas.microsoft.com/office/drawing/2010/main" val="0"/>
+              </a:ext>
+            </a:extLst>
+          </a:blip>
+          <a:stretch>
+            <a:fillRect/>
+          </a:stretch>
+        </p:blipFill>
+        <p:spPr>
+          <a:xfrm>
+            <a:off x="7583373" y="276225"/>
+            <a:ext cx="1190625" cy="1323975"/>
+          </a:xfrm>
+          <a:prstGeom prst="rect">
+            <a:avLst/>
+          </a:prstGeom>
+        </p:spPr>
+      </p:pic>
+    </p:spTree>
+    <p:extLst>
+      <p:ext uri="{BB962C8B-B14F-4D97-AF65-F5344CB8AC3E}">
+        <p14:creationId xmlns:p14="http://schemas.microsoft.com/office/powerpoint/2010/main" val="969266784"/>
+      </p:ext>
+    </p:extLst>
+  </p:cSld>
+  <p:clrMapOvr>
+    <a:masterClrMapping/>
+  </p:clrMapOvr>
+  <p:timing>
+    <p:tnLst>
+      <p:par>
+        <p:cTn id="1" dur="indefinite" restart="never" nodeType="tmRoot"/>
+      </p:par>
+    </p:tnLst>
+  </p:timing>
+</p:sld>
+</file>
+
 <file path=ppt/slides/slide4.xml><?xml version="1.0" encoding="utf-8"?>
 <p:sld xmlns:a="http://schemas.openxmlformats.org/drawingml/2006/main" xmlns:r="http://schemas.openxmlformats.org/officeDocument/2006/relationships" xmlns:p="http://schemas.openxmlformats.org/presentationml/2006/main">
   <p:cSld>
@@ -28005,287 +28239,6 @@
           <a:bodyPr/>
           <a:lstStyle/>
           <a:p>
-            <a:pPr marL="285750" lvl="1">
-              <a:buFont typeface="Arial" panose="020B0604020202020204" pitchFamily="34" charset="0"/>
-              <a:buChar char="•"/>
-            </a:pPr>
-            <a:r>
-              <a:rPr lang="en-US" dirty="0" smtClean="0"/>
-              <a:t>Represents </a:t>
-            </a:r>
-            <a:r>
-              <a:rPr lang="en-US" dirty="0"/>
-              <a:t>the client request</a:t>
-            </a:r>
-          </a:p>
-          <a:p>
-            <a:endParaRPr lang="en-US" dirty="0" smtClean="0"/>
-          </a:p>
-          <a:p>
-            <a:r>
-              <a:rPr lang="en-US" dirty="0" smtClean="0"/>
-              <a:t>The mostly used methods are :</a:t>
-            </a:r>
-          </a:p>
-          <a:p>
-            <a:pPr marL="457200" lvl="1" indent="0">
-              <a:buNone/>
-            </a:pPr>
-            <a:endParaRPr lang="en-US" dirty="0" smtClean="0"/>
-          </a:p>
-          <a:p>
-            <a:pPr lvl="1"/>
-            <a:r>
-              <a:rPr lang="ro-RO" b="1" dirty="0" smtClean="0"/>
-              <a:t>getHeaders</a:t>
-            </a:r>
-            <a:r>
-              <a:rPr lang="en-US" dirty="0"/>
-              <a:t> </a:t>
-            </a:r>
-            <a:r>
-              <a:rPr lang="en-US" dirty="0" smtClean="0"/>
-              <a:t>returns </a:t>
-            </a:r>
-            <a:r>
-              <a:rPr lang="en-US" dirty="0"/>
-              <a:t>all the values of the specified </a:t>
-            </a:r>
-            <a:r>
-              <a:rPr lang="en-US" dirty="0" smtClean="0"/>
-              <a:t>request</a:t>
-            </a:r>
-          </a:p>
-          <a:p>
-            <a:pPr lvl="1"/>
-            <a:r>
-              <a:rPr lang="ro-RO" b="1" dirty="0" smtClean="0"/>
-              <a:t>getHeaderNames</a:t>
-            </a:r>
-            <a:r>
-              <a:rPr lang="en-US" dirty="0"/>
-              <a:t> </a:t>
-            </a:r>
-            <a:r>
-              <a:rPr lang="en-US" dirty="0" smtClean="0"/>
-              <a:t>returns </a:t>
-            </a:r>
-            <a:r>
-              <a:rPr lang="en-US" dirty="0"/>
-              <a:t>an enumeration of all the header </a:t>
-            </a:r>
-            <a:r>
-              <a:rPr lang="en-US" dirty="0" smtClean="0"/>
-              <a:t>names</a:t>
-            </a:r>
-            <a:endParaRPr lang="en-US" dirty="0"/>
-          </a:p>
-          <a:p>
-            <a:pPr lvl="1"/>
-            <a:r>
-              <a:rPr lang="ro-RO" b="1" dirty="0" smtClean="0"/>
-              <a:t>getMethod</a:t>
-            </a:r>
-            <a:r>
-              <a:rPr lang="en-US" dirty="0" smtClean="0"/>
-              <a:t> returns the http method</a:t>
-            </a:r>
-            <a:endParaRPr lang="en-US" dirty="0"/>
-          </a:p>
-          <a:p>
-            <a:pPr lvl="1"/>
-            <a:r>
-              <a:rPr lang="ro-RO" b="1" dirty="0" smtClean="0"/>
-              <a:t>getQueryString</a:t>
-            </a:r>
-            <a:r>
-              <a:rPr lang="en-US" dirty="0" smtClean="0"/>
-              <a:t> returns query string</a:t>
-            </a:r>
-            <a:endParaRPr lang="en-US" dirty="0"/>
-          </a:p>
-          <a:p>
-            <a:pPr lvl="1"/>
-            <a:r>
-              <a:rPr lang="ro-RO" b="1" dirty="0" smtClean="0"/>
-              <a:t>getCookies</a:t>
-            </a:r>
-            <a:r>
-              <a:rPr lang="en-US" dirty="0" smtClean="0"/>
-              <a:t> returns cookies from the client</a:t>
-            </a:r>
-          </a:p>
-          <a:p>
-            <a:pPr lvl="1"/>
-            <a:r>
-              <a:rPr lang="ro-RO" b="1" dirty="0" smtClean="0"/>
-              <a:t>getParameterNames</a:t>
-            </a:r>
-            <a:r>
-              <a:rPr lang="en-US" dirty="0" smtClean="0"/>
-              <a:t> returns an enumeration containing all parameters names from the client</a:t>
-            </a:r>
-          </a:p>
-          <a:p>
-            <a:pPr lvl="1"/>
-            <a:r>
-              <a:rPr lang="en-US" b="1" dirty="0" smtClean="0"/>
-              <a:t>getParameter </a:t>
-            </a:r>
-            <a:r>
-              <a:rPr lang="en-US" dirty="0" smtClean="0"/>
-              <a:t>takes an argument representing the parameter name and returns the parameter value</a:t>
-            </a:r>
-          </a:p>
-          <a:p>
-            <a:pPr lvl="1"/>
-            <a:endParaRPr lang="en-US" b="1" dirty="0"/>
-          </a:p>
-          <a:p>
-            <a:pPr lvl="1"/>
-            <a:endParaRPr lang="ro-RO" dirty="0"/>
-          </a:p>
-        </p:txBody>
-      </p:sp>
-      <p:sp>
-        <p:nvSpPr>
-          <p:cNvPr id="5" name="Title 1"/>
-          <p:cNvSpPr txBox="1">
-            <a:spLocks/>
-          </p:cNvSpPr>
-          <p:nvPr/>
-        </p:nvSpPr>
-        <p:spPr>
-          <a:xfrm>
-            <a:off x="1052451" y="766826"/>
-            <a:ext cx="5627318" cy="593092"/>
-          </a:xfrm>
-          <a:prstGeom prst="rect">
-            <a:avLst/>
-          </a:prstGeom>
-          <a:solidFill>
-            <a:schemeClr val="bg1"/>
-          </a:solidFill>
-        </p:spPr>
-        <p:txBody>
-          <a:bodyPr vert="horz" lIns="36000" tIns="0" rIns="0" bIns="0" rtlCol="0" anchor="ctr">
-            <a:normAutofit/>
-          </a:bodyPr>
-          <a:lstStyle>
-            <a:lvl1pPr algn="l" defTabSz="457200" rtl="0" eaLnBrk="1" latinLnBrk="0" hangingPunct="1">
-              <a:spcBef>
-                <a:spcPct val="0"/>
-              </a:spcBef>
-              <a:buNone/>
-              <a:defRPr sz="3000" b="1" kern="1200">
-                <a:solidFill>
-                  <a:srgbClr val="565A5C"/>
-                </a:solidFill>
-                <a:latin typeface="Arial"/>
-                <a:ea typeface="+mj-ea"/>
-                <a:cs typeface="Arial"/>
-              </a:defRPr>
-            </a:lvl1pPr>
-          </a:lstStyle>
-          <a:p>
-            <a:r>
-              <a:rPr lang="en-US" dirty="0"/>
-              <a:t>Servlets - </a:t>
-            </a:r>
-            <a:r>
-              <a:rPr lang="en-US" altLang="zh-CN" dirty="0" err="1"/>
-              <a:t>HttpServletRequest</a:t>
-            </a:r>
-            <a:r>
-              <a:rPr lang="en-US" altLang="zh-CN" dirty="0"/>
-              <a:t> </a:t>
-            </a:r>
-            <a:endParaRPr lang="ro-RO" dirty="0"/>
-          </a:p>
-        </p:txBody>
-      </p:sp>
-      <p:pic>
-        <p:nvPicPr>
-          <p:cNvPr id="6" name="Picture 5"/>
-          <p:cNvPicPr>
-            <a:picLocks noChangeAspect="1"/>
-          </p:cNvPicPr>
-          <p:nvPr/>
-        </p:nvPicPr>
-        <p:blipFill>
-          <a:blip r:embed="rId2">
-            <a:extLst>
-              <a:ext uri="{28A0092B-C50C-407E-A947-70E740481C1C}">
-                <a14:useLocalDpi xmlns:a14="http://schemas.microsoft.com/office/drawing/2010/main" val="0"/>
-              </a:ext>
-            </a:extLst>
-          </a:blip>
-          <a:stretch>
-            <a:fillRect/>
-          </a:stretch>
-        </p:blipFill>
-        <p:spPr>
-          <a:xfrm>
-            <a:off x="7583373" y="276225"/>
-            <a:ext cx="1190625" cy="1323975"/>
-          </a:xfrm>
-          <a:prstGeom prst="rect">
-            <a:avLst/>
-          </a:prstGeom>
-        </p:spPr>
-      </p:pic>
-    </p:spTree>
-    <p:extLst>
-      <p:ext uri="{BB962C8B-B14F-4D97-AF65-F5344CB8AC3E}">
-        <p14:creationId xmlns:p14="http://schemas.microsoft.com/office/powerpoint/2010/main" val="969266784"/>
-      </p:ext>
-    </p:extLst>
-  </p:cSld>
-  <p:clrMapOvr>
-    <a:masterClrMapping/>
-  </p:clrMapOvr>
-  <p:timing>
-    <p:tnLst>
-      <p:par>
-        <p:cTn id="1" dur="indefinite" restart="never" nodeType="tmRoot"/>
-      </p:par>
-    </p:tnLst>
-  </p:timing>
-</p:sld>
-</file>
-
-<file path=ppt/slides/slide41.xml><?xml version="1.0" encoding="utf-8"?>
-<p:sld xmlns:a="http://schemas.openxmlformats.org/drawingml/2006/main" xmlns:r="http://schemas.openxmlformats.org/officeDocument/2006/relationships" xmlns:p="http://schemas.openxmlformats.org/presentationml/2006/main">
-  <p:cSld>
-    <p:spTree>
-      <p:nvGrpSpPr>
-        <p:cNvPr id="1" name=""/>
-        <p:cNvGrpSpPr/>
-        <p:nvPr/>
-      </p:nvGrpSpPr>
-      <p:grpSpPr>
-        <a:xfrm>
-          <a:off x="0" y="0"/>
-          <a:ext cx="0" cy="0"/>
-          <a:chOff x="0" y="0"/>
-          <a:chExt cx="0" cy="0"/>
-        </a:xfrm>
-      </p:grpSpPr>
-      <p:sp>
-        <p:nvSpPr>
-          <p:cNvPr id="3" name="Content Placeholder 2"/>
-          <p:cNvSpPr>
-            <a:spLocks noGrp="1"/>
-          </p:cNvSpPr>
-          <p:nvPr>
-            <p:ph idx="1"/>
-          </p:nvPr>
-        </p:nvSpPr>
-        <p:spPr/>
-        <p:txBody>
-          <a:bodyPr/>
-          <a:lstStyle/>
-          <a:p>
             <a:r>
               <a:rPr lang="en-US" dirty="0" smtClean="0"/>
               <a:t>Represents the server response</a:t>
@@ -28297,94 +28250,99 @@
           <a:p>
             <a:r>
               <a:rPr lang="en-US" dirty="0"/>
-              <a:t>The mostly used methods are :</a:t>
-            </a:r>
+              <a:t>The mostly used methods </a:t>
+            </a:r>
+            <a:r>
+              <a:rPr lang="en-US" dirty="0" smtClean="0"/>
+              <a:t>are:</a:t>
+            </a:r>
+            <a:endParaRPr lang="en-US" dirty="0"/>
           </a:p>
           <a:p>
             <a:pPr lvl="1"/>
-            <a:endParaRPr lang="en-US" dirty="0" smtClean="0"/>
+            <a:endParaRPr lang="en-US" sz="1800" dirty="0" smtClean="0"/>
           </a:p>
           <a:p>
             <a:pPr lvl="1"/>
             <a:r>
-              <a:rPr lang="en-US" b="1" dirty="0" smtClean="0"/>
+              <a:rPr lang="en-US" sz="1800" b="1" dirty="0" smtClean="0"/>
               <a:t>getWriter</a:t>
             </a:r>
             <a:r>
-              <a:rPr lang="en-US" b="1" dirty="0"/>
+              <a:rPr lang="en-US" sz="1800" b="1" dirty="0"/>
               <a:t> </a:t>
             </a:r>
             <a:r>
-              <a:rPr lang="en-US" dirty="0" smtClean="0"/>
+              <a:rPr lang="en-US" sz="1800" dirty="0" smtClean="0"/>
               <a:t>returns </a:t>
             </a:r>
             <a:r>
-              <a:rPr lang="en-US" dirty="0"/>
+              <a:rPr lang="en-US" sz="1800" dirty="0"/>
               <a:t>a </a:t>
             </a:r>
             <a:r>
-              <a:rPr lang="en-US" dirty="0" smtClean="0"/>
+              <a:rPr lang="en-US" sz="1800" dirty="0" smtClean="0"/>
               <a:t>PrintWriter </a:t>
             </a:r>
             <a:r>
-              <a:rPr lang="en-US" dirty="0"/>
+              <a:rPr lang="en-US" sz="1800" dirty="0"/>
               <a:t>object </a:t>
             </a:r>
             <a:r>
-              <a:rPr lang="en-US" dirty="0" smtClean="0"/>
+              <a:rPr lang="en-US" sz="1800" dirty="0" smtClean="0"/>
               <a:t>that can </a:t>
             </a:r>
             <a:r>
-              <a:rPr lang="en-US" dirty="0"/>
+              <a:rPr lang="en-US" sz="1800" dirty="0"/>
               <a:t>send character text to the </a:t>
             </a:r>
             <a:r>
-              <a:rPr lang="en-US" dirty="0" smtClean="0"/>
+              <a:rPr lang="en-US" sz="1800" dirty="0" smtClean="0"/>
               <a:t>client.</a:t>
             </a:r>
           </a:p>
           <a:p>
             <a:pPr lvl="1"/>
-            <a:endParaRPr lang="en-US" dirty="0" smtClean="0"/>
+            <a:endParaRPr lang="en-US" sz="1800" dirty="0" smtClean="0"/>
           </a:p>
           <a:p>
             <a:pPr lvl="1"/>
             <a:r>
-              <a:rPr lang="en-US" b="1" dirty="0" smtClean="0"/>
+              <a:rPr lang="en-US" sz="1800" b="1" dirty="0" smtClean="0"/>
               <a:t>setContentType</a:t>
             </a:r>
             <a:r>
-              <a:rPr lang="en-US" dirty="0" smtClean="0"/>
+              <a:rPr lang="en-US" sz="1800" dirty="0" smtClean="0"/>
               <a:t> sets the content type of the response . If you return an html then invoke the method </a:t>
             </a:r>
             <a:r>
-              <a:rPr lang="en-US" dirty="0"/>
+              <a:rPr lang="en-US" sz="1800" dirty="0"/>
               <a:t>with </a:t>
             </a:r>
             <a:r>
-              <a:rPr lang="en-US" dirty="0" smtClean="0"/>
+              <a:rPr lang="en-US" sz="1800" dirty="0" smtClean="0"/>
               <a:t>“text/html” as argument value</a:t>
             </a:r>
           </a:p>
           <a:p>
             <a:pPr lvl="1"/>
-            <a:endParaRPr lang="en-US" dirty="0"/>
+            <a:endParaRPr lang="en-US" sz="1800" dirty="0"/>
           </a:p>
           <a:p>
             <a:pPr lvl="1"/>
             <a:r>
-              <a:rPr lang="en-US" b="1" dirty="0"/>
+              <a:rPr lang="en-US" sz="1800" b="1" dirty="0"/>
               <a:t>addHeader </a:t>
             </a:r>
             <a:r>
-              <a:rPr lang="en-US" dirty="0" smtClean="0"/>
+              <a:rPr lang="en-US" sz="1800" dirty="0" smtClean="0"/>
               <a:t>adds </a:t>
             </a:r>
             <a:r>
-              <a:rPr lang="en-US" dirty="0"/>
+              <a:rPr lang="en-US" sz="1800" dirty="0"/>
               <a:t>a response header with the given name and value</a:t>
             </a:r>
-            <a:endParaRPr lang="en-US" dirty="0" smtClean="0"/>
+            <a:endParaRPr lang="en-US" sz="1800" dirty="0" smtClean="0"/>
           </a:p>
           <a:p>
             <a:endParaRPr lang="ro-RO" dirty="0"/>
@@ -28434,11 +28392,7 @@
           <a:p>
             <a:r>
               <a:rPr lang="en-US" dirty="0"/>
-              <a:t>Servlets - </a:t>
-            </a:r>
-            <a:r>
-              <a:rPr lang="en-US" dirty="0" err="1"/>
-              <a:t>HttpServletResponse</a:t>
+              <a:t>Servlets - HttpServletResponse</a:t>
             </a:r>
             <a:endParaRPr lang="ro-RO" dirty="0"/>
           </a:p>
@@ -28494,7 +28448,7 @@
 </p:sld>
 </file>
 
-<file path=ppt/slides/slide42.xml><?xml version="1.0" encoding="utf-8"?>
+<file path=ppt/slides/slide41.xml><?xml version="1.0" encoding="utf-8"?>
 <p:sld xmlns:a="http://schemas.openxmlformats.org/drawingml/2006/main" xmlns:r="http://schemas.openxmlformats.org/officeDocument/2006/relationships" xmlns:p="http://schemas.openxmlformats.org/presentationml/2006/main">
   <p:cSld>
     <p:spTree>
@@ -28521,8 +28475,8 @@
         </p:nvSpPr>
         <p:spPr>
           <a:xfrm>
-            <a:off x="928319" y="773226"/>
-            <a:ext cx="4316343" cy="593092"/>
+            <a:off x="928320" y="773226"/>
+            <a:ext cx="3898324" cy="593092"/>
           </a:xfrm>
           <a:prstGeom prst="rect">
             <a:avLst/>
@@ -28789,56 +28743,66 @@
           <a:bodyPr/>
           <a:lstStyle/>
           <a:p>
+            <a:endParaRPr lang="en-US" b="1" dirty="0"/>
+          </a:p>
+          <a:p>
             <a:r>
               <a:rPr lang="en-US" b="1" dirty="0" smtClean="0"/>
-              <a:t>Client-server model</a:t>
+              <a:t>Client-server </a:t>
+            </a:r>
+            <a:r>
+              <a:rPr lang="en-US" b="1" dirty="0" smtClean="0"/>
+              <a:t>model</a:t>
             </a:r>
           </a:p>
           <a:p>
             <a:endParaRPr lang="en-US" b="1" dirty="0" smtClean="0"/>
           </a:p>
           <a:p>
+            <a:endParaRPr lang="en-US" b="1" dirty="0" smtClean="0"/>
+          </a:p>
+          <a:p>
             <a:pPr lvl="1"/>
             <a:r>
-              <a:rPr lang="en-US" dirty="0" smtClean="0"/>
+              <a:rPr lang="en-US" sz="1800" dirty="0" smtClean="0"/>
               <a:t>Is a distributed application structure that partitions tasks or workloads between the providers of services and services requesters</a:t>
             </a:r>
           </a:p>
           <a:p>
             <a:pPr lvl="1"/>
-            <a:endParaRPr lang="en-US" dirty="0" smtClean="0"/>
+            <a:endParaRPr lang="en-US" sz="1800" dirty="0" smtClean="0"/>
           </a:p>
           <a:p>
             <a:pPr lvl="1"/>
-            <a:endParaRPr lang="en-US" b="1" dirty="0" smtClean="0"/>
+            <a:endParaRPr lang="en-US" sz="1800" b="1" dirty="0" smtClean="0"/>
           </a:p>
           <a:p>
             <a:pPr lvl="1"/>
             <a:r>
-              <a:rPr lang="en-US" b="1" dirty="0" smtClean="0"/>
+              <a:rPr lang="en-US" sz="1800" b="1" dirty="0" smtClean="0"/>
               <a:t>Client</a:t>
             </a:r>
             <a:r>
-              <a:rPr lang="en-US" dirty="0" smtClean="0"/>
+              <a:rPr lang="en-US" sz="1800" dirty="0" smtClean="0"/>
               <a:t> – is the part that makes a request to a service</a:t>
             </a:r>
           </a:p>
           <a:p>
             <a:pPr lvl="1"/>
-            <a:endParaRPr lang="en-US" dirty="0" smtClean="0"/>
+            <a:endParaRPr lang="en-US" sz="1800" dirty="0" smtClean="0"/>
           </a:p>
           <a:p>
             <a:pPr lvl="1"/>
-            <a:endParaRPr lang="en-US" b="1" dirty="0" smtClean="0"/>
+            <a:endParaRPr lang="en-US" sz="1800" b="1" dirty="0" smtClean="0"/>
           </a:p>
           <a:p>
             <a:pPr lvl="1"/>
             <a:r>
-              <a:rPr lang="en-US" b="1" dirty="0" smtClean="0"/>
+              <a:rPr lang="en-US" sz="1800" b="1" dirty="0" smtClean="0"/>
               <a:t>Server</a:t>
             </a:r>
             <a:r>
-              <a:rPr lang="en-US" dirty="0" smtClean="0"/>
+              <a:rPr lang="en-US" sz="1800" dirty="0" smtClean="0"/>
               <a:t> – is the part that actually provides services to it’s clients. A server could also act as a client and vice versa</a:t>
             </a:r>
           </a:p>
@@ -28866,38 +28830,8 @@
         </p:blipFill>
         <p:spPr>
           <a:xfrm>
-            <a:off x="3672497" y="1639318"/>
+            <a:off x="5432717" y="1639318"/>
             <a:ext cx="2603423" cy="1129263"/>
-          </a:xfrm>
-          <a:prstGeom prst="rect">
-            <a:avLst/>
-          </a:prstGeom>
-        </p:spPr>
-      </p:pic>
-      <p:pic>
-        <p:nvPicPr>
-          <p:cNvPr id="5" name="Picture 4"/>
-          <p:cNvPicPr>
-            <a:picLocks noChangeAspect="1"/>
-          </p:cNvPicPr>
-          <p:nvPr/>
-        </p:nvPicPr>
-        <p:blipFill>
-          <a:blip r:embed="rId4">
-            <a:extLst>
-              <a:ext uri="{28A0092B-C50C-407E-A947-70E740481C1C}">
-                <a14:useLocalDpi xmlns:a14="http://schemas.microsoft.com/office/drawing/2010/main" val="0"/>
-              </a:ext>
-            </a:extLst>
-          </a:blip>
-          <a:stretch>
-            <a:fillRect/>
-          </a:stretch>
-        </p:blipFill>
-        <p:spPr>
-          <a:xfrm>
-            <a:off x="6624449" y="273050"/>
-            <a:ext cx="1884524" cy="1790700"/>
           </a:xfrm>
           <a:prstGeom prst="rect">
             <a:avLst/>
@@ -28998,9 +28932,16 @@
           <a:bodyPr/>
           <a:lstStyle/>
           <a:p>
+            <a:endParaRPr lang="en-US" b="1" dirty="0" smtClean="0"/>
+          </a:p>
+          <a:p>
+            <a:r>
+              <a:rPr lang="en-US" b="1" dirty="0" smtClean="0"/>
+              <a:t>Repeated </a:t>
+            </a:r>
             <a:r>
               <a:rPr lang="en-US" b="1" dirty="0"/>
-              <a:t>Repeated cycles</a:t>
+              <a:t>cycles</a:t>
             </a:r>
             <a:r>
               <a:rPr lang="en-US" dirty="0"/>
@@ -29024,8 +28965,15 @@
             </a:r>
             <a:r>
               <a:rPr lang="en-US" dirty="0" smtClean="0"/>
-              <a:t>thick…</a:t>
-            </a:r>
+              <a:t>thick</a:t>
+            </a:r>
+            <a:r>
+              <a:rPr lang="en-US" dirty="0" smtClean="0"/>
+              <a:t>…</a:t>
+            </a:r>
+          </a:p>
+          <a:p>
+            <a:endParaRPr lang="en-US" dirty="0" smtClean="0"/>
           </a:p>
           <a:p>
             <a:endParaRPr lang="en-US" dirty="0"/>
@@ -29033,64 +28981,92 @@
           <a:p>
             <a:pPr lvl="1"/>
             <a:r>
-              <a:rPr lang="en-US" b="1" dirty="0" smtClean="0"/>
+              <a:rPr lang="en-US" sz="1800" b="1" dirty="0" smtClean="0"/>
               <a:t>Thick </a:t>
             </a:r>
             <a:r>
-              <a:rPr lang="en-US" b="1" dirty="0"/>
+              <a:rPr lang="en-US" sz="1800" b="1" dirty="0"/>
               <a:t>client </a:t>
             </a:r>
             <a:r>
-              <a:rPr lang="en-US" dirty="0"/>
-              <a:t>(heavy, rich or fat client) is a computer (client) in a client – server architecture that  typically provides rich functionality independent of the central server. A fat client still require a connection to a network or a server, but also has the ability to perform many functions without that </a:t>
-            </a:r>
-            <a:r>
-              <a:rPr lang="en-US" dirty="0" smtClean="0"/>
+              <a:rPr lang="en-US" sz="1800" dirty="0"/>
+              <a:t>(heavy, rich or fat client) is a computer (client) in </a:t>
+            </a:r>
+            <a:r>
+              <a:rPr lang="en-US" sz="1800" dirty="0" smtClean="0"/>
+              <a:t>a  </a:t>
+            </a:r>
+            <a:r>
+              <a:rPr lang="en-US" sz="1800" dirty="0"/>
+              <a:t>client – server architecture that  typically provides rich functionality independent of the central server. A fat client still require a connection to a network or a server, but also has the ability to perform many functions without that </a:t>
+            </a:r>
+            <a:r>
+              <a:rPr lang="en-US" sz="1800" dirty="0" smtClean="0"/>
               <a:t>connection</a:t>
             </a:r>
           </a:p>
           <a:p>
             <a:pPr lvl="1"/>
-            <a:endParaRPr lang="en-US" dirty="0" smtClean="0"/>
+            <a:endParaRPr lang="en-US" sz="1800" dirty="0" smtClean="0"/>
           </a:p>
           <a:p>
             <a:pPr lvl="1"/>
+            <a:r>
+              <a:rPr lang="en-US" sz="1800" b="1" dirty="0" smtClean="0"/>
+              <a:t>Thin </a:t>
+            </a:r>
+            <a:r>
+              <a:rPr lang="en-US" sz="1800" b="1" dirty="0" smtClean="0"/>
+              <a:t>client, </a:t>
+            </a:r>
+            <a:r>
+              <a:rPr lang="en-US" sz="1800" dirty="0"/>
+              <a:t>in contrast, generally does </a:t>
+            </a:r>
+            <a:r>
+              <a:rPr lang="en-US" sz="1800" dirty="0" smtClean="0"/>
+              <a:t>little processing</a:t>
+            </a:r>
+          </a:p>
+          <a:p>
+            <a:pPr lvl="1"/>
+            <a:endParaRPr lang="en-US" sz="1800" dirty="0"/>
+          </a:p>
+          <a:p>
+            <a:pPr lvl="1"/>
+            <a:r>
+              <a:rPr lang="en-US" sz="1800" dirty="0" smtClean="0"/>
+              <a:t>From Swing Applications to JSP/Servlets Application to Angular JS Applications</a:t>
+            </a:r>
+            <a:endParaRPr lang="en-US" sz="1800" dirty="0"/>
+          </a:p>
+          <a:p>
+            <a:pPr marL="457200" lvl="1" indent="0">
+              <a:buNone/>
+            </a:pPr>
             <a:endParaRPr lang="en-US" dirty="0"/>
           </a:p>
           <a:p>
-            <a:pPr lvl="1"/>
-            <a:r>
-              <a:rPr lang="en-US" b="1" dirty="0"/>
-              <a:t>Thin </a:t>
-            </a:r>
-            <a:r>
-              <a:rPr lang="en-US" b="1" dirty="0" smtClean="0"/>
-              <a:t>client, </a:t>
-            </a:r>
-            <a:r>
-              <a:rPr lang="en-US" dirty="0"/>
-              <a:t>in contrast, generally does </a:t>
-            </a:r>
-            <a:r>
-              <a:rPr lang="en-US" dirty="0" smtClean="0"/>
-              <a:t>little processing</a:t>
-            </a:r>
-          </a:p>
-          <a:p>
-            <a:pPr lvl="1"/>
-            <a:endParaRPr lang="en-US" dirty="0" smtClean="0"/>
-          </a:p>
-          <a:p>
-            <a:pPr lvl="1"/>
-            <a:endParaRPr lang="en-US" dirty="0"/>
-          </a:p>
-          <a:p>
-            <a:pPr lvl="1"/>
-            <a:r>
-              <a:rPr lang="en-US" dirty="0" smtClean="0"/>
-              <a:t>From Swing Applications to JSP/Servlets Application to Angular JS Applications</a:t>
-            </a:r>
-            <a:endParaRPr lang="en-US" dirty="0"/>
+            <a:pPr marL="457200" lvl="1" indent="0">
+              <a:buNone/>
+            </a:pPr>
+            <a:r>
+              <a:rPr lang="en-US" sz="1800" dirty="0" smtClean="0"/>
+              <a:t>Our </a:t>
+            </a:r>
+            <a:r>
+              <a:rPr lang="en-US" sz="1800" dirty="0"/>
+              <a:t>technology stack is based on rich clients (Angular JS) </a:t>
+            </a:r>
+            <a:r>
+              <a:rPr lang="en-US" sz="1800" dirty="0" smtClean="0"/>
+              <a:t>and thin-servers that provide </a:t>
+            </a:r>
+            <a:r>
+              <a:rPr lang="en-US" sz="1800" dirty="0"/>
+              <a:t>services to these clients</a:t>
+            </a:r>
+            <a:endParaRPr lang="ro-RO" sz="1800" dirty="0"/>
           </a:p>
           <a:p>
             <a:pPr lvl="1"/>
@@ -29175,160 +29151,32 @@
             <a:spLocks noGrp="1"/>
           </p:cNvSpPr>
           <p:nvPr>
-            <p:ph type="title"/>
+            <p:ph type="ctrTitle"/>
           </p:nvPr>
         </p:nvSpPr>
         <p:spPr>
           <a:xfrm>
-            <a:off x="720725" y="766826"/>
-            <a:ext cx="5771516" cy="593092"/>
+            <a:off x="862357" y="3107272"/>
+            <a:ext cx="7705725" cy="1174545"/>
           </a:xfrm>
         </p:spPr>
         <p:txBody>
           <a:bodyPr>
-            <a:normAutofit/>
+            <a:normAutofit fontScale="90000"/>
           </a:bodyPr>
           <a:lstStyle/>
           <a:p>
             <a:r>
               <a:rPr lang="en-US" dirty="0"/>
-              <a:t>W</a:t>
-            </a:r>
-            <a:r>
-              <a:rPr lang="ro-RO" dirty="0"/>
-              <a:t>eb </a:t>
-            </a:r>
-            <a:r>
-              <a:rPr lang="en-US" dirty="0" smtClean="0"/>
-              <a:t>Development </a:t>
-            </a:r>
-            <a:r>
-              <a:rPr lang="en-US" dirty="0"/>
-              <a:t>Introduction</a:t>
-            </a:r>
-            <a:endParaRPr lang="ro-RO" dirty="0"/>
+              <a:t>JEE Containers &amp; Web Container</a:t>
+            </a:r>
           </a:p>
         </p:txBody>
       </p:sp>
-      <p:sp>
-        <p:nvSpPr>
-          <p:cNvPr id="3" name="Content Placeholder 2"/>
-          <p:cNvSpPr>
-            <a:spLocks noGrp="1"/>
-          </p:cNvSpPr>
-          <p:nvPr>
-            <p:ph idx="1"/>
-          </p:nvPr>
-        </p:nvSpPr>
-        <p:spPr/>
-        <p:txBody>
-          <a:bodyPr/>
-          <a:lstStyle/>
-          <a:p>
-            <a:r>
-              <a:rPr lang="en-US" dirty="0"/>
-              <a:t>Until </a:t>
-            </a:r>
-            <a:r>
-              <a:rPr lang="en-US" dirty="0" smtClean="0"/>
-              <a:t>some </a:t>
-            </a:r>
-            <a:r>
-              <a:rPr lang="en-US" dirty="0"/>
-              <a:t>7</a:t>
-            </a:r>
-            <a:r>
-              <a:rPr lang="en-US" dirty="0" smtClean="0"/>
-              <a:t> </a:t>
-            </a:r>
-            <a:r>
-              <a:rPr lang="en-US" dirty="0" smtClean="0"/>
-              <a:t>years ago </a:t>
-            </a:r>
-            <a:r>
-              <a:rPr lang="en-US" dirty="0"/>
-              <a:t>we developed web application using thin </a:t>
-            </a:r>
-            <a:r>
-              <a:rPr lang="en-US" dirty="0" smtClean="0"/>
-              <a:t>clients</a:t>
-            </a:r>
-            <a:endParaRPr lang="en-US" dirty="0"/>
-          </a:p>
-          <a:p>
-            <a:endParaRPr lang="en-US" dirty="0" smtClean="0"/>
-          </a:p>
-          <a:p>
-            <a:endParaRPr lang="en-US" dirty="0"/>
-          </a:p>
-          <a:p>
-            <a:r>
-              <a:rPr lang="en-US" dirty="0"/>
-              <a:t>Now </a:t>
-            </a:r>
-            <a:r>
-              <a:rPr lang="en-US" dirty="0" smtClean="0"/>
-              <a:t>we </a:t>
-            </a:r>
-            <a:r>
-              <a:rPr lang="en-US" dirty="0"/>
-              <a:t>develop  web application based on browser-centric HTML5 applications talking to </a:t>
-            </a:r>
-            <a:r>
-              <a:rPr lang="en-US" dirty="0" smtClean="0"/>
-              <a:t>thin-servers</a:t>
-            </a:r>
-            <a:endParaRPr lang="en-US" dirty="0"/>
-          </a:p>
-          <a:p>
-            <a:endParaRPr lang="en-US" dirty="0" smtClean="0"/>
-          </a:p>
-          <a:p>
-            <a:endParaRPr lang="en-US" dirty="0" smtClean="0"/>
-          </a:p>
-          <a:p>
-            <a:r>
-              <a:rPr lang="en-US" dirty="0" smtClean="0"/>
-              <a:t>Our technology stack is based on rich clients (Angular JS) and the server provides services to these clients</a:t>
-            </a:r>
-            <a:endParaRPr lang="ro-RO" dirty="0"/>
-          </a:p>
-        </p:txBody>
-      </p:sp>
-      <p:pic>
-        <p:nvPicPr>
-          <p:cNvPr id="4" name="Picture 3"/>
-          <p:cNvPicPr>
-            <a:picLocks noChangeAspect="1"/>
-          </p:cNvPicPr>
-          <p:nvPr/>
-        </p:nvPicPr>
-        <p:blipFill>
-          <a:blip r:embed="rId2">
-            <a:extLst>
-              <a:ext uri="{28A0092B-C50C-407E-A947-70E740481C1C}">
-                <a14:useLocalDpi xmlns:a14="http://schemas.microsoft.com/office/drawing/2010/main" val="0"/>
-              </a:ext>
-            </a:extLst>
-          </a:blip>
-          <a:stretch>
-            <a:fillRect/>
-          </a:stretch>
-        </p:blipFill>
-        <p:spPr>
-          <a:xfrm>
-            <a:off x="6867330" y="239459"/>
-            <a:ext cx="1862331" cy="1647825"/>
-          </a:xfrm>
-          <a:prstGeom prst="rect">
-            <a:avLst/>
-          </a:prstGeom>
-        </p:spPr>
-      </p:pic>
     </p:spTree>
     <p:extLst>
       <p:ext uri="{BB962C8B-B14F-4D97-AF65-F5344CB8AC3E}">
-        <p14:creationId xmlns:p14="http://schemas.microsoft.com/office/powerpoint/2010/main" val="1128117503"/>
+        <p14:creationId xmlns:p14="http://schemas.microsoft.com/office/powerpoint/2010/main" val="3817150867"/>
       </p:ext>
     </p:extLst>
   </p:cSld>
@@ -29369,15 +29217,10 @@
             <a:spLocks noGrp="1"/>
           </p:cNvSpPr>
           <p:nvPr>
-            <p:ph type="ctrTitle"/>
+            <p:ph type="title"/>
           </p:nvPr>
         </p:nvSpPr>
-        <p:spPr>
-          <a:xfrm>
-            <a:off x="862357" y="3107272"/>
-            <a:ext cx="7705725" cy="1174545"/>
-          </a:xfrm>
-        </p:spPr>
+        <p:spPr/>
         <p:txBody>
           <a:bodyPr>
             <a:normAutofit fontScale="90000"/>
@@ -29385,16 +29228,648 @@
           <a:lstStyle/>
           <a:p>
             <a:r>
-              <a:rPr lang="en-US" dirty="0"/>
+              <a:rPr lang="en-US" dirty="0" smtClean="0"/>
               <a:t>JEE Containers &amp; Web Container</a:t>
             </a:r>
+            <a:endParaRPr lang="ro-RO" dirty="0"/>
+          </a:p>
+        </p:txBody>
+      </p:sp>
+      <p:pic>
+        <p:nvPicPr>
+          <p:cNvPr id="4" name="Content Placeholder 3"/>
+          <p:cNvPicPr>
+            <a:picLocks noGrp="1" noChangeAspect="1"/>
+          </p:cNvPicPr>
+          <p:nvPr>
+            <p:ph idx="1"/>
+          </p:nvPr>
+        </p:nvPicPr>
+        <p:blipFill>
+          <a:blip r:embed="rId2">
+            <a:extLst>
+              <a:ext uri="{28A0092B-C50C-407E-A947-70E740481C1C}">
+                <a14:useLocalDpi xmlns:a14="http://schemas.microsoft.com/office/drawing/2010/main" val="0"/>
+              </a:ext>
+            </a:extLst>
+          </a:blip>
+          <a:stretch>
+            <a:fillRect/>
+          </a:stretch>
+        </p:blipFill>
+        <p:spPr>
+          <a:xfrm>
+            <a:off x="6733290" y="421228"/>
+            <a:ext cx="1714591" cy="1284288"/>
+          </a:xfrm>
+        </p:spPr>
+      </p:pic>
+      <p:pic>
+        <p:nvPicPr>
+          <p:cNvPr id="5" name="Picture 4"/>
+          <p:cNvPicPr>
+            <a:picLocks noChangeAspect="1"/>
+          </p:cNvPicPr>
+          <p:nvPr/>
+        </p:nvPicPr>
+        <p:blipFill>
+          <a:blip r:embed="rId3">
+            <a:extLst>
+              <a:ext uri="{28A0092B-C50C-407E-A947-70E740481C1C}">
+                <a14:useLocalDpi xmlns:a14="http://schemas.microsoft.com/office/drawing/2010/main" val="0"/>
+              </a:ext>
+            </a:extLst>
+          </a:blip>
+          <a:stretch>
+            <a:fillRect/>
+          </a:stretch>
+        </p:blipFill>
+        <p:spPr>
+          <a:xfrm>
+            <a:off x="4178711" y="1772999"/>
+            <a:ext cx="4965290" cy="4344570"/>
+          </a:xfrm>
+          <a:prstGeom prst="rect">
+            <a:avLst/>
+          </a:prstGeom>
+        </p:spPr>
+      </p:pic>
+      <p:sp>
+        <p:nvSpPr>
+          <p:cNvPr id="7" name="Content Placeholder 2"/>
+          <p:cNvSpPr txBox="1">
+            <a:spLocks/>
+          </p:cNvSpPr>
+          <p:nvPr/>
+        </p:nvSpPr>
+        <p:spPr>
+          <a:xfrm>
+            <a:off x="720725" y="1600200"/>
+            <a:ext cx="3771265" cy="4690169"/>
+          </a:xfrm>
+          <a:prstGeom prst="rect">
+            <a:avLst/>
+          </a:prstGeom>
+        </p:spPr>
+        <p:txBody>
+          <a:bodyPr vert="horz" lIns="0" tIns="0" rIns="0" bIns="0" rtlCol="0" anchor="ctr" anchorCtr="0">
+            <a:normAutofit fontScale="92500" lnSpcReduction="10000"/>
+          </a:bodyPr>
+          <a:lstStyle>
+            <a:lvl1pPr marL="285750" indent="-285750" algn="just" defTabSz="457200" rtl="0" eaLnBrk="1" latinLnBrk="0" hangingPunct="1">
+              <a:spcBef>
+                <a:spcPts val="0"/>
+              </a:spcBef>
+              <a:buClr>
+                <a:srgbClr val="E60000"/>
+              </a:buClr>
+              <a:buFont typeface="Arial" panose="020B0604020202020204" pitchFamily="34" charset="0"/>
+              <a:buChar char="•"/>
+              <a:defRPr sz="1800" kern="1200">
+                <a:solidFill>
+                  <a:srgbClr val="565A5C"/>
+                </a:solidFill>
+                <a:latin typeface="Arial"/>
+                <a:ea typeface="+mn-ea"/>
+                <a:cs typeface="Arial"/>
+              </a:defRPr>
+            </a:lvl1pPr>
+            <a:lvl2pPr marL="742950" indent="-285750" algn="just" defTabSz="457200" rtl="0" eaLnBrk="1" latinLnBrk="0" hangingPunct="1">
+              <a:spcBef>
+                <a:spcPts val="0"/>
+              </a:spcBef>
+              <a:buClr>
+                <a:srgbClr val="E60000"/>
+              </a:buClr>
+              <a:buFont typeface="Arial"/>
+              <a:buChar char="–"/>
+              <a:defRPr sz="1600" kern="1200">
+                <a:solidFill>
+                  <a:srgbClr val="565A5C"/>
+                </a:solidFill>
+                <a:latin typeface="Arial"/>
+                <a:ea typeface="+mn-ea"/>
+                <a:cs typeface="Arial"/>
+              </a:defRPr>
+            </a:lvl2pPr>
+            <a:lvl3pPr marL="1143000" indent="-228600" algn="just" defTabSz="457200" rtl="0" eaLnBrk="1" latinLnBrk="0" hangingPunct="1">
+              <a:spcBef>
+                <a:spcPts val="0"/>
+              </a:spcBef>
+              <a:buFont typeface="Arial"/>
+              <a:buChar char="•"/>
+              <a:defRPr sz="1600" kern="1200">
+                <a:solidFill>
+                  <a:srgbClr val="565A5C"/>
+                </a:solidFill>
+                <a:latin typeface="Arial"/>
+                <a:ea typeface="+mn-ea"/>
+                <a:cs typeface="Arial"/>
+              </a:defRPr>
+            </a:lvl3pPr>
+            <a:lvl4pPr marL="1600200" indent="-228600" algn="just" defTabSz="457200" rtl="0" eaLnBrk="1" latinLnBrk="0" hangingPunct="1">
+              <a:spcBef>
+                <a:spcPts val="0"/>
+              </a:spcBef>
+              <a:buClr>
+                <a:srgbClr val="E60000"/>
+              </a:buClr>
+              <a:buFont typeface="Arial"/>
+              <a:buChar char="–"/>
+              <a:defRPr sz="1600" kern="1200">
+                <a:solidFill>
+                  <a:srgbClr val="565A5C"/>
+                </a:solidFill>
+                <a:latin typeface="Arial"/>
+                <a:ea typeface="+mn-ea"/>
+                <a:cs typeface="Arial"/>
+              </a:defRPr>
+            </a:lvl4pPr>
+            <a:lvl5pPr marL="2057400" indent="-228600" algn="just" defTabSz="457200" rtl="0" eaLnBrk="1" latinLnBrk="0" hangingPunct="1">
+              <a:spcBef>
+                <a:spcPts val="0"/>
+              </a:spcBef>
+              <a:buFont typeface="Arial"/>
+              <a:buChar char="»"/>
+              <a:defRPr sz="1600" kern="1200">
+                <a:solidFill>
+                  <a:srgbClr val="565A5C"/>
+                </a:solidFill>
+                <a:latin typeface="Arial"/>
+                <a:ea typeface="+mn-ea"/>
+                <a:cs typeface="Arial"/>
+              </a:defRPr>
+            </a:lvl5pPr>
+            <a:lvl6pPr marL="2514600" indent="-228600" algn="l" defTabSz="457200" rtl="0" eaLnBrk="1" latinLnBrk="0" hangingPunct="1">
+              <a:spcBef>
+                <a:spcPct val="20000"/>
+              </a:spcBef>
+              <a:buFont typeface="Arial"/>
+              <a:buChar char="•"/>
+              <a:defRPr sz="2000" kern="1200">
+                <a:solidFill>
+                  <a:schemeClr val="tx1"/>
+                </a:solidFill>
+                <a:latin typeface="+mn-lt"/>
+                <a:ea typeface="+mn-ea"/>
+                <a:cs typeface="+mn-cs"/>
+              </a:defRPr>
+            </a:lvl6pPr>
+            <a:lvl7pPr marL="2971800" indent="-228600" algn="l" defTabSz="457200" rtl="0" eaLnBrk="1" latinLnBrk="0" hangingPunct="1">
+              <a:spcBef>
+                <a:spcPct val="20000"/>
+              </a:spcBef>
+              <a:buFont typeface="Arial"/>
+              <a:buChar char="•"/>
+              <a:defRPr sz="2000" kern="1200">
+                <a:solidFill>
+                  <a:schemeClr val="tx1"/>
+                </a:solidFill>
+                <a:latin typeface="+mn-lt"/>
+                <a:ea typeface="+mn-ea"/>
+                <a:cs typeface="+mn-cs"/>
+              </a:defRPr>
+            </a:lvl7pPr>
+            <a:lvl8pPr marL="3429000" indent="-228600" algn="l" defTabSz="457200" rtl="0" eaLnBrk="1" latinLnBrk="0" hangingPunct="1">
+              <a:spcBef>
+                <a:spcPct val="20000"/>
+              </a:spcBef>
+              <a:buFont typeface="Arial"/>
+              <a:buChar char="•"/>
+              <a:defRPr sz="2000" kern="1200">
+                <a:solidFill>
+                  <a:schemeClr val="tx1"/>
+                </a:solidFill>
+                <a:latin typeface="+mn-lt"/>
+                <a:ea typeface="+mn-ea"/>
+                <a:cs typeface="+mn-cs"/>
+              </a:defRPr>
+            </a:lvl8pPr>
+            <a:lvl9pPr marL="3886200" indent="-228600" algn="l" defTabSz="457200" rtl="0" eaLnBrk="1" latinLnBrk="0" hangingPunct="1">
+              <a:spcBef>
+                <a:spcPct val="20000"/>
+              </a:spcBef>
+              <a:buFont typeface="Arial"/>
+              <a:buChar char="•"/>
+              <a:defRPr sz="2000" kern="1200">
+                <a:solidFill>
+                  <a:schemeClr val="tx1"/>
+                </a:solidFill>
+                <a:latin typeface="+mn-lt"/>
+                <a:ea typeface="+mn-ea"/>
+                <a:cs typeface="+mn-cs"/>
+              </a:defRPr>
+            </a:lvl9pPr>
+          </a:lstStyle>
+          <a:p>
+            <a:pPr algn="l"/>
+            <a:r>
+              <a:rPr lang="en-US" sz="1900" dirty="0"/>
+              <a:t>A</a:t>
+            </a:r>
+            <a:r>
+              <a:rPr lang="en-US" sz="1900" dirty="0"/>
+              <a:t>re</a:t>
+            </a:r>
+            <a:r>
+              <a:rPr lang="en-US" dirty="0" smtClean="0">
+                <a:solidFill>
+                  <a:srgbClr val="000000"/>
+                </a:solidFill>
+                <a:latin typeface="arial"/>
+              </a:rPr>
+              <a:t> </a:t>
+            </a:r>
+            <a:r>
+              <a:rPr lang="en-US" sz="1900" dirty="0"/>
+              <a:t>the </a:t>
+            </a:r>
+            <a:r>
+              <a:rPr lang="en-US" sz="1900" b="1" dirty="0">
+                <a:solidFill>
+                  <a:srgbClr val="FF0000"/>
+                </a:solidFill>
+                <a:effectLst>
+                  <a:outerShdw blurRad="38100" dist="38100" dir="2700000" algn="tl">
+                    <a:srgbClr val="000000">
+                      <a:alpha val="43137"/>
+                    </a:srgbClr>
+                  </a:outerShdw>
+                </a:effectLst>
+                <a:latin typeface="arial"/>
+              </a:rPr>
+              <a:t>interface</a:t>
+            </a:r>
+            <a:r>
+              <a:rPr lang="en-US" dirty="0">
+                <a:solidFill>
+                  <a:srgbClr val="000000"/>
+                </a:solidFill>
+                <a:effectLst>
+                  <a:outerShdw blurRad="38100" dist="38100" dir="2700000" algn="tl">
+                    <a:srgbClr val="000000">
+                      <a:alpha val="43137"/>
+                    </a:srgbClr>
+                  </a:outerShdw>
+                </a:effectLst>
+                <a:latin typeface="arial"/>
+              </a:rPr>
+              <a:t> </a:t>
+            </a:r>
+            <a:r>
+              <a:rPr lang="en-US" sz="1900" dirty="0"/>
+              <a:t>between a Java component and the </a:t>
+            </a:r>
+            <a:r>
+              <a:rPr lang="en-US" sz="1900" dirty="0" smtClean="0"/>
+              <a:t>low-level platform-specific </a:t>
+            </a:r>
+            <a:r>
+              <a:rPr lang="en-US" sz="1900" dirty="0"/>
+              <a:t>functionality</a:t>
+            </a:r>
+            <a:endParaRPr lang="en-US" sz="1900" dirty="0"/>
+          </a:p>
+          <a:p>
+            <a:pPr algn="l"/>
+            <a:endParaRPr lang="en-US" dirty="0" smtClean="0"/>
+          </a:p>
+          <a:p>
+            <a:pPr algn="l"/>
+            <a:endParaRPr lang="en-US" dirty="0" smtClean="0"/>
+          </a:p>
+          <a:p>
+            <a:pPr algn="l"/>
+            <a:r>
+              <a:rPr lang="en-NZ" sz="1900" dirty="0"/>
+              <a:t>Provide separation </a:t>
+            </a:r>
+            <a:r>
+              <a:rPr lang="en-NZ" sz="1900" dirty="0"/>
+              <a:t>of </a:t>
+            </a:r>
+            <a:r>
+              <a:rPr lang="en-NZ" sz="1900" b="1" dirty="0">
+                <a:solidFill>
+                  <a:srgbClr val="0070C0"/>
+                </a:solidFill>
+                <a:effectLst>
+                  <a:outerShdw blurRad="38100" dist="38100" dir="2700000" algn="tl">
+                    <a:srgbClr val="000000">
+                      <a:alpha val="43137"/>
+                    </a:srgbClr>
+                  </a:outerShdw>
+                </a:effectLst>
+                <a:latin typeface="arial"/>
+              </a:rPr>
+              <a:t>business</a:t>
+            </a:r>
+            <a:r>
+              <a:rPr lang="en-NZ" sz="1900" b="1" dirty="0">
+                <a:solidFill>
+                  <a:srgbClr val="000000"/>
+                </a:solidFill>
+                <a:effectLst>
+                  <a:outerShdw blurRad="38100" dist="38100" dir="2700000" algn="tl">
+                    <a:srgbClr val="000000">
+                      <a:alpha val="43137"/>
+                    </a:srgbClr>
+                  </a:outerShdw>
+                </a:effectLst>
+                <a:latin typeface="arial"/>
+              </a:rPr>
+              <a:t> </a:t>
+            </a:r>
+            <a:r>
+              <a:rPr lang="en-NZ" sz="1900" b="1" dirty="0">
+                <a:solidFill>
+                  <a:srgbClr val="0070C0"/>
+                </a:solidFill>
+                <a:effectLst>
+                  <a:outerShdw blurRad="38100" dist="38100" dir="2700000" algn="tl">
+                    <a:srgbClr val="000000">
+                      <a:alpha val="43137"/>
+                    </a:srgbClr>
+                  </a:outerShdw>
+                </a:effectLst>
+                <a:latin typeface="arial"/>
+              </a:rPr>
+              <a:t>logic</a:t>
+            </a:r>
+            <a:r>
+              <a:rPr lang="en-NZ" sz="1900" b="1" dirty="0">
+                <a:solidFill>
+                  <a:srgbClr val="000000"/>
+                </a:solidFill>
+                <a:effectLst>
+                  <a:outerShdw blurRad="38100" dist="38100" dir="2700000" algn="tl">
+                    <a:srgbClr val="000000">
+                      <a:alpha val="43137"/>
+                    </a:srgbClr>
+                  </a:outerShdw>
+                </a:effectLst>
+                <a:latin typeface="arial"/>
+              </a:rPr>
+              <a:t> </a:t>
+            </a:r>
+            <a:r>
+              <a:rPr lang="en-NZ" sz="1900" dirty="0"/>
+              <a:t>from</a:t>
+            </a:r>
+            <a:r>
+              <a:rPr lang="en-NZ" dirty="0">
+                <a:solidFill>
+                  <a:srgbClr val="000000"/>
+                </a:solidFill>
+                <a:latin typeface="arial"/>
+              </a:rPr>
+              <a:t> </a:t>
+            </a:r>
+            <a:r>
+              <a:rPr lang="en-NZ" sz="1900" b="1" dirty="0">
+                <a:solidFill>
+                  <a:srgbClr val="0070C0"/>
+                </a:solidFill>
+                <a:effectLst>
+                  <a:outerShdw blurRad="38100" dist="38100" dir="2700000" algn="tl">
+                    <a:srgbClr val="000000">
+                      <a:alpha val="43137"/>
+                    </a:srgbClr>
+                  </a:outerShdw>
+                </a:effectLst>
+                <a:latin typeface="arial"/>
+              </a:rPr>
+              <a:t>resource</a:t>
+            </a:r>
+            <a:r>
+              <a:rPr lang="en-NZ" dirty="0">
+                <a:solidFill>
+                  <a:srgbClr val="0070C0"/>
+                </a:solidFill>
+                <a:effectLst>
+                  <a:outerShdw blurRad="38100" dist="38100" dir="2700000" algn="tl">
+                    <a:srgbClr val="000000">
+                      <a:alpha val="43137"/>
+                    </a:srgbClr>
+                  </a:outerShdw>
+                </a:effectLst>
+                <a:latin typeface="arial"/>
+              </a:rPr>
+              <a:t> </a:t>
+            </a:r>
+            <a:r>
+              <a:rPr lang="en-NZ" sz="1900" dirty="0"/>
+              <a:t>and</a:t>
+            </a:r>
+            <a:r>
+              <a:rPr lang="en-NZ" dirty="0">
+                <a:solidFill>
+                  <a:srgbClr val="000000"/>
+                </a:solidFill>
+                <a:latin typeface="arial"/>
+              </a:rPr>
+              <a:t> </a:t>
+            </a:r>
+            <a:r>
+              <a:rPr lang="en-NZ" sz="1900" b="1" dirty="0">
+                <a:solidFill>
+                  <a:srgbClr val="0070C0"/>
+                </a:solidFill>
+                <a:effectLst>
+                  <a:outerShdw blurRad="38100" dist="38100" dir="2700000" algn="tl">
+                    <a:srgbClr val="000000">
+                      <a:alpha val="43137"/>
+                    </a:srgbClr>
+                  </a:outerShdw>
+                </a:effectLst>
+                <a:latin typeface="arial"/>
+              </a:rPr>
+              <a:t>lifecycle</a:t>
+            </a:r>
+            <a:r>
+              <a:rPr lang="en-NZ" sz="1900" b="1" dirty="0">
+                <a:solidFill>
+                  <a:srgbClr val="000000"/>
+                </a:solidFill>
+                <a:effectLst>
+                  <a:outerShdw blurRad="38100" dist="38100" dir="2700000" algn="tl">
+                    <a:srgbClr val="000000">
+                      <a:alpha val="43137"/>
+                    </a:srgbClr>
+                  </a:outerShdw>
+                </a:effectLst>
+                <a:latin typeface="arial"/>
+              </a:rPr>
+              <a:t> </a:t>
+            </a:r>
+            <a:r>
+              <a:rPr lang="en-NZ" sz="1900" b="1" dirty="0">
+                <a:solidFill>
+                  <a:srgbClr val="0070C0"/>
+                </a:solidFill>
+                <a:effectLst>
+                  <a:outerShdw blurRad="38100" dist="38100" dir="2700000" algn="tl">
+                    <a:srgbClr val="000000">
+                      <a:alpha val="43137"/>
+                    </a:srgbClr>
+                  </a:outerShdw>
+                </a:effectLst>
+                <a:latin typeface="arial"/>
+              </a:rPr>
+              <a:t>management</a:t>
+            </a:r>
+            <a:endParaRPr lang="en-US" sz="1900" dirty="0" smtClean="0">
+              <a:solidFill>
+                <a:srgbClr val="0070C0"/>
+              </a:solidFill>
+            </a:endParaRPr>
+          </a:p>
+          <a:p>
+            <a:pPr algn="l"/>
+            <a:endParaRPr lang="en-US" dirty="0" smtClean="0"/>
+          </a:p>
+          <a:p>
+            <a:pPr algn="l"/>
+            <a:endParaRPr lang="en-US" dirty="0" smtClean="0"/>
+          </a:p>
+          <a:p>
+            <a:pPr algn="l"/>
+            <a:r>
+              <a:rPr lang="en-NZ" dirty="0">
+                <a:solidFill>
+                  <a:srgbClr val="000000"/>
+                </a:solidFill>
+                <a:latin typeface="arial"/>
+              </a:rPr>
+              <a:t> </a:t>
+            </a:r>
+            <a:r>
+              <a:rPr lang="en-NZ" sz="1900" dirty="0"/>
+              <a:t>This </a:t>
+            </a:r>
+            <a:r>
+              <a:rPr lang="en-NZ" sz="1900" dirty="0"/>
+              <a:t>allows developers to focus on writing business logic rather than writing </a:t>
+            </a:r>
+            <a:r>
+              <a:rPr lang="en-NZ" sz="1900" b="1" dirty="0">
+                <a:solidFill>
+                  <a:srgbClr val="008000"/>
+                </a:solidFill>
+                <a:effectLst>
+                  <a:outerShdw blurRad="38100" dist="38100" dir="2700000" algn="tl">
+                    <a:srgbClr val="000000">
+                      <a:alpha val="43137"/>
+                    </a:srgbClr>
+                  </a:outerShdw>
+                </a:effectLst>
+                <a:latin typeface="arial"/>
+              </a:rPr>
+              <a:t>enterprise</a:t>
+            </a:r>
+            <a:r>
+              <a:rPr lang="en-NZ" b="1" dirty="0">
+                <a:solidFill>
+                  <a:srgbClr val="008000"/>
+                </a:solidFill>
+                <a:effectLst>
+                  <a:outerShdw blurRad="38100" dist="38100" dir="2700000" algn="tl">
+                    <a:srgbClr val="000000">
+                      <a:alpha val="43137"/>
+                    </a:srgbClr>
+                  </a:outerShdw>
+                </a:effectLst>
+                <a:latin typeface="arial"/>
+              </a:rPr>
+              <a:t> </a:t>
+            </a:r>
+            <a:r>
+              <a:rPr lang="en-NZ" sz="1900" b="1" dirty="0" smtClean="0">
+                <a:solidFill>
+                  <a:srgbClr val="008000"/>
+                </a:solidFill>
+                <a:effectLst>
+                  <a:outerShdw blurRad="38100" dist="38100" dir="2700000" algn="tl">
+                    <a:srgbClr val="000000">
+                      <a:alpha val="43137"/>
+                    </a:srgbClr>
+                  </a:outerShdw>
+                </a:effectLst>
+                <a:latin typeface="arial"/>
+              </a:rPr>
+              <a:t>infrastructure</a:t>
+            </a:r>
+          </a:p>
+          <a:p>
+            <a:pPr algn="l"/>
+            <a:endParaRPr lang="en-NZ" b="1" dirty="0" smtClean="0">
+              <a:solidFill>
+                <a:srgbClr val="008000"/>
+              </a:solidFill>
+              <a:effectLst>
+                <a:outerShdw blurRad="38100" dist="38100" dir="2700000" algn="tl">
+                  <a:srgbClr val="000000">
+                    <a:alpha val="43137"/>
+                  </a:srgbClr>
+                </a:outerShdw>
+              </a:effectLst>
+              <a:latin typeface="arial"/>
+            </a:endParaRPr>
+          </a:p>
+          <a:p>
+            <a:pPr algn="l"/>
+            <a:endParaRPr lang="en-NZ" b="1" dirty="0">
+              <a:solidFill>
+                <a:srgbClr val="008000"/>
+              </a:solidFill>
+              <a:effectLst>
+                <a:outerShdw blurRad="38100" dist="38100" dir="2700000" algn="tl">
+                  <a:srgbClr val="000000">
+                    <a:alpha val="43137"/>
+                  </a:srgbClr>
+                </a:outerShdw>
+              </a:effectLst>
+              <a:latin typeface="arial"/>
+            </a:endParaRPr>
+          </a:p>
+          <a:p>
+            <a:pPr algn="l"/>
+            <a:r>
+              <a:rPr lang="en-NZ" sz="1900" dirty="0"/>
+              <a:t>The Java EE platform uses </a:t>
+            </a:r>
+            <a:r>
+              <a:rPr lang="en-NZ" sz="1900" b="1" dirty="0">
+                <a:solidFill>
+                  <a:srgbClr val="FF0000"/>
+                </a:solidFill>
+                <a:effectLst>
+                  <a:outerShdw blurRad="38100" dist="38100" dir="2700000" algn="tl">
+                    <a:srgbClr val="000000">
+                      <a:alpha val="43137"/>
+                    </a:srgbClr>
+                  </a:outerShdw>
+                </a:effectLst>
+                <a:latin typeface="arial"/>
+              </a:rPr>
+              <a:t>containers</a:t>
+            </a:r>
+            <a:r>
+              <a:rPr lang="en-NZ" sz="1900" dirty="0" smtClean="0"/>
+              <a:t> </a:t>
+            </a:r>
+            <a:r>
+              <a:rPr lang="en-NZ" sz="1900" dirty="0"/>
+              <a:t>to simplify development</a:t>
+            </a:r>
+            <a:endParaRPr lang="ro-RO" sz="1900" dirty="0"/>
           </a:p>
         </p:txBody>
       </p:sp>
     </p:spTree>
     <p:extLst>
       <p:ext uri="{BB962C8B-B14F-4D97-AF65-F5344CB8AC3E}">
-        <p14:creationId xmlns:p14="http://schemas.microsoft.com/office/powerpoint/2010/main" val="3817150867"/>
+        <p14:creationId xmlns:p14="http://schemas.microsoft.com/office/powerpoint/2010/main" val="1004379006"/>
       </p:ext>
     </p:extLst>
   </p:cSld>
@@ -29438,16 +29913,21 @@
             <p:ph type="title"/>
           </p:nvPr>
         </p:nvSpPr>
-        <p:spPr/>
+        <p:spPr>
+          <a:xfrm>
+            <a:off x="968370" y="787418"/>
+            <a:ext cx="3025562" cy="593092"/>
+          </a:xfrm>
+        </p:spPr>
         <p:txBody>
           <a:bodyPr>
-            <a:normAutofit fontScale="90000"/>
+            <a:normAutofit/>
           </a:bodyPr>
           <a:lstStyle/>
           <a:p>
             <a:r>
               <a:rPr lang="en-US" dirty="0" smtClean="0"/>
-              <a:t>JEE Containers &amp; Web Container</a:t>
+              <a:t>Web Container</a:t>
             </a:r>
             <a:endParaRPr lang="ro-RO" dirty="0"/>
           </a:p>
@@ -29464,7 +29944,7 @@
           </p:nvPr>
         </p:nvPicPr>
         <p:blipFill>
-          <a:blip r:embed="rId2">
+          <a:blip r:embed="rId3">
             <a:extLst>
               <a:ext uri="{28A0092B-C50C-407E-A947-70E740481C1C}">
                 <a14:useLocalDpi xmlns:a14="http://schemas.microsoft.com/office/drawing/2010/main" val="0"/>
@@ -29492,8 +29972,8 @@
         </p:nvSpPr>
         <p:spPr>
           <a:xfrm>
-            <a:off x="720725" y="1600200"/>
-            <a:ext cx="3389159" cy="4690169"/>
+            <a:off x="720724" y="1600200"/>
+            <a:ext cx="7704139" cy="4690169"/>
           </a:xfrm>
           <a:prstGeom prst="rect">
             <a:avLst/>
@@ -29501,7 +29981,7 @@
         </p:spPr>
         <p:txBody>
           <a:bodyPr vert="horz" lIns="0" tIns="0" rIns="0" bIns="0" rtlCol="0" anchor="ctr" anchorCtr="0">
-            <a:normAutofit fontScale="92500" lnSpcReduction="10000"/>
+            <a:normAutofit/>
           </a:bodyPr>
           <a:lstStyle>
             <a:lvl1pPr marL="285750" indent="-285750" algn="just" defTabSz="457200" rtl="0" eaLnBrk="1" latinLnBrk="0" hangingPunct="1">
@@ -29651,413 +30131,133 @@
           </a:lstStyle>
           <a:p>
             <a:r>
-              <a:rPr lang="en-US" dirty="0">
-                <a:solidFill>
-                  <a:srgbClr val="000000"/>
-                </a:solidFill>
-                <a:latin typeface="arial"/>
-              </a:rPr>
-              <a:t>A</a:t>
-            </a:r>
-            <a:r>
-              <a:rPr lang="en-US" dirty="0" smtClean="0">
-                <a:solidFill>
-                  <a:srgbClr val="000000"/>
-                </a:solidFill>
-                <a:latin typeface="arial"/>
-              </a:rPr>
-              <a:t>re </a:t>
-            </a:r>
-            <a:r>
-              <a:rPr lang="en-US" dirty="0">
-                <a:solidFill>
-                  <a:srgbClr val="000000"/>
-                </a:solidFill>
-                <a:latin typeface="arial"/>
-              </a:rPr>
-              <a:t>the </a:t>
-            </a:r>
-            <a:r>
-              <a:rPr lang="en-US" b="1" dirty="0">
-                <a:solidFill>
-                  <a:srgbClr val="FF0000"/>
-                </a:solidFill>
-                <a:effectLst>
-                  <a:outerShdw blurRad="38100" dist="38100" dir="2700000" algn="tl">
-                    <a:srgbClr val="000000">
-                      <a:alpha val="43137"/>
-                    </a:srgbClr>
-                  </a:outerShdw>
-                </a:effectLst>
-                <a:latin typeface="arial"/>
-              </a:rPr>
+              <a:rPr lang="en-US" dirty="0"/>
+              <a:t>The </a:t>
+            </a:r>
+            <a:r>
+              <a:rPr lang="en-US" b="1" dirty="0"/>
+              <a:t>web container</a:t>
+            </a:r>
+            <a:r>
+              <a:rPr lang="en-US" dirty="0"/>
+              <a:t> is the </a:t>
+            </a:r>
+            <a:r>
+              <a:rPr lang="en-US" dirty="0"/>
               <a:t>interface</a:t>
             </a:r>
             <a:r>
-              <a:rPr lang="en-US" dirty="0">
-                <a:solidFill>
-                  <a:srgbClr val="000000"/>
-                </a:solidFill>
-                <a:effectLst>
-                  <a:outerShdw blurRad="38100" dist="38100" dir="2700000" algn="tl">
-                    <a:srgbClr val="000000">
-                      <a:alpha val="43137"/>
-                    </a:srgbClr>
-                  </a:outerShdw>
-                </a:effectLst>
-                <a:latin typeface="arial"/>
-              </a:rPr>
-              <a:t> </a:t>
-            </a:r>
-            <a:r>
-              <a:rPr lang="en-US" dirty="0">
-                <a:solidFill>
-                  <a:srgbClr val="000000"/>
-                </a:solidFill>
-                <a:latin typeface="arial"/>
-              </a:rPr>
-              <a:t>between a </a:t>
-            </a:r>
-            <a:r>
-              <a:rPr lang="en-US" b="1" dirty="0">
-                <a:solidFill>
-                  <a:srgbClr val="000000"/>
-                </a:solidFill>
-                <a:effectLst>
-                  <a:outerShdw blurRad="38100" dist="38100" dir="2700000" algn="tl">
-                    <a:srgbClr val="000000">
-                      <a:alpha val="43137"/>
-                    </a:srgbClr>
-                  </a:outerShdw>
-                </a:effectLst>
-                <a:latin typeface="arial"/>
-              </a:rPr>
-              <a:t>Java component </a:t>
-            </a:r>
-            <a:r>
-              <a:rPr lang="en-US" dirty="0">
-                <a:solidFill>
-                  <a:srgbClr val="000000"/>
-                </a:solidFill>
-                <a:latin typeface="arial"/>
-              </a:rPr>
-              <a:t>and the </a:t>
-            </a:r>
-            <a:r>
-              <a:rPr lang="en-US" b="1" dirty="0">
-                <a:solidFill>
-                  <a:srgbClr val="000000"/>
-                </a:solidFill>
-                <a:effectLst>
-                  <a:outerShdw blurRad="38100" dist="38100" dir="2700000" algn="tl">
-                    <a:srgbClr val="000000">
-                      <a:alpha val="43137"/>
-                    </a:srgbClr>
-                  </a:outerShdw>
-                </a:effectLst>
-                <a:latin typeface="arial"/>
-              </a:rPr>
-              <a:t>low-level platform-specific functionality</a:t>
+              <a:rPr lang="en-US" dirty="0"/>
+              <a:t> between web components and the web server. </a:t>
             </a:r>
             <a:endParaRPr lang="en-US" dirty="0" smtClean="0"/>
           </a:p>
           <a:p>
+            <a:pPr marL="0" indent="0">
+              <a:buNone/>
+            </a:pPr>
+            <a:endParaRPr lang="en-US" dirty="0"/>
+          </a:p>
+          <a:p>
+            <a:r>
+              <a:rPr lang="en-US" dirty="0" smtClean="0"/>
+              <a:t>The </a:t>
+            </a:r>
+            <a:r>
+              <a:rPr lang="en-US" b="1" dirty="0"/>
+              <a:t>web container </a:t>
+            </a:r>
+            <a:r>
+              <a:rPr lang="en-US" dirty="0" smtClean="0"/>
+              <a:t>offers:</a:t>
+            </a:r>
             <a:endParaRPr lang="en-US" dirty="0" smtClean="0"/>
           </a:p>
           <a:p>
-            <a:endParaRPr lang="en-US" dirty="0" smtClean="0"/>
-          </a:p>
-          <a:p>
-            <a:r>
-              <a:rPr lang="en-NZ" dirty="0" smtClean="0">
-                <a:solidFill>
-                  <a:srgbClr val="000000"/>
-                </a:solidFill>
-                <a:latin typeface="arial"/>
-              </a:rPr>
-              <a:t>Provide separation </a:t>
-            </a:r>
-            <a:r>
-              <a:rPr lang="en-NZ" dirty="0">
-                <a:solidFill>
-                  <a:srgbClr val="000000"/>
-                </a:solidFill>
-                <a:latin typeface="arial"/>
-              </a:rPr>
-              <a:t>of </a:t>
-            </a:r>
-            <a:r>
-              <a:rPr lang="en-NZ" b="1" dirty="0">
-                <a:solidFill>
-                  <a:srgbClr val="000000"/>
-                </a:solidFill>
-                <a:effectLst>
-                  <a:outerShdw blurRad="38100" dist="38100" dir="2700000" algn="tl">
-                    <a:srgbClr val="000000">
-                      <a:alpha val="43137"/>
-                    </a:srgbClr>
-                  </a:outerShdw>
-                </a:effectLst>
-                <a:latin typeface="arial"/>
-              </a:rPr>
-              <a:t>business logic </a:t>
-            </a:r>
-            <a:r>
-              <a:rPr lang="en-NZ" dirty="0">
-                <a:solidFill>
-                  <a:srgbClr val="000000"/>
-                </a:solidFill>
-                <a:latin typeface="arial"/>
-              </a:rPr>
-              <a:t>from </a:t>
-            </a:r>
-            <a:r>
-              <a:rPr lang="en-NZ" b="1" dirty="0">
-                <a:solidFill>
-                  <a:srgbClr val="000000"/>
-                </a:solidFill>
-                <a:effectLst>
-                  <a:outerShdw blurRad="38100" dist="38100" dir="2700000" algn="tl">
-                    <a:srgbClr val="000000">
-                      <a:alpha val="43137"/>
-                    </a:srgbClr>
-                  </a:outerShdw>
-                </a:effectLst>
-                <a:latin typeface="arial"/>
-              </a:rPr>
-              <a:t>resource</a:t>
-            </a:r>
-            <a:r>
-              <a:rPr lang="en-NZ" dirty="0">
-                <a:solidFill>
-                  <a:srgbClr val="000000"/>
-                </a:solidFill>
-                <a:effectLst>
-                  <a:outerShdw blurRad="38100" dist="38100" dir="2700000" algn="tl">
-                    <a:srgbClr val="000000">
-                      <a:alpha val="43137"/>
-                    </a:srgbClr>
-                  </a:outerShdw>
-                </a:effectLst>
-                <a:latin typeface="arial"/>
-              </a:rPr>
-              <a:t> </a:t>
-            </a:r>
-            <a:r>
-              <a:rPr lang="en-NZ" dirty="0">
-                <a:solidFill>
-                  <a:srgbClr val="000000"/>
-                </a:solidFill>
-                <a:latin typeface="arial"/>
-              </a:rPr>
-              <a:t>and </a:t>
-            </a:r>
-            <a:r>
-              <a:rPr lang="en-NZ" b="1" dirty="0">
-                <a:solidFill>
-                  <a:srgbClr val="000000"/>
-                </a:solidFill>
-                <a:effectLst>
-                  <a:outerShdw blurRad="38100" dist="38100" dir="2700000" algn="tl">
-                    <a:srgbClr val="000000">
-                      <a:alpha val="43137"/>
-                    </a:srgbClr>
-                  </a:outerShdw>
-                </a:effectLst>
-                <a:latin typeface="arial"/>
-              </a:rPr>
-              <a:t>lifecycle management</a:t>
-            </a:r>
-            <a:endParaRPr lang="en-US" dirty="0" smtClean="0"/>
-          </a:p>
-          <a:p>
-            <a:endParaRPr lang="en-US" dirty="0" smtClean="0"/>
-          </a:p>
-          <a:p>
-            <a:endParaRPr lang="en-US" dirty="0" smtClean="0"/>
-          </a:p>
-          <a:p>
-            <a:r>
-              <a:rPr lang="en-NZ" dirty="0">
-                <a:solidFill>
-                  <a:srgbClr val="000000"/>
-                </a:solidFill>
-                <a:latin typeface="arial"/>
-              </a:rPr>
-              <a:t> </a:t>
-            </a:r>
-            <a:r>
-              <a:rPr lang="en-NZ" dirty="0" smtClean="0">
-                <a:solidFill>
-                  <a:srgbClr val="000000"/>
-                </a:solidFill>
-                <a:latin typeface="arial"/>
-              </a:rPr>
-              <a:t>This </a:t>
-            </a:r>
-            <a:r>
-              <a:rPr lang="en-NZ" dirty="0">
-                <a:solidFill>
-                  <a:srgbClr val="000000"/>
-                </a:solidFill>
-                <a:latin typeface="arial"/>
-              </a:rPr>
-              <a:t>allows developers to focus on writing business logic rather than writing </a:t>
-            </a:r>
-            <a:r>
-              <a:rPr lang="en-NZ" b="1" dirty="0">
-                <a:solidFill>
-                  <a:srgbClr val="008000"/>
-                </a:solidFill>
-                <a:effectLst>
-                  <a:outerShdw blurRad="38100" dist="38100" dir="2700000" algn="tl">
-                    <a:srgbClr val="000000">
-                      <a:alpha val="43137"/>
-                    </a:srgbClr>
-                  </a:outerShdw>
-                </a:effectLst>
-                <a:latin typeface="arial"/>
-              </a:rPr>
-              <a:t>enterprise </a:t>
-            </a:r>
-            <a:r>
-              <a:rPr lang="en-NZ" b="1" dirty="0" smtClean="0">
-                <a:solidFill>
-                  <a:srgbClr val="008000"/>
-                </a:solidFill>
-                <a:effectLst>
-                  <a:outerShdw blurRad="38100" dist="38100" dir="2700000" algn="tl">
-                    <a:srgbClr val="000000">
-                      <a:alpha val="43137"/>
-                    </a:srgbClr>
-                  </a:outerShdw>
-                </a:effectLst>
-                <a:latin typeface="arial"/>
-              </a:rPr>
-              <a:t>infrastructure</a:t>
-            </a:r>
-          </a:p>
-          <a:p>
-            <a:endParaRPr lang="en-NZ" b="1" dirty="0" smtClean="0">
-              <a:solidFill>
-                <a:srgbClr val="008000"/>
-              </a:solidFill>
-              <a:effectLst>
-                <a:outerShdw blurRad="38100" dist="38100" dir="2700000" algn="tl">
-                  <a:srgbClr val="000000">
-                    <a:alpha val="43137"/>
-                  </a:srgbClr>
-                </a:outerShdw>
-              </a:effectLst>
-              <a:latin typeface="arial"/>
-            </a:endParaRPr>
-          </a:p>
-          <a:p>
-            <a:endParaRPr lang="en-NZ" b="1" dirty="0">
-              <a:solidFill>
-                <a:srgbClr val="008000"/>
-              </a:solidFill>
-              <a:effectLst>
-                <a:outerShdw blurRad="38100" dist="38100" dir="2700000" algn="tl">
-                  <a:srgbClr val="000000">
-                    <a:alpha val="43137"/>
-                  </a:srgbClr>
-                </a:outerShdw>
-              </a:effectLst>
-              <a:latin typeface="arial"/>
-            </a:endParaRPr>
-          </a:p>
-          <a:p>
-            <a:r>
-              <a:rPr lang="en-NZ" dirty="0">
-                <a:solidFill>
-                  <a:srgbClr val="000000"/>
-                </a:solidFill>
-                <a:latin typeface="arial"/>
-              </a:rPr>
-              <a:t>The </a:t>
-            </a:r>
-            <a:r>
-              <a:rPr lang="en-NZ" b="1" dirty="0">
-                <a:solidFill>
-                  <a:srgbClr val="000000"/>
-                </a:solidFill>
-                <a:latin typeface="arial"/>
-              </a:rPr>
-              <a:t>Java EE platform </a:t>
-            </a:r>
-            <a:r>
-              <a:rPr lang="en-NZ" dirty="0">
-                <a:solidFill>
-                  <a:srgbClr val="000000"/>
-                </a:solidFill>
-                <a:latin typeface="arial"/>
-              </a:rPr>
-              <a:t>uses "</a:t>
-            </a:r>
-            <a:r>
-              <a:rPr lang="en-NZ" b="1" dirty="0">
-                <a:solidFill>
-                  <a:srgbClr val="0000FF"/>
-                </a:solidFill>
-                <a:effectLst>
-                  <a:outerShdw blurRad="38100" dist="38100" dir="2700000" algn="tl">
-                    <a:srgbClr val="000000">
-                      <a:alpha val="43137"/>
-                    </a:srgbClr>
-                  </a:outerShdw>
-                </a:effectLst>
-                <a:latin typeface="arial"/>
-              </a:rPr>
-              <a:t>containers</a:t>
-            </a:r>
-            <a:r>
-              <a:rPr lang="en-NZ" dirty="0">
-                <a:solidFill>
-                  <a:srgbClr val="000000"/>
-                </a:solidFill>
-                <a:latin typeface="arial"/>
-              </a:rPr>
-              <a:t>" to simplify development</a:t>
-            </a:r>
+            <a:pPr lvl="1"/>
+            <a:r>
+              <a:rPr lang="en-US" dirty="0"/>
+              <a:t>Communication </a:t>
+            </a:r>
+            <a:r>
+              <a:rPr lang="en-US" dirty="0" smtClean="0"/>
+              <a:t>Support</a:t>
+            </a:r>
+            <a:endParaRPr lang="en-US" dirty="0"/>
+          </a:p>
+          <a:p>
+            <a:pPr lvl="1"/>
+            <a:r>
+              <a:rPr lang="en-US" dirty="0"/>
+              <a:t>Lifecycle </a:t>
+            </a:r>
+            <a:r>
+              <a:rPr lang="en-US" dirty="0" smtClean="0"/>
+              <a:t>Management</a:t>
+            </a:r>
+            <a:endParaRPr lang="en-US" dirty="0"/>
+          </a:p>
+          <a:p>
+            <a:pPr lvl="1"/>
+            <a:r>
+              <a:rPr lang="en-US" dirty="0"/>
+              <a:t>Multi-threading </a:t>
+            </a:r>
+            <a:r>
+              <a:rPr lang="en-US" dirty="0" smtClean="0"/>
+              <a:t>support</a:t>
+            </a:r>
+            <a:endParaRPr lang="en-US" dirty="0"/>
+          </a:p>
+          <a:p>
+            <a:pPr lvl="1"/>
+            <a:r>
+              <a:rPr lang="en-US" dirty="0" smtClean="0"/>
+              <a:t>Security</a:t>
+            </a:r>
+            <a:endParaRPr lang="en-US" dirty="0"/>
+          </a:p>
+          <a:p>
+            <a:pPr lvl="1"/>
+            <a:r>
+              <a:rPr lang="en-US" dirty="0"/>
+              <a:t>JSP </a:t>
+            </a:r>
+            <a:r>
+              <a:rPr lang="en-US" dirty="0" smtClean="0"/>
+              <a:t>Support</a:t>
+            </a:r>
+          </a:p>
+          <a:p>
+            <a:pPr lvl="1"/>
+            <a:endParaRPr lang="en-US" dirty="0"/>
+          </a:p>
+          <a:p>
+            <a:r>
+              <a:rPr lang="en-US" dirty="0"/>
+              <a:t>A </a:t>
+            </a:r>
+            <a:r>
+              <a:rPr lang="en-US" b="1" dirty="0"/>
+              <a:t>web component</a:t>
+            </a:r>
+            <a:r>
+              <a:rPr lang="en-US" dirty="0"/>
+              <a:t> can be a Servlet, a JSP page, or a Java Server Faces page. </a:t>
+            </a:r>
+          </a:p>
+          <a:p>
+            <a:pPr marL="0" indent="0">
+              <a:buNone/>
+            </a:pPr>
             <a:endParaRPr lang="ro-RO" dirty="0"/>
           </a:p>
         </p:txBody>
       </p:sp>
-      <p:pic>
-        <p:nvPicPr>
-          <p:cNvPr id="5" name="Picture 4"/>
-          <p:cNvPicPr>
-            <a:picLocks noChangeAspect="1"/>
-          </p:cNvPicPr>
-          <p:nvPr/>
-        </p:nvPicPr>
-        <p:blipFill>
-          <a:blip r:embed="rId3">
-            <a:extLst>
-              <a:ext uri="{28A0092B-C50C-407E-A947-70E740481C1C}">
-                <a14:useLocalDpi xmlns:a14="http://schemas.microsoft.com/office/drawing/2010/main" val="0"/>
-              </a:ext>
-            </a:extLst>
-          </a:blip>
-          <a:stretch>
-            <a:fillRect/>
-          </a:stretch>
-        </p:blipFill>
-        <p:spPr>
-          <a:xfrm>
-            <a:off x="4178711" y="1772999"/>
-            <a:ext cx="4965290" cy="4344570"/>
-          </a:xfrm>
-          <a:prstGeom prst="rect">
-            <a:avLst/>
-          </a:prstGeom>
-        </p:spPr>
-      </p:pic>
     </p:spTree>
     <p:extLst>
       <p:ext uri="{BB962C8B-B14F-4D97-AF65-F5344CB8AC3E}">
-        <p14:creationId xmlns:p14="http://schemas.microsoft.com/office/powerpoint/2010/main" val="1004379006"/>
+        <p14:creationId xmlns:p14="http://schemas.microsoft.com/office/powerpoint/2010/main" val="3801540554"/>
       </p:ext>
     </p:extLst>
   </p:cSld>
@@ -30680,24 +30880,6 @@
 </file>
 
 <file path=customXml/item1.xml><?xml version="1.0" encoding="utf-8"?>
-<p:properties xmlns:p="http://schemas.microsoft.com/office/2006/metadata/properties" xmlns:xsi="http://www.w3.org/2001/XMLSchema-instance" xmlns:pc="http://schemas.microsoft.com/office/infopath/2007/PartnerControls">
-  <documentManagement>
-    <PublishingExpirationDate xmlns="http://schemas.microsoft.com/sharepoint/v3" xsi:nil="true"/>
-    <PublishingStartDate xmlns="http://schemas.microsoft.com/sharepoint/v3" xsi:nil="true"/>
-  </documentManagement>
-</p:properties>
-</file>
-
-<file path=customXml/item2.xml><?xml version="1.0" encoding="utf-8"?>
-<?mso-contentType ?>
-<FormTemplates xmlns="http://schemas.microsoft.com/sharepoint/v3/contenttype/forms">
-  <Display>DocumentLibraryForm</Display>
-  <Edit>DocumentLibraryForm</Edit>
-  <New>DocumentLibraryForm</New>
-</FormTemplates>
-</file>
-
-<file path=customXml/item3.xml><?xml version="1.0" encoding="utf-8"?>
 <ct:contentTypeSchema xmlns:ct="http://schemas.microsoft.com/office/2006/metadata/contentType" xmlns:ma="http://schemas.microsoft.com/office/2006/metadata/properties/metaAttributes" ct:_="" ma:_="" ma:contentTypeName="Document" ma:contentTypeID="0x0101002EAB9993CCBF73478E12853278F3FB5C" ma:contentTypeVersion="1" ma:contentTypeDescription="Create a new document." ma:contentTypeScope="" ma:versionID="4db10d317033d09fed4d0297d17c663a">
   <xsd:schema xmlns:xsd="http://www.w3.org/2001/XMLSchema" xmlns:xs="http://www.w3.org/2001/XMLSchema" xmlns:p="http://schemas.microsoft.com/office/2006/metadata/properties" xmlns:ns1="http://schemas.microsoft.com/sharepoint/v3" targetNamespace="http://schemas.microsoft.com/office/2006/metadata/properties" ma:root="true" ma:fieldsID="48c5b5cd9b8d25ff6dd15848836f4270" ns1:_="">
     <xsd:import namespace="http://schemas.microsoft.com/sharepoint/v3"/>
@@ -30829,7 +31011,43 @@
 </ct:contentTypeSchema>
 </file>
 
+<file path=customXml/item2.xml><?xml version="1.0" encoding="utf-8"?>
+<p:properties xmlns:p="http://schemas.microsoft.com/office/2006/metadata/properties" xmlns:xsi="http://www.w3.org/2001/XMLSchema-instance" xmlns:pc="http://schemas.microsoft.com/office/infopath/2007/PartnerControls">
+  <documentManagement>
+    <PublishingExpirationDate xmlns="http://schemas.microsoft.com/sharepoint/v3" xsi:nil="true"/>
+    <PublishingStartDate xmlns="http://schemas.microsoft.com/sharepoint/v3" xsi:nil="true"/>
+  </documentManagement>
+</p:properties>
+</file>
+
+<file path=customXml/item3.xml><?xml version="1.0" encoding="utf-8"?>
+<?mso-contentType ?>
+<FormTemplates xmlns="http://schemas.microsoft.com/sharepoint/v3/contenttype/forms">
+  <Display>DocumentLibraryForm</Display>
+  <Edit>DocumentLibraryForm</Edit>
+  <New>DocumentLibraryForm</New>
+</FormTemplates>
+</file>
+
 <file path=customXml/itemProps1.xml><?xml version="1.0" encoding="utf-8"?>
+<ds:datastoreItem xmlns:ds="http://schemas.openxmlformats.org/officeDocument/2006/customXml" ds:itemID="{E29AC310-E4D3-4181-8DC8-8BCBD631C9E0}">
+  <ds:schemaRefs>
+    <ds:schemaRef ds:uri="http://schemas.microsoft.com/office/2006/metadata/contentType"/>
+    <ds:schemaRef ds:uri="http://schemas.microsoft.com/office/2006/metadata/properties/metaAttributes"/>
+    <ds:schemaRef ds:uri="http://www.w3.org/2001/XMLSchema"/>
+    <ds:schemaRef ds:uri="http://schemas.microsoft.com/office/2006/metadata/properties"/>
+    <ds:schemaRef ds:uri="http://schemas.microsoft.com/sharepoint/v3"/>
+    <ds:schemaRef ds:uri="http://schemas.microsoft.com/office/2006/documentManagement/types"/>
+    <ds:schemaRef ds:uri="http://schemas.microsoft.com/office/infopath/2007/PartnerControls"/>
+    <ds:schemaRef ds:uri="http://schemas.openxmlformats.org/package/2006/metadata/core-properties"/>
+    <ds:schemaRef ds:uri="http://purl.org/dc/elements/1.1/"/>
+    <ds:schemaRef ds:uri="http://purl.org/dc/terms/"/>
+    <ds:schemaRef ds:uri="http://schemas.microsoft.com/internal/obd"/>
+  </ds:schemaRefs>
+</ds:datastoreItem>
+</file>
+
+<file path=customXml/itemProps2.xml><?xml version="1.0" encoding="utf-8"?>
 <ds:datastoreItem xmlns:ds="http://schemas.openxmlformats.org/officeDocument/2006/customXml" ds:itemID="{C1424CC9-255C-4972-B5F2-6F19B32F3DEA}">
   <ds:schemaRefs>
     <ds:schemaRef ds:uri="http://purl.org/dc/terms/"/>
@@ -30845,28 +31063,10 @@
 </ds:datastoreItem>
 </file>
 
-<file path=customXml/itemProps2.xml><?xml version="1.0" encoding="utf-8"?>
+<file path=customXml/itemProps3.xml><?xml version="1.0" encoding="utf-8"?>
 <ds:datastoreItem xmlns:ds="http://schemas.openxmlformats.org/officeDocument/2006/customXml" ds:itemID="{B3E8851E-A513-4DE1-BFEA-60B7444A3522}">
   <ds:schemaRefs>
     <ds:schemaRef ds:uri="http://schemas.microsoft.com/sharepoint/v3/contenttype/forms"/>
   </ds:schemaRefs>
 </ds:datastoreItem>
-</file>
-
-<file path=customXml/itemProps3.xml><?xml version="1.0" encoding="utf-8"?>
-<ds:datastoreItem xmlns:ds="http://schemas.openxmlformats.org/officeDocument/2006/customXml" ds:itemID="{E29AC310-E4D3-4181-8DC8-8BCBD631C9E0}">
-  <ds:schemaRefs>
-    <ds:schemaRef ds:uri="http://schemas.microsoft.com/office/2006/metadata/contentType"/>
-    <ds:schemaRef ds:uri="http://schemas.microsoft.com/office/2006/metadata/properties/metaAttributes"/>
-    <ds:schemaRef ds:uri="http://www.w3.org/2001/XMLSchema"/>
-    <ds:schemaRef ds:uri="http://schemas.microsoft.com/office/2006/metadata/properties"/>
-    <ds:schemaRef ds:uri="http://schemas.microsoft.com/sharepoint/v3"/>
-    <ds:schemaRef ds:uri="http://schemas.microsoft.com/office/2006/documentManagement/types"/>
-    <ds:schemaRef ds:uri="http://schemas.microsoft.com/office/infopath/2007/PartnerControls"/>
-    <ds:schemaRef ds:uri="http://schemas.openxmlformats.org/package/2006/metadata/core-properties"/>
-    <ds:schemaRef ds:uri="http://purl.org/dc/elements/1.1/"/>
-    <ds:schemaRef ds:uri="http://purl.org/dc/terms/"/>
-    <ds:schemaRef ds:uri="http://schemas.microsoft.com/internal/obd"/>
-  </ds:schemaRefs>
-</ds:datastoreItem>
 </file>